--- a/Web/resources/JavaScript高级/JavaScript 高级第二天/PPT/01-构造函数和原型.pptx
+++ b/Web/resources/JavaScript高级/JavaScript 高级第二天/PPT/01-构造函数和原型.pptx
@@ -139,7 +139,7 @@
   </p:defaultTextStyle>
   <p:extLst>
     <p:ext uri="{EFAFB233-063F-42B5-8137-9DF3F51BA10A}">
-      <p15:sldGuideLst xmlns="" xmlns:p15="http://schemas.microsoft.com/office/powerpoint/2012/main">
+      <p15:sldGuideLst xmlns:p15="http://schemas.microsoft.com/office/powerpoint/2012/main">
         <p15:guide id="1" orient="horz" pos="1674">
           <p15:clr>
             <a:srgbClr val="A4A3A4"/>
@@ -153,7 +153,7 @@
       </p15:sldGuideLst>
     </p:ext>
     <p:ext uri="{2D200454-40CA-4A62-9FC3-DE9A4176ACB9}">
-      <p15:notesGuideLst xmlns="" xmlns:p15="http://schemas.microsoft.com/office/powerpoint/2012/main"/>
+      <p15:notesGuideLst xmlns:p15="http://schemas.microsoft.com/office/powerpoint/2012/main"/>
     </p:ext>
   </p:extLst>
 </p:presentation>
@@ -247,7 +247,7 @@
           <a:p>
             <a:fld id="{E564E70D-C232-4356-A7F8-0AFEA0DE3F28}" type="datetimeFigureOut">
               <a:rPr lang="zh-CN" altLang="en-US" smtClean="0"/>
-              <a:t>2019/4/25</a:t>
+              <a:t>2022/2/13</a:t>
             </a:fld>
             <a:endParaRPr lang="zh-CN" altLang="en-US"/>
           </a:p>
@@ -2984,7 +2984,7 @@
           <a:p>
             <a:fld id="{59C60F8F-4E1E-ED4E-893F-DC034FAFF654}" type="datetimeFigureOut">
               <a:rPr lang="zh-CN" altLang="en-US"/>
-              <a:t>2019/4/25</a:t>
+              <a:t>2022/2/13</a:t>
             </a:fld>
             <a:endParaRPr kumimoji="1" lang="zh-CN" altLang="en-US"/>
           </a:p>
@@ -3074,7 +3074,7 @@
           <a:p>
             <a:fld id="{F31F57E1-EBC0-524C-9B6C-A0200F23BED1}" type="datetimeFigureOut">
               <a:rPr lang="zh-CN" altLang="en-US"/>
-              <a:t>2019/4/25</a:t>
+              <a:t>2022/2/13</a:t>
             </a:fld>
             <a:endParaRPr kumimoji="1" lang="zh-CN" altLang="en-US"/>
           </a:p>
@@ -3864,7 +3864,7 @@
           <a:p>
             <a:fld id="{F31F57E1-EBC0-524C-9B6C-A0200F23BED1}" type="datetimeFigureOut">
               <a:rPr lang="zh-CN" altLang="en-US"/>
-              <a:t>2019/4/25</a:t>
+              <a:t>2022/2/13</a:t>
             </a:fld>
             <a:endParaRPr kumimoji="1" lang="zh-CN" altLang="en-US"/>
           </a:p>
@@ -4771,7 +4771,7 @@
           <a:p>
             <a:fld id="{59C60F8F-4E1E-ED4E-893F-DC034FAFF654}" type="datetimeFigureOut">
               <a:rPr lang="zh-CN" altLang="en-US"/>
-              <a:t>2019/4/25</a:t>
+              <a:t>2022/2/13</a:t>
             </a:fld>
             <a:endParaRPr kumimoji="1" lang="zh-CN" altLang="en-US"/>
           </a:p>
@@ -5084,7 +5084,7 @@
           <a:p>
             <a:fld id="{F31F57E1-EBC0-524C-9B6C-A0200F23BED1}" type="datetimeFigureOut">
               <a:rPr lang="zh-CN" altLang="en-US"/>
-              <a:t>2019/4/25</a:t>
+              <a:t>2022/2/13</a:t>
             </a:fld>
             <a:endParaRPr kumimoji="1" lang="zh-CN" altLang="en-US"/>
           </a:p>
@@ -5863,7 +5863,7 @@
           <a:p>
             <a:fld id="{F31F57E1-EBC0-524C-9B6C-A0200F23BED1}" type="datetimeFigureOut">
               <a:rPr lang="zh-CN" altLang="en-US"/>
-              <a:t>2019/4/25</a:t>
+              <a:t>2022/2/13</a:t>
             </a:fld>
             <a:endParaRPr kumimoji="1" lang="zh-CN" altLang="en-US"/>
           </a:p>
@@ -6726,7 +6726,7 @@
           <a:p>
             <a:fld id="{F31F57E1-EBC0-524C-9B6C-A0200F23BED1}" type="datetimeFigureOut">
               <a:rPr lang="zh-CN" altLang="en-US"/>
-              <a:t>2019/4/25</a:t>
+              <a:t>2022/2/13</a:t>
             </a:fld>
             <a:endParaRPr kumimoji="1" lang="zh-CN" altLang="en-US"/>
           </a:p>
@@ -6935,7 +6935,7 @@
           <a:p>
             <a:fld id="{F31F57E1-EBC0-524C-9B6C-A0200F23BED1}" type="datetimeFigureOut">
               <a:rPr lang="en-US" altLang="zh-CN" smtClean="0"/>
-              <a:t>4/25/2019</a:t>
+              <a:t>2/13/2022</a:t>
             </a:fld>
             <a:endParaRPr kumimoji="1" lang="zh-CN" altLang="en-US"/>
           </a:p>
@@ -7314,7 +7314,7 @@
           <a:p>
             <a:fld id="{F31F57E1-EBC0-524C-9B6C-A0200F23BED1}" type="datetimeFigureOut">
               <a:rPr lang="en-US" altLang="zh-CN" smtClean="0"/>
-              <a:t>4/25/2019</a:t>
+              <a:t>2/13/2022</a:t>
             </a:fld>
             <a:endParaRPr kumimoji="1" lang="zh-CN" altLang="en-US"/>
           </a:p>
@@ -7909,7 +7909,7 @@
           <a:p>
             <a:fld id="{F31F57E1-EBC0-524C-9B6C-A0200F23BED1}" type="datetimeFigureOut">
               <a:rPr lang="zh-CN" altLang="en-US"/>
-              <a:t>2019/4/25</a:t>
+              <a:t>2022/2/13</a:t>
             </a:fld>
             <a:endParaRPr kumimoji="1" lang="zh-CN" altLang="en-US"/>
           </a:p>
@@ -8365,7 +8365,7 @@
           <a:p>
             <a:fld id="{F31F57E1-EBC0-524C-9B6C-A0200F23BED1}" type="datetimeFigureOut">
               <a:rPr lang="zh-CN" altLang="en-US"/>
-              <a:t>2019/4/25</a:t>
+              <a:t>2022/2/13</a:t>
             </a:fld>
             <a:endParaRPr kumimoji="1" lang="zh-CN" altLang="en-US"/>
           </a:p>
@@ -8820,7 +8820,7 @@
           <a:p>
             <a:fld id="{F31F57E1-EBC0-524C-9B6C-A0200F23BED1}" type="datetimeFigureOut">
               <a:rPr lang="zh-CN" altLang="en-US"/>
-              <a:t>2019/4/25</a:t>
+              <a:t>2022/2/13</a:t>
             </a:fld>
             <a:endParaRPr kumimoji="1" lang="zh-CN" altLang="en-US"/>
           </a:p>
@@ -10205,7 +10205,7 @@
           <a:p>
             <a:fld id="{F31F57E1-EBC0-524C-9B6C-A0200F23BED1}" type="datetimeFigureOut">
               <a:rPr lang="zh-CN" altLang="en-US"/>
-              <a:t>2019/4/25</a:t>
+              <a:t>2022/2/13</a:t>
             </a:fld>
             <a:endParaRPr kumimoji="1" lang="zh-CN" altLang="en-US"/>
           </a:p>
@@ -10622,10 +10622,9 @@
           <a:lstStyle/>
           <a:p>
             <a:r>
-              <a:rPr kumimoji="1" lang="zh-CN" altLang="en-US" dirty="0" smtClean="0"/>
+              <a:rPr kumimoji="1" lang="zh-CN" altLang="en-US" dirty="0"/>
               <a:t>构造函数和原型</a:t>
             </a:r>
-            <a:endParaRPr kumimoji="1" lang="zh-CN" altLang="en-US" dirty="0"/>
           </a:p>
         </p:txBody>
       </p:sp>
@@ -10637,13 +10636,6 @@
   <p:clrMapOvr>
     <a:masterClrMapping/>
   </p:clrMapOvr>
-  <p:timing>
-    <p:tnLst>
-      <p:par>
-        <p:cTn id="1" dur="indefinite" restart="never" nodeType="tmRoot"/>
-      </p:par>
-    </p:tnLst>
-  </p:timing>
 </p:sld>
 </file>
 
@@ -10693,7 +10685,7 @@
               <a:t>. </a:t>
             </a:r>
             <a:r>
-              <a:rPr lang="zh-CN" altLang="en-US" smtClean="0">
+              <a:rPr lang="zh-CN" altLang="en-US">
                 <a:sym typeface="+mn-ea"/>
               </a:rPr>
               <a:t>构造函数和原型</a:t>
@@ -10897,7 +10889,7 @@
           </a:lstStyle>
           <a:p>
             <a:r>
-              <a:rPr lang="zh-CN" altLang="en-US" dirty="0" smtClean="0">
+              <a:rPr lang="zh-CN" altLang="en-US" dirty="0">
                 <a:solidFill>
                   <a:srgbClr val="FF0000"/>
                 </a:solidFill>
@@ -10905,7 +10897,7 @@
               <a:t>对象原型（ </a:t>
             </a:r>
             <a:r>
-              <a:rPr lang="en-US" altLang="zh-CN" dirty="0" smtClean="0">
+              <a:rPr lang="en-US" altLang="zh-CN" dirty="0">
                 <a:solidFill>
                   <a:srgbClr val="FF0000"/>
                 </a:solidFill>
@@ -10913,7 +10905,7 @@
               <a:t>__proto__</a:t>
             </a:r>
             <a:r>
-              <a:rPr lang="zh-CN" altLang="en-US" dirty="0" smtClean="0">
+              <a:rPr lang="zh-CN" altLang="en-US" dirty="0">
                 <a:solidFill>
                   <a:srgbClr val="FF0000"/>
                 </a:solidFill>
@@ -10921,7 +10913,7 @@
               <a:t>）</a:t>
             </a:r>
             <a:r>
-              <a:rPr lang="zh-CN" altLang="en-US" dirty="0" smtClean="0">
+              <a:rPr lang="zh-CN" altLang="en-US" dirty="0">
                 <a:solidFill>
                   <a:schemeClr val="tx1"/>
                 </a:solidFill>
@@ -10929,7 +10921,7 @@
               <a:t>和</a:t>
             </a:r>
             <a:r>
-              <a:rPr lang="zh-CN" altLang="en-US" dirty="0" smtClean="0">
+              <a:rPr lang="zh-CN" altLang="en-US" dirty="0">
                 <a:solidFill>
                   <a:srgbClr val="FF0000"/>
                 </a:solidFill>
@@ -10937,7 +10929,7 @@
               <a:t>构造函数（prototype）原型对象</a:t>
             </a:r>
             <a:r>
-              <a:rPr lang="zh-CN" altLang="en-US" dirty="0" smtClean="0"/>
+              <a:rPr lang="zh-CN" altLang="en-US" dirty="0"/>
               <a:t>里面都有一个属性 </a:t>
             </a:r>
             <a:r>
@@ -10962,11 +10954,11 @@
               <a:t>属性</a:t>
             </a:r>
             <a:r>
-              <a:rPr lang="zh-CN" altLang="en-US" dirty="0" smtClean="0"/>
+              <a:rPr lang="zh-CN" altLang="en-US" dirty="0"/>
               <a:t> ，</a:t>
             </a:r>
             <a:r>
-              <a:rPr dirty="0" smtClean="0">
+              <a:rPr dirty="0">
                 <a:sym typeface="+mn-ea"/>
               </a:rPr>
               <a:t>constructor </a:t>
@@ -10975,21 +10967,15 @@
               <a:rPr lang="zh-CN" dirty="0">
                 <a:sym typeface="+mn-ea"/>
               </a:rPr>
-              <a:t>我们称为构造函数，因为它指回构造函数</a:t>
-            </a:r>
-            <a:r>
-              <a:rPr lang="zh-CN" dirty="0" smtClean="0">
-                <a:sym typeface="+mn-ea"/>
-              </a:rPr>
-              <a:t>本身</a:t>
-            </a:r>
-            <a:r>
-              <a:rPr lang="zh-CN" altLang="en-US" dirty="0" smtClean="0">
+              <a:t>我们称为构造函数，因为它指回构造函数本身</a:t>
+            </a:r>
+            <a:r>
+              <a:rPr lang="zh-CN" altLang="en-US" dirty="0">
                 <a:sym typeface="+mn-ea"/>
               </a:rPr>
               <a:t>。</a:t>
             </a:r>
-            <a:endParaRPr lang="zh-CN" altLang="en-US" dirty="0" smtClean="0"/>
+            <a:endParaRPr lang="zh-CN" altLang="en-US" dirty="0"/>
           </a:p>
           <a:p>
             <a:r>
@@ -10999,248 +10985,122 @@
               <a:t>constructor </a:t>
             </a:r>
             <a:r>
-              <a:rPr lang="zh-CN" dirty="0" smtClean="0">
+              <a:rPr lang="zh-CN" dirty="0">
                 <a:sym typeface="+mn-ea"/>
               </a:rPr>
               <a:t>主要</a:t>
             </a:r>
             <a:r>
-              <a:rPr lang="zh-CN" altLang="en-US" dirty="0" smtClean="0">
+              <a:rPr lang="zh-CN" altLang="en-US" dirty="0">
                 <a:sym typeface="+mn-ea"/>
               </a:rPr>
               <a:t>用于</a:t>
             </a:r>
             <a:r>
-              <a:rPr lang="zh-CN" dirty="0" smtClean="0">
+              <a:rPr lang="zh-CN" dirty="0">
                 <a:sym typeface="+mn-ea"/>
               </a:rPr>
               <a:t>记录</a:t>
             </a:r>
             <a:r>
-              <a:rPr lang="zh-CN" altLang="en-US" dirty="0" smtClean="0">
+              <a:rPr lang="zh-CN" altLang="en-US" dirty="0">
                 <a:sym typeface="+mn-ea"/>
               </a:rPr>
               <a:t>该</a:t>
             </a:r>
             <a:r>
-              <a:rPr lang="zh-CN" dirty="0" smtClean="0">
-                <a:sym typeface="+mn-ea"/>
-              </a:rPr>
-              <a:t>对象</a:t>
-            </a:r>
-            <a:r>
               <a:rPr lang="zh-CN" dirty="0">
                 <a:sym typeface="+mn-ea"/>
               </a:rPr>
-              <a:t>引用</a:t>
-            </a:r>
-            <a:r>
-              <a:rPr lang="zh-CN" dirty="0" smtClean="0">
-                <a:sym typeface="+mn-ea"/>
-              </a:rPr>
-              <a:t>于</a:t>
-            </a:r>
-            <a:r>
-              <a:rPr lang="zh-CN" altLang="en-US" dirty="0" smtClean="0">
+              <a:t>对象引用于</a:t>
+            </a:r>
+            <a:r>
+              <a:rPr lang="zh-CN" altLang="en-US" dirty="0">
                 <a:sym typeface="+mn-ea"/>
               </a:rPr>
               <a:t>哪</a:t>
             </a:r>
             <a:r>
-              <a:rPr lang="zh-CN" dirty="0" smtClean="0">
-                <a:sym typeface="+mn-ea"/>
-              </a:rPr>
-              <a:t>个</a:t>
-            </a:r>
-            <a:r>
               <a:rPr lang="zh-CN" dirty="0">
                 <a:sym typeface="+mn-ea"/>
               </a:rPr>
-              <a:t>构造</a:t>
-            </a:r>
-            <a:r>
-              <a:rPr lang="zh-CN" dirty="0" smtClean="0">
-                <a:sym typeface="+mn-ea"/>
-              </a:rPr>
-              <a:t>函数</a:t>
-            </a:r>
-            <a:r>
-              <a:rPr lang="zh-CN" altLang="en-US" dirty="0" smtClean="0">
+              <a:t>个构造函数</a:t>
+            </a:r>
+            <a:r>
+              <a:rPr lang="zh-CN" altLang="en-US" dirty="0">
                 <a:sym typeface="+mn-ea"/>
               </a:rPr>
               <a:t>，它</a:t>
             </a:r>
             <a:r>
-              <a:rPr lang="zh-CN" dirty="0" smtClean="0">
-                <a:sym typeface="+mn-ea"/>
-              </a:rPr>
-              <a:t>可以</a:t>
-            </a:r>
-            <a:r>
               <a:rPr lang="zh-CN" dirty="0">
                 <a:sym typeface="+mn-ea"/>
               </a:rPr>
-              <a:t>让原型对象</a:t>
-            </a:r>
-            <a:r>
-              <a:rPr lang="zh-CN" dirty="0" smtClean="0">
-                <a:sym typeface="+mn-ea"/>
-              </a:rPr>
-              <a:t>重</a:t>
-            </a:r>
-            <a:r>
-              <a:rPr lang="zh-CN" altLang="en-US" dirty="0" smtClean="0">
+              <a:t>可以让原型对象重</a:t>
+            </a:r>
+            <a:r>
+              <a:rPr lang="zh-CN" altLang="en-US" dirty="0">
                 <a:sym typeface="+mn-ea"/>
               </a:rPr>
               <a:t>新</a:t>
             </a:r>
             <a:r>
-              <a:rPr lang="zh-CN" dirty="0" smtClean="0">
-                <a:sym typeface="+mn-ea"/>
-              </a:rPr>
-              <a:t>指向</a:t>
-            </a:r>
-            <a:r>
               <a:rPr lang="zh-CN" dirty="0">
                 <a:sym typeface="+mn-ea"/>
               </a:rPr>
-              <a:t>原来的构造函数。</a:t>
+              <a:t>指向原来的构造函数。</a:t>
             </a:r>
           </a:p>
           <a:p>
             <a:r>
-              <a:rPr lang="zh-CN" altLang="en-US" dirty="0" smtClean="0">
+              <a:rPr lang="zh-CN" altLang="en-US" dirty="0">
                 <a:solidFill>
                   <a:srgbClr val="FF0000"/>
                 </a:solidFill>
                 <a:sym typeface="+mn-ea"/>
               </a:rPr>
-              <a:t>一般</a:t>
+              <a:t>一般情况下，对象的方法都在构造函数的原型对象中设置。</a:t>
             </a:r>
             <a:r>
               <a:rPr lang="zh-CN" altLang="en-US" dirty="0">
-                <a:solidFill>
-                  <a:srgbClr val="FF0000"/>
-                </a:solidFill>
-                <a:sym typeface="+mn-ea"/>
-              </a:rPr>
-              <a:t>情况下，对象的方法都在构造函数的原型对象中设置</a:t>
-            </a:r>
-            <a:r>
-              <a:rPr lang="zh-CN" altLang="en-US" dirty="0" smtClean="0">
-                <a:solidFill>
-                  <a:srgbClr val="FF0000"/>
-                </a:solidFill>
-                <a:sym typeface="+mn-ea"/>
-              </a:rPr>
-              <a:t>。</a:t>
-            </a:r>
-            <a:r>
-              <a:rPr lang="zh-CN" altLang="en-US" dirty="0" smtClean="0">
-                <a:sym typeface="+mn-ea"/>
-              </a:rPr>
-              <a:t>如果</a:t>
+                <a:sym typeface="+mn-ea"/>
+              </a:rPr>
+              <a:t>如果有多个对象的方法，我们可以给原型对象采取对象形式赋值，但是这样就会覆盖构造函数原型对象原来的内容，这样修改后的原型对象 </a:t>
+            </a:r>
+            <a:r>
+              <a:rPr dirty="0">
+                <a:sym typeface="+mn-ea"/>
+              </a:rPr>
+              <a:t>constructor  </a:t>
+            </a:r>
+            <a:r>
+              <a:rPr lang="zh-CN" dirty="0">
+                <a:sym typeface="+mn-ea"/>
+              </a:rPr>
+              <a:t>就不再指向当前构造函数了。</a:t>
             </a:r>
             <a:r>
               <a:rPr lang="zh-CN" altLang="en-US" dirty="0">
                 <a:sym typeface="+mn-ea"/>
               </a:rPr>
-              <a:t>有多个对象的方法，我们可以给原型对象采取对象形式</a:t>
-            </a:r>
-            <a:r>
-              <a:rPr lang="zh-CN" altLang="en-US" dirty="0" smtClean="0">
-                <a:sym typeface="+mn-ea"/>
-              </a:rPr>
-              <a:t>赋值，但是</a:t>
-            </a:r>
-            <a:r>
-              <a:rPr lang="zh-CN" altLang="en-US" dirty="0">
-                <a:sym typeface="+mn-ea"/>
-              </a:rPr>
-              <a:t>这样就会覆盖构造</a:t>
-            </a:r>
-            <a:r>
-              <a:rPr lang="zh-CN" altLang="en-US" dirty="0" smtClean="0">
-                <a:sym typeface="+mn-ea"/>
-              </a:rPr>
-              <a:t>函数原型对象原来</a:t>
-            </a:r>
-            <a:r>
-              <a:rPr lang="zh-CN" altLang="en-US" dirty="0">
-                <a:sym typeface="+mn-ea"/>
-              </a:rPr>
-              <a:t>的内容，这样修改后的原型对象 </a:t>
+              <a:t>此时，我们可以在修改后的原型对象中，添加一个 </a:t>
             </a:r>
             <a:r>
               <a:rPr dirty="0">
                 <a:sym typeface="+mn-ea"/>
               </a:rPr>
-              <a:t>constructor  </a:t>
+              <a:t>constructor </a:t>
             </a:r>
             <a:r>
               <a:rPr lang="zh-CN" dirty="0">
                 <a:sym typeface="+mn-ea"/>
               </a:rPr>
-              <a:t>就不再</a:t>
-            </a:r>
-            <a:r>
-              <a:rPr lang="zh-CN" dirty="0" smtClean="0">
-                <a:sym typeface="+mn-ea"/>
-              </a:rPr>
-              <a:t>指向当前</a:t>
-            </a:r>
-            <a:r>
-              <a:rPr lang="zh-CN" dirty="0">
-                <a:sym typeface="+mn-ea"/>
-              </a:rPr>
-              <a:t>构造函数了</a:t>
-            </a:r>
-            <a:r>
-              <a:rPr lang="zh-CN" dirty="0" smtClean="0">
-                <a:sym typeface="+mn-ea"/>
-              </a:rPr>
-              <a:t>。</a:t>
-            </a:r>
-            <a:r>
-              <a:rPr lang="zh-CN" altLang="en-US" dirty="0" smtClean="0">
-                <a:sym typeface="+mn-ea"/>
-              </a:rPr>
-              <a:t>此时</a:t>
-            </a:r>
-            <a:r>
-              <a:rPr lang="zh-CN" altLang="en-US" dirty="0">
-                <a:sym typeface="+mn-ea"/>
-              </a:rPr>
-              <a:t>，我们可以在修改后的原型对象中，添加一</a:t>
-            </a:r>
-            <a:r>
-              <a:rPr lang="zh-CN" altLang="en-US" dirty="0" smtClean="0">
-                <a:sym typeface="+mn-ea"/>
-              </a:rPr>
-              <a:t>个 </a:t>
-            </a:r>
-            <a:r>
-              <a:rPr dirty="0" smtClean="0">
-                <a:sym typeface="+mn-ea"/>
-              </a:rPr>
-              <a:t>constructor </a:t>
-            </a:r>
-            <a:r>
-              <a:rPr lang="zh-CN" dirty="0" smtClean="0">
-                <a:sym typeface="+mn-ea"/>
-              </a:rPr>
-              <a:t>指向</a:t>
-            </a:r>
-            <a:r>
-              <a:rPr lang="zh-CN" dirty="0">
-                <a:sym typeface="+mn-ea"/>
-              </a:rPr>
-              <a:t>原来的构造函数。</a:t>
-            </a:r>
-            <a:endParaRPr lang="zh-CN" altLang="en-US" dirty="0" smtClean="0"/>
+              <a:t>指向原来的构造函数。</a:t>
+            </a:r>
+            <a:endParaRPr lang="zh-CN" altLang="en-US" dirty="0"/>
           </a:p>
           <a:p>
-            <a:endParaRPr lang="zh-CN" altLang="en-US" dirty="0" smtClean="0">
+            <a:endParaRPr lang="zh-CN" altLang="en-US" dirty="0">
               <a:solidFill>
                 <a:schemeClr val="tx1"/>
               </a:solidFill>
@@ -11270,12 +11130,8 @@
           <a:lstStyle/>
           <a:p>
             <a:r>
-              <a:rPr lang="en-US" altLang="zh-CN" smtClean="0"/>
-              <a:t>1.6 </a:t>
-            </a:r>
-            <a:r>
               <a:rPr lang="en-US" altLang="zh-CN"/>
-              <a:t>constructor  </a:t>
+              <a:t>1.6 constructor  </a:t>
             </a:r>
             <a:r>
               <a:rPr lang="zh-CN" altLang="en-US"/>
@@ -11517,7 +11373,7 @@
               <a:t>. </a:t>
             </a:r>
             <a:r>
-              <a:rPr lang="zh-CN" altLang="en-US" smtClean="0">
+              <a:rPr lang="zh-CN" altLang="en-US">
                 <a:sym typeface="+mn-ea"/>
               </a:rPr>
               <a:t>构造函数和原型</a:t>
@@ -11568,7 +11424,7 @@
           <a:p>
             <a:pPr algn="ctr"/>
             <a:r>
-              <a:rPr lang="en-US" altLang="zh-CN" dirty="0" smtClean="0"/>
+              <a:rPr lang="en-US" altLang="zh-CN" dirty="0"/>
               <a:t>Star </a:t>
             </a:r>
             <a:r>
@@ -11615,11 +11471,11 @@
           <a:p>
             <a:pPr algn="ctr"/>
             <a:r>
-              <a:rPr lang="en-US" altLang="zh-CN" dirty="0" err="1" smtClean="0"/>
+              <a:rPr lang="en-US" altLang="zh-CN" dirty="0" err="1"/>
               <a:t>ldh</a:t>
             </a:r>
             <a:r>
-              <a:rPr lang="en-US" altLang="zh-CN" dirty="0" smtClean="0"/>
+              <a:rPr lang="en-US" altLang="zh-CN" dirty="0"/>
               <a:t> </a:t>
             </a:r>
             <a:r>
@@ -11666,16 +11522,12 @@
           <a:p>
             <a:pPr algn="ctr"/>
             <a:r>
-              <a:rPr lang="en-US" altLang="zh-CN" dirty="0" smtClean="0"/>
+              <a:rPr lang="en-US" altLang="zh-CN" dirty="0"/>
               <a:t>Star</a:t>
             </a:r>
             <a:r>
-              <a:rPr lang="zh-CN" dirty="0" smtClean="0"/>
-              <a:t>原型</a:t>
-            </a:r>
-            <a:r>
               <a:rPr lang="zh-CN" dirty="0"/>
-              <a:t>对象</a:t>
+              <a:t>原型对象</a:t>
             </a:r>
             <a:r>
               <a:rPr lang="en-US" altLang="zh-CN" dirty="0"/>
@@ -11825,7 +11677,7 @@
         <p:spPr>
           <a:xfrm>
             <a:off x="4981984" y="2974975"/>
-            <a:ext cx="1070358" cy="276999"/>
+            <a:ext cx="1180388" cy="276999"/>
           </a:xfrm>
           <a:prstGeom prst="rect">
             <a:avLst/>
@@ -11839,16 +11691,12 @@
           <a:lstStyle/>
           <a:p>
             <a:r>
-              <a:rPr lang="en-US" altLang="zh-CN" sz="1200" dirty="0" err="1" smtClean="0"/>
-              <a:t>ldh</a:t>
-            </a:r>
-            <a:r>
-              <a:rPr lang="en-US" altLang="zh-CN" sz="1200" dirty="0" smtClean="0"/>
-              <a:t>.__</a:t>
+              <a:rPr lang="en-US" altLang="zh-CN" sz="1200" dirty="0" err="1"/>
+              <a:t>carol.__proto</a:t>
             </a:r>
             <a:r>
               <a:rPr lang="en-US" altLang="zh-CN" sz="1200" dirty="0"/>
-              <a:t>proto__</a:t>
+              <a:t>__</a:t>
             </a:r>
           </a:p>
         </p:txBody>
@@ -11877,7 +11725,7 @@
           <a:p>
             <a:pPr algn="l"/>
             <a:r>
-              <a:rPr lang="en-US" altLang="zh-CN" sz="1200" dirty="0" err="1" smtClean="0"/>
+              <a:rPr lang="en-US" altLang="zh-CN" sz="1200" dirty="0" err="1"/>
               <a:t>Star.prototype.constructor</a:t>
             </a:r>
             <a:endParaRPr lang="en-US" altLang="zh-CN" sz="1200" dirty="0"/>
@@ -11908,7 +11756,7 @@
           <a:p>
             <a:pPr algn="l"/>
             <a:r>
-              <a:rPr lang="en-US" sz="1200" dirty="0" err="1" smtClean="0"/>
+              <a:rPr lang="en-US" sz="1200" dirty="0" err="1"/>
               <a:t>Star.prototype</a:t>
             </a:r>
             <a:endParaRPr lang="en-US" sz="1200" dirty="0"/>
@@ -11936,7 +11784,7 @@
           <a:lstStyle/>
           <a:p>
             <a:r>
-              <a:rPr lang="en-US" altLang="zh-CN" dirty="0" smtClean="0"/>
+              <a:rPr lang="en-US" altLang="zh-CN" dirty="0"/>
               <a:t>1.7 </a:t>
             </a:r>
             <a:r>
@@ -11955,7 +11803,7 @@
         <p:spPr>
           <a:xfrm>
             <a:off x="3069938" y="4411547"/>
-            <a:ext cx="1828899" cy="276999"/>
+            <a:ext cx="1938929" cy="276999"/>
           </a:xfrm>
           <a:prstGeom prst="rect">
             <a:avLst/>
@@ -11969,20 +11817,8 @@
           <a:lstStyle/>
           <a:p>
             <a:r>
-              <a:rPr lang="en-US" altLang="zh-CN" sz="1200" dirty="0" err="1" smtClean="0"/>
-              <a:t>ldh</a:t>
-            </a:r>
-            <a:r>
-              <a:rPr lang="en-US" altLang="zh-CN" sz="1200" dirty="0" smtClean="0"/>
-              <a:t>.__</a:t>
-            </a:r>
-            <a:r>
               <a:rPr lang="en-US" altLang="zh-CN" sz="1200" dirty="0" err="1"/>
-              <a:t>proto</a:t>
-            </a:r>
-            <a:r>
-              <a:rPr lang="en-US" altLang="zh-CN" sz="1200" dirty="0" err="1" smtClean="0"/>
-              <a:t>__.constructor</a:t>
+              <a:t>carol.__proto__.constructor</a:t>
             </a:r>
             <a:endParaRPr lang="en-US" altLang="zh-CN" sz="1200" dirty="0"/>
           </a:p>
@@ -12523,7 +12359,7 @@
               <a:t>. </a:t>
             </a:r>
             <a:r>
-              <a:rPr lang="zh-CN" altLang="en-US" smtClean="0">
+              <a:rPr lang="zh-CN" altLang="en-US">
                 <a:sym typeface="+mn-ea"/>
               </a:rPr>
               <a:t>构造函数和原型</a:t>
@@ -12534,872 +12370,6 @@
               </a:solidFill>
               <a:sym typeface="+mn-ea"/>
             </a:endParaRPr>
-          </a:p>
-        </p:txBody>
-      </p:sp>
-      <p:sp>
-        <p:nvSpPr>
-          <p:cNvPr id="3" name="圆角矩形 2"/>
-          <p:cNvSpPr/>
-          <p:nvPr/>
-        </p:nvSpPr>
-        <p:spPr>
-          <a:xfrm>
-            <a:off x="741734" y="3462944"/>
-            <a:ext cx="1150620" cy="434974"/>
-          </a:xfrm>
-          <a:prstGeom prst="roundRect">
-            <a:avLst/>
-          </a:prstGeom>
-        </p:spPr>
-        <p:style>
-          <a:lnRef idx="2">
-            <a:schemeClr val="accent1">
-              <a:shade val="50000"/>
-            </a:schemeClr>
-          </a:lnRef>
-          <a:fillRef idx="1">
-            <a:schemeClr val="accent1"/>
-          </a:fillRef>
-          <a:effectRef idx="0">
-            <a:schemeClr val="accent1"/>
-          </a:effectRef>
-          <a:fontRef idx="minor">
-            <a:schemeClr val="lt1"/>
-          </a:fontRef>
-        </p:style>
-        <p:txBody>
-          <a:bodyPr rtlCol="0" anchor="ctr"/>
-          <a:lstStyle/>
-          <a:p>
-            <a:pPr algn="ctr"/>
-            <a:r>
-              <a:rPr lang="en-US" altLang="zh-CN" sz="900" dirty="0" smtClean="0">
-                <a:latin typeface="微软雅黑" panose="020B0503020204020204" pitchFamily="34" charset="-122"/>
-                <a:ea typeface="微软雅黑" panose="020B0503020204020204" pitchFamily="34" charset="-122"/>
-              </a:rPr>
-              <a:t>Star </a:t>
-            </a:r>
-            <a:r>
-              <a:rPr lang="zh-CN" altLang="en-US" sz="900" dirty="0">
-                <a:latin typeface="微软雅黑" panose="020B0503020204020204" pitchFamily="34" charset="-122"/>
-                <a:ea typeface="微软雅黑" panose="020B0503020204020204" pitchFamily="34" charset="-122"/>
-              </a:rPr>
-              <a:t>构造</a:t>
-            </a:r>
-            <a:r>
-              <a:rPr lang="zh-CN" altLang="en-US" sz="900" dirty="0" smtClean="0">
-                <a:latin typeface="微软雅黑" panose="020B0503020204020204" pitchFamily="34" charset="-122"/>
-                <a:ea typeface="微软雅黑" panose="020B0503020204020204" pitchFamily="34" charset="-122"/>
-              </a:rPr>
-              <a:t>函数</a:t>
-            </a:r>
-            <a:endParaRPr lang="en-US" altLang="zh-CN" sz="900" dirty="0" smtClean="0">
-              <a:latin typeface="微软雅黑" panose="020B0503020204020204" pitchFamily="34" charset="-122"/>
-              <a:ea typeface="微软雅黑" panose="020B0503020204020204" pitchFamily="34" charset="-122"/>
-            </a:endParaRPr>
-          </a:p>
-        </p:txBody>
-      </p:sp>
-      <p:sp>
-        <p:nvSpPr>
-          <p:cNvPr id="6" name="圆角矩形 5"/>
-          <p:cNvSpPr/>
-          <p:nvPr/>
-        </p:nvSpPr>
-        <p:spPr>
-          <a:xfrm>
-            <a:off x="3444875" y="3458498"/>
-            <a:ext cx="1220470" cy="443865"/>
-          </a:xfrm>
-          <a:prstGeom prst="roundRect">
-            <a:avLst/>
-          </a:prstGeom>
-        </p:spPr>
-        <p:style>
-          <a:lnRef idx="2">
-            <a:schemeClr val="accent1">
-              <a:shade val="50000"/>
-            </a:schemeClr>
-          </a:lnRef>
-          <a:fillRef idx="1">
-            <a:schemeClr val="accent1"/>
-          </a:fillRef>
-          <a:effectRef idx="0">
-            <a:schemeClr val="accent1"/>
-          </a:effectRef>
-          <a:fontRef idx="minor">
-            <a:schemeClr val="lt1"/>
-          </a:fontRef>
-        </p:style>
-        <p:txBody>
-          <a:bodyPr rtlCol="0" anchor="ctr"/>
-          <a:lstStyle/>
-          <a:p>
-            <a:pPr algn="ctr"/>
-            <a:r>
-              <a:rPr lang="en-US" altLang="zh-CN" sz="900" dirty="0" smtClean="0"/>
-              <a:t>Star</a:t>
-            </a:r>
-            <a:r>
-              <a:rPr lang="zh-CN" sz="900" dirty="0" smtClean="0"/>
-              <a:t>原型</a:t>
-            </a:r>
-            <a:r>
-              <a:rPr lang="zh-CN" sz="900" dirty="0"/>
-              <a:t>对象</a:t>
-            </a:r>
-            <a:r>
-              <a:rPr lang="en-US" altLang="zh-CN" sz="900" dirty="0"/>
-              <a:t>prototype</a:t>
-            </a:r>
-          </a:p>
-        </p:txBody>
-      </p:sp>
-      <p:cxnSp>
-        <p:nvCxnSpPr>
-          <p:cNvPr id="8" name="直接箭头连接符 7"/>
-          <p:cNvCxnSpPr>
-            <a:endCxn id="28" idx="1"/>
-          </p:cNvCxnSpPr>
-          <p:nvPr/>
-        </p:nvCxnSpPr>
-        <p:spPr>
-          <a:xfrm>
-            <a:off x="1454839" y="3919191"/>
-            <a:ext cx="745490" cy="739140"/>
-          </a:xfrm>
-          <a:prstGeom prst="straightConnector1">
-            <a:avLst/>
-          </a:prstGeom>
-          <a:ln w="19050">
-            <a:tailEnd type="arrow"/>
-          </a:ln>
-        </p:spPr>
-        <p:style>
-          <a:lnRef idx="1">
-            <a:schemeClr val="accent1"/>
-          </a:lnRef>
-          <a:fillRef idx="0">
-            <a:schemeClr val="accent1"/>
-          </a:fillRef>
-          <a:effectRef idx="0">
-            <a:schemeClr val="accent1"/>
-          </a:effectRef>
-          <a:fontRef idx="minor">
-            <a:schemeClr val="tx1"/>
-          </a:fontRef>
-        </p:style>
-      </p:cxnSp>
-      <p:cxnSp>
-        <p:nvCxnSpPr>
-          <p:cNvPr id="9" name="直接箭头连接符 8"/>
-          <p:cNvCxnSpPr>
-            <a:stCxn id="28" idx="3"/>
-            <a:endCxn id="6" idx="2"/>
-          </p:cNvCxnSpPr>
-          <p:nvPr/>
-        </p:nvCxnSpPr>
-        <p:spPr>
-          <a:xfrm flipV="1">
-            <a:off x="3350949" y="3902363"/>
-            <a:ext cx="704161" cy="755968"/>
-          </a:xfrm>
-          <a:prstGeom prst="straightConnector1">
-            <a:avLst/>
-          </a:prstGeom>
-          <a:ln w="19050">
-            <a:tailEnd type="arrow"/>
-          </a:ln>
-        </p:spPr>
-        <p:style>
-          <a:lnRef idx="1">
-            <a:schemeClr val="accent1"/>
-          </a:lnRef>
-          <a:fillRef idx="0">
-            <a:schemeClr val="accent1"/>
-          </a:fillRef>
-          <a:effectRef idx="0">
-            <a:schemeClr val="accent1"/>
-          </a:effectRef>
-          <a:fontRef idx="minor">
-            <a:schemeClr val="tx1"/>
-          </a:fontRef>
-        </p:style>
-      </p:cxnSp>
-      <p:cxnSp>
-        <p:nvCxnSpPr>
-          <p:cNvPr id="11" name="直接箭头连接符 10"/>
-          <p:cNvCxnSpPr/>
-          <p:nvPr/>
-        </p:nvCxnSpPr>
-        <p:spPr>
-          <a:xfrm>
-            <a:off x="1892354" y="3734675"/>
-            <a:ext cx="1539240" cy="0"/>
-          </a:xfrm>
-          <a:prstGeom prst="straightConnector1">
-            <a:avLst/>
-          </a:prstGeom>
-          <a:ln w="19050">
-            <a:headEnd type="arrow" w="med" len="med"/>
-            <a:tailEnd type="none" w="med" len="med"/>
-          </a:ln>
-        </p:spPr>
-        <p:style>
-          <a:lnRef idx="1">
-            <a:schemeClr val="accent1"/>
-          </a:lnRef>
-          <a:fillRef idx="0">
-            <a:schemeClr val="accent1"/>
-          </a:fillRef>
-          <a:effectRef idx="0">
-            <a:schemeClr val="accent1"/>
-          </a:effectRef>
-          <a:fontRef idx="minor">
-            <a:schemeClr val="tx1"/>
-          </a:fontRef>
-        </p:style>
-      </p:cxnSp>
-      <p:cxnSp>
-        <p:nvCxnSpPr>
-          <p:cNvPr id="12" name="直接箭头连接符 11"/>
-          <p:cNvCxnSpPr/>
-          <p:nvPr/>
-        </p:nvCxnSpPr>
-        <p:spPr>
-          <a:xfrm>
-            <a:off x="1892354" y="3587022"/>
-            <a:ext cx="1536065" cy="0"/>
-          </a:xfrm>
-          <a:prstGeom prst="straightConnector1">
-            <a:avLst/>
-          </a:prstGeom>
-          <a:ln w="19050">
-            <a:tailEnd type="arrow"/>
-          </a:ln>
-        </p:spPr>
-        <p:style>
-          <a:lnRef idx="1">
-            <a:schemeClr val="accent1"/>
-          </a:lnRef>
-          <a:fillRef idx="0">
-            <a:schemeClr val="accent1"/>
-          </a:fillRef>
-          <a:effectRef idx="0">
-            <a:schemeClr val="accent1"/>
-          </a:effectRef>
-          <a:fontRef idx="minor">
-            <a:schemeClr val="tx1"/>
-          </a:fontRef>
-        </p:style>
-      </p:cxnSp>
-      <p:sp>
-        <p:nvSpPr>
-          <p:cNvPr id="14" name="文本框 13"/>
-          <p:cNvSpPr txBox="1"/>
-          <p:nvPr/>
-        </p:nvSpPr>
-        <p:spPr>
-          <a:xfrm>
-            <a:off x="3879199" y="4210012"/>
-            <a:ext cx="959937" cy="230832"/>
-          </a:xfrm>
-          <a:prstGeom prst="rect">
-            <a:avLst/>
-          </a:prstGeom>
-          <a:noFill/>
-        </p:spPr>
-        <p:txBody>
-          <a:bodyPr wrap="square" rtlCol="0">
-            <a:spAutoFit/>
-          </a:bodyPr>
-          <a:lstStyle/>
-          <a:p>
-            <a:r>
-              <a:rPr lang="en-US" altLang="zh-CN" sz="900" dirty="0" err="1">
-                <a:latin typeface="微软雅黑" panose="020B0503020204020204" pitchFamily="34" charset="-122"/>
-                <a:ea typeface="微软雅黑" panose="020B0503020204020204" pitchFamily="34" charset="-122"/>
-              </a:rPr>
-              <a:t>ldh</a:t>
-            </a:r>
-            <a:r>
-              <a:rPr lang="en-US" altLang="zh-CN" sz="900" dirty="0" smtClean="0">
-                <a:latin typeface="微软雅黑" panose="020B0503020204020204" pitchFamily="34" charset="-122"/>
-                <a:ea typeface="微软雅黑" panose="020B0503020204020204" pitchFamily="34" charset="-122"/>
-              </a:rPr>
-              <a:t>.__</a:t>
-            </a:r>
-            <a:r>
-              <a:rPr lang="en-US" altLang="zh-CN" sz="900" dirty="0">
-                <a:latin typeface="微软雅黑" panose="020B0503020204020204" pitchFamily="34" charset="-122"/>
-                <a:ea typeface="微软雅黑" panose="020B0503020204020204" pitchFamily="34" charset="-122"/>
-              </a:rPr>
-              <a:t>proto__</a:t>
-            </a:r>
-          </a:p>
-        </p:txBody>
-      </p:sp>
-      <p:sp>
-        <p:nvSpPr>
-          <p:cNvPr id="16" name="文本框 15"/>
-          <p:cNvSpPr txBox="1"/>
-          <p:nvPr/>
-        </p:nvSpPr>
-        <p:spPr>
-          <a:xfrm>
-            <a:off x="2053617" y="3755960"/>
-            <a:ext cx="1409006" cy="230832"/>
-          </a:xfrm>
-          <a:prstGeom prst="rect">
-            <a:avLst/>
-          </a:prstGeom>
-          <a:noFill/>
-        </p:spPr>
-        <p:txBody>
-          <a:bodyPr wrap="square" rtlCol="0">
-            <a:spAutoFit/>
-          </a:bodyPr>
-          <a:lstStyle/>
-          <a:p>
-            <a:pPr algn="l"/>
-            <a:r>
-              <a:rPr lang="zh-CN" altLang="en-US" sz="900">
-                <a:latin typeface="微软雅黑" panose="020B0503020204020204" pitchFamily="34" charset="-122"/>
-                <a:ea typeface="微软雅黑" panose="020B0503020204020204" pitchFamily="34" charset="-122"/>
-              </a:rPr>
-              <a:t>原型对象</a:t>
-            </a:r>
-            <a:r>
-              <a:rPr lang="en-US" altLang="zh-CN" sz="900">
-                <a:latin typeface="微软雅黑" panose="020B0503020204020204" pitchFamily="34" charset="-122"/>
-                <a:ea typeface="微软雅黑" panose="020B0503020204020204" pitchFamily="34" charset="-122"/>
-              </a:rPr>
-              <a:t>.constructor</a:t>
-            </a:r>
-          </a:p>
-        </p:txBody>
-      </p:sp>
-      <p:sp>
-        <p:nvSpPr>
-          <p:cNvPr id="17" name="文本框 16"/>
-          <p:cNvSpPr txBox="1"/>
-          <p:nvPr/>
-        </p:nvSpPr>
-        <p:spPr>
-          <a:xfrm>
-            <a:off x="2053617" y="3357152"/>
-            <a:ext cx="1229995" cy="230832"/>
-          </a:xfrm>
-          <a:prstGeom prst="rect">
-            <a:avLst/>
-          </a:prstGeom>
-          <a:noFill/>
-        </p:spPr>
-        <p:txBody>
-          <a:bodyPr wrap="square" rtlCol="0">
-            <a:spAutoFit/>
-          </a:bodyPr>
-          <a:lstStyle/>
-          <a:p>
-            <a:pPr algn="l"/>
-            <a:r>
-              <a:rPr lang="en-US" sz="900" dirty="0" err="1" smtClean="0">
-                <a:latin typeface="微软雅黑" panose="020B0503020204020204" pitchFamily="34" charset="-122"/>
-                <a:ea typeface="微软雅黑" panose="020B0503020204020204" pitchFamily="34" charset="-122"/>
-              </a:rPr>
-              <a:t>S</a:t>
-            </a:r>
-            <a:r>
-              <a:rPr lang="en-US" altLang="zh-CN" sz="900" dirty="0" err="1" smtClean="0">
-                <a:latin typeface="微软雅黑" panose="020B0503020204020204" pitchFamily="34" charset="-122"/>
-                <a:ea typeface="微软雅黑" panose="020B0503020204020204" pitchFamily="34" charset="-122"/>
-              </a:rPr>
-              <a:t>tar</a:t>
-            </a:r>
-            <a:r>
-              <a:rPr lang="en-US" sz="900" dirty="0" err="1" smtClean="0">
-                <a:latin typeface="微软雅黑" panose="020B0503020204020204" pitchFamily="34" charset="-122"/>
-                <a:ea typeface="微软雅黑" panose="020B0503020204020204" pitchFamily="34" charset="-122"/>
-              </a:rPr>
-              <a:t>.prototype</a:t>
-            </a:r>
-            <a:endParaRPr lang="en-US" sz="900" dirty="0">
-              <a:latin typeface="微软雅黑" panose="020B0503020204020204" pitchFamily="34" charset="-122"/>
-              <a:ea typeface="微软雅黑" panose="020B0503020204020204" pitchFamily="34" charset="-122"/>
-            </a:endParaRPr>
-          </a:p>
-        </p:txBody>
-      </p:sp>
-      <p:cxnSp>
-        <p:nvCxnSpPr>
-          <p:cNvPr id="2" name="直接箭头连接符 1"/>
-          <p:cNvCxnSpPr/>
-          <p:nvPr/>
-        </p:nvCxnSpPr>
-        <p:spPr>
-          <a:xfrm flipV="1">
-            <a:off x="4641958" y="2793227"/>
-            <a:ext cx="1008853" cy="907460"/>
-          </a:xfrm>
-          <a:prstGeom prst="straightConnector1">
-            <a:avLst/>
-          </a:prstGeom>
-          <a:ln w="19050">
-            <a:tailEnd type="arrow"/>
-          </a:ln>
-        </p:spPr>
-        <p:style>
-          <a:lnRef idx="1">
-            <a:schemeClr val="accent1"/>
-          </a:lnRef>
-          <a:fillRef idx="0">
-            <a:schemeClr val="accent1"/>
-          </a:fillRef>
-          <a:effectRef idx="0">
-            <a:schemeClr val="accent1"/>
-          </a:effectRef>
-          <a:fontRef idx="minor">
-            <a:schemeClr val="tx1"/>
-          </a:fontRef>
-        </p:style>
-      </p:cxnSp>
-      <p:sp>
-        <p:nvSpPr>
-          <p:cNvPr id="19" name="文本框 18"/>
-          <p:cNvSpPr txBox="1"/>
-          <p:nvPr/>
-        </p:nvSpPr>
-        <p:spPr>
-          <a:xfrm>
-            <a:off x="5085769" y="3194230"/>
-            <a:ext cx="2249805" cy="229870"/>
-          </a:xfrm>
-          <a:prstGeom prst="rect">
-            <a:avLst/>
-          </a:prstGeom>
-          <a:noFill/>
-        </p:spPr>
-        <p:txBody>
-          <a:bodyPr wrap="square" rtlCol="0">
-            <a:spAutoFit/>
-          </a:bodyPr>
-          <a:lstStyle/>
-          <a:p>
-            <a:pPr algn="ctr"/>
-            <a:r>
-              <a:rPr lang="en-US" altLang="zh-CN" sz="900" dirty="0" smtClean="0">
-                <a:latin typeface="微软雅黑" panose="020B0503020204020204" pitchFamily="34" charset="-122"/>
-                <a:ea typeface="微软雅黑" panose="020B0503020204020204" pitchFamily="34" charset="-122"/>
-                <a:sym typeface="+mn-ea"/>
-              </a:rPr>
-              <a:t>Star</a:t>
-            </a:r>
-            <a:r>
-              <a:rPr lang="zh-CN" sz="900" dirty="0" smtClean="0">
-                <a:latin typeface="微软雅黑" panose="020B0503020204020204" pitchFamily="34" charset="-122"/>
-                <a:ea typeface="微软雅黑" panose="020B0503020204020204" pitchFamily="34" charset="-122"/>
-                <a:sym typeface="+mn-ea"/>
-              </a:rPr>
-              <a:t>原型</a:t>
-            </a:r>
-            <a:r>
-              <a:rPr lang="zh-CN" sz="900" dirty="0">
-                <a:latin typeface="微软雅黑" panose="020B0503020204020204" pitchFamily="34" charset="-122"/>
-                <a:ea typeface="微软雅黑" panose="020B0503020204020204" pitchFamily="34" charset="-122"/>
-                <a:sym typeface="+mn-ea"/>
-              </a:rPr>
-              <a:t>对象</a:t>
-            </a:r>
-            <a:r>
-              <a:rPr lang="en-US" altLang="zh-CN" sz="900" dirty="0" err="1">
-                <a:latin typeface="微软雅黑" panose="020B0503020204020204" pitchFamily="34" charset="-122"/>
-                <a:ea typeface="微软雅黑" panose="020B0503020204020204" pitchFamily="34" charset="-122"/>
-                <a:sym typeface="+mn-ea"/>
-              </a:rPr>
-              <a:t>prototype.__proto</a:t>
-            </a:r>
-            <a:r>
-              <a:rPr lang="en-US" altLang="zh-CN" sz="900" dirty="0">
-                <a:latin typeface="微软雅黑" panose="020B0503020204020204" pitchFamily="34" charset="-122"/>
-                <a:ea typeface="微软雅黑" panose="020B0503020204020204" pitchFamily="34" charset="-122"/>
-                <a:sym typeface="+mn-ea"/>
-              </a:rPr>
-              <a:t>__</a:t>
-            </a:r>
-            <a:endParaRPr lang="zh-CN" altLang="en-US" sz="900" dirty="0">
-              <a:latin typeface="微软雅黑" panose="020B0503020204020204" pitchFamily="34" charset="-122"/>
-              <a:ea typeface="微软雅黑" panose="020B0503020204020204" pitchFamily="34" charset="-122"/>
-              <a:sym typeface="+mn-ea"/>
-            </a:endParaRPr>
-          </a:p>
-        </p:txBody>
-      </p:sp>
-      <p:sp>
-        <p:nvSpPr>
-          <p:cNvPr id="20" name="圆角矩形 19"/>
-          <p:cNvSpPr/>
-          <p:nvPr/>
-        </p:nvSpPr>
-        <p:spPr>
-          <a:xfrm>
-            <a:off x="2775639" y="2369482"/>
-            <a:ext cx="1220470" cy="423745"/>
-          </a:xfrm>
-          <a:prstGeom prst="roundRect">
-            <a:avLst/>
-          </a:prstGeom>
-        </p:spPr>
-        <p:style>
-          <a:lnRef idx="2">
-            <a:schemeClr val="accent1">
-              <a:shade val="50000"/>
-            </a:schemeClr>
-          </a:lnRef>
-          <a:fillRef idx="1">
-            <a:schemeClr val="accent1"/>
-          </a:fillRef>
-          <a:effectRef idx="0">
-            <a:schemeClr val="accent1"/>
-          </a:effectRef>
-          <a:fontRef idx="minor">
-            <a:schemeClr val="lt1"/>
-          </a:fontRef>
-        </p:style>
-        <p:txBody>
-          <a:bodyPr rtlCol="0" anchor="ctr"/>
-          <a:lstStyle/>
-          <a:p>
-            <a:pPr algn="ctr"/>
-            <a:r>
-              <a:rPr lang="en-US" altLang="zh-CN" sz="900"/>
-              <a:t>Object </a:t>
-            </a:r>
-            <a:r>
-              <a:rPr lang="zh-CN" altLang="en-US" sz="900"/>
-              <a:t>构造函数</a:t>
-            </a:r>
-          </a:p>
-        </p:txBody>
-      </p:sp>
-      <p:cxnSp>
-        <p:nvCxnSpPr>
-          <p:cNvPr id="21" name="直接箭头连接符 20"/>
-          <p:cNvCxnSpPr/>
-          <p:nvPr/>
-        </p:nvCxnSpPr>
-        <p:spPr>
-          <a:xfrm>
-            <a:off x="3996109" y="2572836"/>
-            <a:ext cx="1089660" cy="0"/>
-          </a:xfrm>
-          <a:prstGeom prst="straightConnector1">
-            <a:avLst/>
-          </a:prstGeom>
-          <a:ln w="19050">
-            <a:tailEnd type="arrow"/>
-          </a:ln>
-        </p:spPr>
-        <p:style>
-          <a:lnRef idx="1">
-            <a:schemeClr val="accent1"/>
-          </a:lnRef>
-          <a:fillRef idx="0">
-            <a:schemeClr val="accent1"/>
-          </a:fillRef>
-          <a:effectRef idx="0">
-            <a:schemeClr val="accent1"/>
-          </a:effectRef>
-          <a:fontRef idx="minor">
-            <a:schemeClr val="tx1"/>
-          </a:fontRef>
-        </p:style>
-      </p:cxnSp>
-      <p:sp>
-        <p:nvSpPr>
-          <p:cNvPr id="22" name="文本框 21"/>
-          <p:cNvSpPr txBox="1"/>
-          <p:nvPr/>
-        </p:nvSpPr>
-        <p:spPr>
-          <a:xfrm>
-            <a:off x="3973249" y="2309216"/>
-            <a:ext cx="1135380" cy="230832"/>
-          </a:xfrm>
-          <a:prstGeom prst="rect">
-            <a:avLst/>
-          </a:prstGeom>
-          <a:noFill/>
-        </p:spPr>
-        <p:txBody>
-          <a:bodyPr wrap="square" rtlCol="0">
-            <a:spAutoFit/>
-          </a:bodyPr>
-          <a:lstStyle/>
-          <a:p>
-            <a:pPr algn="l"/>
-            <a:r>
-              <a:rPr lang="en-US" sz="900">
-                <a:latin typeface="微软雅黑" panose="020B0503020204020204" pitchFamily="34" charset="-122"/>
-                <a:ea typeface="微软雅黑" panose="020B0503020204020204" pitchFamily="34" charset="-122"/>
-              </a:rPr>
-              <a:t>Object.prototype</a:t>
-            </a:r>
-          </a:p>
-        </p:txBody>
-      </p:sp>
-      <p:sp>
-        <p:nvSpPr>
-          <p:cNvPr id="23" name="圆角矩形 22"/>
-          <p:cNvSpPr/>
-          <p:nvPr/>
-        </p:nvSpPr>
-        <p:spPr>
-          <a:xfrm>
-            <a:off x="5085769" y="2366890"/>
-            <a:ext cx="1220470" cy="426337"/>
-          </a:xfrm>
-          <a:prstGeom prst="roundRect">
-            <a:avLst/>
-          </a:prstGeom>
-        </p:spPr>
-        <p:style>
-          <a:lnRef idx="2">
-            <a:schemeClr val="accent1">
-              <a:shade val="50000"/>
-            </a:schemeClr>
-          </a:lnRef>
-          <a:fillRef idx="1">
-            <a:schemeClr val="accent1"/>
-          </a:fillRef>
-          <a:effectRef idx="0">
-            <a:schemeClr val="accent1"/>
-          </a:effectRef>
-          <a:fontRef idx="minor">
-            <a:schemeClr val="lt1"/>
-          </a:fontRef>
-        </p:style>
-        <p:txBody>
-          <a:bodyPr rtlCol="0" anchor="ctr"/>
-          <a:lstStyle/>
-          <a:p>
-            <a:pPr algn="ctr"/>
-            <a:r>
-              <a:rPr lang="en-US" altLang="zh-CN" sz="900" dirty="0"/>
-              <a:t>Object </a:t>
-            </a:r>
-            <a:r>
-              <a:rPr lang="zh-CN" altLang="en-US" sz="900" dirty="0"/>
-              <a:t>原型对象</a:t>
-            </a:r>
-          </a:p>
-          <a:p>
-            <a:pPr algn="ctr"/>
-            <a:r>
-              <a:rPr lang="en-US" altLang="zh-CN" sz="900" dirty="0"/>
-              <a:t>prototype</a:t>
-            </a:r>
-          </a:p>
-        </p:txBody>
-      </p:sp>
-      <p:sp>
-        <p:nvSpPr>
-          <p:cNvPr id="24" name="圆角矩形 23"/>
-          <p:cNvSpPr/>
-          <p:nvPr/>
-        </p:nvSpPr>
-        <p:spPr>
-          <a:xfrm>
-            <a:off x="5873061" y="1207542"/>
-            <a:ext cx="1220470" cy="374593"/>
-          </a:xfrm>
-          <a:prstGeom prst="roundRect">
-            <a:avLst/>
-          </a:prstGeom>
-        </p:spPr>
-        <p:style>
-          <a:lnRef idx="2">
-            <a:schemeClr val="accent1">
-              <a:shade val="50000"/>
-            </a:schemeClr>
-          </a:lnRef>
-          <a:fillRef idx="1">
-            <a:schemeClr val="accent1"/>
-          </a:fillRef>
-          <a:effectRef idx="0">
-            <a:schemeClr val="accent1"/>
-          </a:effectRef>
-          <a:fontRef idx="minor">
-            <a:schemeClr val="lt1"/>
-          </a:fontRef>
-        </p:style>
-        <p:txBody>
-          <a:bodyPr rtlCol="0" anchor="ctr"/>
-          <a:lstStyle/>
-          <a:p>
-            <a:pPr algn="ctr"/>
-            <a:r>
-              <a:rPr lang="en-US" altLang="zh-CN" sz="900"/>
-              <a:t>null</a:t>
-            </a:r>
-          </a:p>
-        </p:txBody>
-      </p:sp>
-      <p:cxnSp>
-        <p:nvCxnSpPr>
-          <p:cNvPr id="25" name="直接箭头连接符 24"/>
-          <p:cNvCxnSpPr>
-            <a:endCxn id="24" idx="2"/>
-          </p:cNvCxnSpPr>
-          <p:nvPr/>
-        </p:nvCxnSpPr>
-        <p:spPr>
-          <a:xfrm flipV="1">
-            <a:off x="5722111" y="1582135"/>
-            <a:ext cx="761185" cy="750770"/>
-          </a:xfrm>
-          <a:prstGeom prst="straightConnector1">
-            <a:avLst/>
-          </a:prstGeom>
-          <a:ln w="19050">
-            <a:tailEnd type="arrow"/>
-          </a:ln>
-        </p:spPr>
-        <p:style>
-          <a:lnRef idx="1">
-            <a:schemeClr val="accent1"/>
-          </a:lnRef>
-          <a:fillRef idx="0">
-            <a:schemeClr val="accent1"/>
-          </a:fillRef>
-          <a:effectRef idx="0">
-            <a:schemeClr val="accent1"/>
-          </a:effectRef>
-          <a:fontRef idx="minor">
-            <a:schemeClr val="tx1"/>
-          </a:fontRef>
-        </p:style>
-      </p:cxnSp>
-      <p:sp>
-        <p:nvSpPr>
-          <p:cNvPr id="26" name="文本框 25"/>
-          <p:cNvSpPr txBox="1"/>
-          <p:nvPr/>
-        </p:nvSpPr>
-        <p:spPr>
-          <a:xfrm>
-            <a:off x="5811391" y="2016040"/>
-            <a:ext cx="2249805" cy="229870"/>
-          </a:xfrm>
-          <a:prstGeom prst="rect">
-            <a:avLst/>
-          </a:prstGeom>
-          <a:noFill/>
-        </p:spPr>
-        <p:txBody>
-          <a:bodyPr wrap="square" rtlCol="0">
-            <a:spAutoFit/>
-          </a:bodyPr>
-          <a:lstStyle/>
-          <a:p>
-            <a:pPr algn="ctr"/>
-            <a:r>
-              <a:rPr lang="en-US" altLang="zh-CN" sz="900" dirty="0">
-                <a:latin typeface="微软雅黑" panose="020B0503020204020204" pitchFamily="34" charset="-122"/>
-                <a:ea typeface="微软雅黑" panose="020B0503020204020204" pitchFamily="34" charset="-122"/>
-                <a:sym typeface="+mn-ea"/>
-              </a:rPr>
-              <a:t>Object</a:t>
-            </a:r>
-            <a:r>
-              <a:rPr lang="zh-CN" sz="900" dirty="0">
-                <a:latin typeface="微软雅黑" panose="020B0503020204020204" pitchFamily="34" charset="-122"/>
-                <a:ea typeface="微软雅黑" panose="020B0503020204020204" pitchFamily="34" charset="-122"/>
-                <a:sym typeface="+mn-ea"/>
-              </a:rPr>
-              <a:t>原型对象</a:t>
-            </a:r>
-            <a:r>
-              <a:rPr lang="en-US" altLang="zh-CN" sz="900" dirty="0" err="1">
-                <a:latin typeface="微软雅黑" panose="020B0503020204020204" pitchFamily="34" charset="-122"/>
-                <a:ea typeface="微软雅黑" panose="020B0503020204020204" pitchFamily="34" charset="-122"/>
-                <a:sym typeface="+mn-ea"/>
-              </a:rPr>
-              <a:t>prototype.__proto</a:t>
-            </a:r>
-            <a:r>
-              <a:rPr lang="en-US" altLang="zh-CN" sz="900" dirty="0">
-                <a:latin typeface="微软雅黑" panose="020B0503020204020204" pitchFamily="34" charset="-122"/>
-                <a:ea typeface="微软雅黑" panose="020B0503020204020204" pitchFamily="34" charset="-122"/>
-                <a:sym typeface="+mn-ea"/>
-              </a:rPr>
-              <a:t>__</a:t>
-            </a:r>
-            <a:endParaRPr lang="zh-CN" altLang="en-US" sz="900" dirty="0">
-              <a:latin typeface="微软雅黑" panose="020B0503020204020204" pitchFamily="34" charset="-122"/>
-              <a:ea typeface="微软雅黑" panose="020B0503020204020204" pitchFamily="34" charset="-122"/>
-              <a:sym typeface="+mn-ea"/>
-            </a:endParaRPr>
-          </a:p>
-        </p:txBody>
-      </p:sp>
-      <p:sp>
-        <p:nvSpPr>
-          <p:cNvPr id="28" name="圆角矩形 27"/>
-          <p:cNvSpPr/>
-          <p:nvPr/>
-        </p:nvSpPr>
-        <p:spPr>
-          <a:xfrm>
-            <a:off x="2200329" y="4440844"/>
-            <a:ext cx="1150620" cy="434974"/>
-          </a:xfrm>
-          <a:prstGeom prst="roundRect">
-            <a:avLst/>
-          </a:prstGeom>
-        </p:spPr>
-        <p:style>
-          <a:lnRef idx="2">
-            <a:schemeClr val="accent1">
-              <a:shade val="50000"/>
-            </a:schemeClr>
-          </a:lnRef>
-          <a:fillRef idx="1">
-            <a:schemeClr val="accent1"/>
-          </a:fillRef>
-          <a:effectRef idx="0">
-            <a:schemeClr val="accent1"/>
-          </a:effectRef>
-          <a:fontRef idx="minor">
-            <a:schemeClr val="lt1"/>
-          </a:fontRef>
-        </p:style>
-        <p:txBody>
-          <a:bodyPr rtlCol="0" anchor="ctr"/>
-          <a:lstStyle/>
-          <a:p>
-            <a:pPr algn="ctr"/>
-            <a:r>
-              <a:rPr lang="en-US" altLang="zh-CN" sz="900" dirty="0" err="1">
-                <a:latin typeface="微软雅黑" panose="020B0503020204020204" pitchFamily="34" charset="-122"/>
-                <a:ea typeface="微软雅黑" panose="020B0503020204020204" pitchFamily="34" charset="-122"/>
-              </a:rPr>
-              <a:t>ldh</a:t>
-            </a:r>
-            <a:r>
-              <a:rPr lang="en-US" altLang="zh-CN" sz="900" dirty="0" smtClean="0">
-                <a:latin typeface="微软雅黑" panose="020B0503020204020204" pitchFamily="34" charset="-122"/>
-                <a:ea typeface="微软雅黑" panose="020B0503020204020204" pitchFamily="34" charset="-122"/>
-              </a:rPr>
-              <a:t> </a:t>
-            </a:r>
-            <a:r>
-              <a:rPr lang="zh-CN" altLang="en-US" sz="900" dirty="0">
-                <a:latin typeface="微软雅黑" panose="020B0503020204020204" pitchFamily="34" charset="-122"/>
-                <a:ea typeface="微软雅黑" panose="020B0503020204020204" pitchFamily="34" charset="-122"/>
-              </a:rPr>
-              <a:t>对象实例</a:t>
-            </a:r>
           </a:p>
         </p:txBody>
       </p:sp>
@@ -13415,7 +12385,7 @@
         </p:nvSpPr>
         <p:spPr>
           <a:xfrm>
-            <a:off x="757555" y="875133"/>
+            <a:off x="629435" y="605522"/>
             <a:ext cx="6517622" cy="541557"/>
           </a:xfrm>
         </p:spPr>
@@ -13424,577 +12394,1030 @@
           <a:lstStyle/>
           <a:p>
             <a:r>
-              <a:rPr lang="en-US" altLang="zh-CN" smtClean="0"/>
+              <a:rPr lang="en-US" altLang="zh-CN" dirty="0"/>
               <a:t>1.8 </a:t>
             </a:r>
             <a:r>
-              <a:rPr lang="zh-CN" altLang="en-US" smtClean="0"/>
-              <a:t>原型</a:t>
-            </a:r>
-            <a:r>
-              <a:rPr lang="zh-CN" altLang="en-US"/>
-              <a:t>链</a:t>
-            </a:r>
-            <a:endParaRPr lang="zh-CN" altLang="en-US" dirty="0"/>
+              <a:rPr lang="zh-CN" altLang="en-US" dirty="0"/>
+              <a:t>原型链</a:t>
+            </a:r>
           </a:p>
         </p:txBody>
       </p:sp>
-      <p:sp>
-        <p:nvSpPr>
-          <p:cNvPr id="29" name="文本框 15"/>
-          <p:cNvSpPr txBox="1"/>
+      <p:grpSp>
+        <p:nvGrpSpPr>
+          <p:cNvPr id="4" name="组合 3">
+            <a:extLst>
+              <a:ext uri="{FF2B5EF4-FFF2-40B4-BE49-F238E27FC236}">
+                <a16:creationId xmlns:a16="http://schemas.microsoft.com/office/drawing/2014/main" id="{1C9E4679-81F1-44D2-B56A-47F47DE88B19}"/>
+              </a:ext>
+            </a:extLst>
+          </p:cNvPr>
+          <p:cNvGrpSpPr/>
           <p:nvPr/>
-        </p:nvSpPr>
-        <p:spPr>
+        </p:nvGrpSpPr>
+        <p:grpSpPr>
           <a:xfrm>
-            <a:off x="3629549" y="2724826"/>
-            <a:ext cx="1822780" cy="230832"/>
+            <a:off x="795260" y="1082648"/>
+            <a:ext cx="7476699" cy="3668276"/>
+            <a:chOff x="741734" y="1207542"/>
+            <a:chExt cx="7476699" cy="3668276"/>
           </a:xfrm>
-          <a:prstGeom prst="rect">
-            <a:avLst/>
-          </a:prstGeom>
-          <a:noFill/>
-        </p:spPr>
-        <p:txBody>
-          <a:bodyPr wrap="square" rtlCol="0">
-            <a:spAutoFit/>
-          </a:bodyPr>
-          <a:lstStyle/>
-          <a:p>
-            <a:pPr algn="l"/>
-            <a:r>
-              <a:rPr lang="en-US" altLang="zh-CN" sz="900" dirty="0" smtClean="0">
+        </p:grpSpPr>
+        <p:sp>
+          <p:nvSpPr>
+            <p:cNvPr id="3" name="圆角矩形 2"/>
+            <p:cNvSpPr/>
+            <p:nvPr/>
+          </p:nvSpPr>
+          <p:spPr>
+            <a:xfrm>
+              <a:off x="741734" y="3462944"/>
+              <a:ext cx="1150620" cy="434974"/>
+            </a:xfrm>
+            <a:prstGeom prst="roundRect">
+              <a:avLst/>
+            </a:prstGeom>
+          </p:spPr>
+          <p:style>
+            <a:lnRef idx="2">
+              <a:schemeClr val="accent1">
+                <a:shade val="50000"/>
+              </a:schemeClr>
+            </a:lnRef>
+            <a:fillRef idx="1">
+              <a:schemeClr val="accent1"/>
+            </a:fillRef>
+            <a:effectRef idx="0">
+              <a:schemeClr val="accent1"/>
+            </a:effectRef>
+            <a:fontRef idx="minor">
+              <a:schemeClr val="lt1"/>
+            </a:fontRef>
+          </p:style>
+          <p:txBody>
+            <a:bodyPr rtlCol="0" anchor="ctr"/>
+            <a:lstStyle/>
+            <a:p>
+              <a:pPr algn="ctr"/>
+              <a:r>
+                <a:rPr lang="en-US" altLang="zh-CN" sz="900" dirty="0">
+                  <a:latin typeface="微软雅黑" panose="020B0503020204020204" pitchFamily="34" charset="-122"/>
+                  <a:ea typeface="微软雅黑" panose="020B0503020204020204" pitchFamily="34" charset="-122"/>
+                </a:rPr>
+                <a:t>Star </a:t>
+              </a:r>
+              <a:r>
+                <a:rPr lang="zh-CN" altLang="en-US" sz="900" dirty="0">
+                  <a:latin typeface="微软雅黑" panose="020B0503020204020204" pitchFamily="34" charset="-122"/>
+                  <a:ea typeface="微软雅黑" panose="020B0503020204020204" pitchFamily="34" charset="-122"/>
+                </a:rPr>
+                <a:t>构造函数</a:t>
+              </a:r>
+              <a:endParaRPr lang="en-US" altLang="zh-CN" sz="900" dirty="0">
                 <a:latin typeface="微软雅黑" panose="020B0503020204020204" pitchFamily="34" charset="-122"/>
                 <a:ea typeface="微软雅黑" panose="020B0503020204020204" pitchFamily="34" charset="-122"/>
-              </a:rPr>
-              <a:t>Object</a:t>
-            </a:r>
-            <a:r>
-              <a:rPr lang="zh-CN" altLang="en-US" sz="900" dirty="0" smtClean="0">
+              </a:endParaRPr>
+            </a:p>
+          </p:txBody>
+        </p:sp>
+        <p:sp>
+          <p:nvSpPr>
+            <p:cNvPr id="6" name="圆角矩形 5"/>
+            <p:cNvSpPr/>
+            <p:nvPr/>
+          </p:nvSpPr>
+          <p:spPr>
+            <a:xfrm>
+              <a:off x="3444875" y="3458498"/>
+              <a:ext cx="1220470" cy="443865"/>
+            </a:xfrm>
+            <a:prstGeom prst="roundRect">
+              <a:avLst/>
+            </a:prstGeom>
+          </p:spPr>
+          <p:style>
+            <a:lnRef idx="2">
+              <a:schemeClr val="accent1">
+                <a:shade val="50000"/>
+              </a:schemeClr>
+            </a:lnRef>
+            <a:fillRef idx="1">
+              <a:schemeClr val="accent1"/>
+            </a:fillRef>
+            <a:effectRef idx="0">
+              <a:schemeClr val="accent1"/>
+            </a:effectRef>
+            <a:fontRef idx="minor">
+              <a:schemeClr val="lt1"/>
+            </a:fontRef>
+          </p:style>
+          <p:txBody>
+            <a:bodyPr rtlCol="0" anchor="ctr"/>
+            <a:lstStyle/>
+            <a:p>
+              <a:pPr algn="ctr"/>
+              <a:r>
+                <a:rPr lang="en-US" altLang="zh-CN" sz="900" dirty="0"/>
+                <a:t>Star</a:t>
+              </a:r>
+              <a:r>
+                <a:rPr lang="zh-CN" sz="900" dirty="0"/>
+                <a:t>原型对象</a:t>
+              </a:r>
+              <a:r>
+                <a:rPr lang="en-US" altLang="zh-CN" sz="900" dirty="0"/>
+                <a:t>prototype</a:t>
+              </a:r>
+            </a:p>
+          </p:txBody>
+        </p:sp>
+        <p:cxnSp>
+          <p:nvCxnSpPr>
+            <p:cNvPr id="8" name="直接箭头连接符 7"/>
+            <p:cNvCxnSpPr>
+              <a:endCxn id="28" idx="1"/>
+            </p:cNvCxnSpPr>
+            <p:nvPr/>
+          </p:nvCxnSpPr>
+          <p:spPr>
+            <a:xfrm>
+              <a:off x="1454839" y="3919191"/>
+              <a:ext cx="745490" cy="739140"/>
+            </a:xfrm>
+            <a:prstGeom prst="straightConnector1">
+              <a:avLst/>
+            </a:prstGeom>
+            <a:ln w="19050">
+              <a:tailEnd type="arrow"/>
+            </a:ln>
+          </p:spPr>
+          <p:style>
+            <a:lnRef idx="1">
+              <a:schemeClr val="accent1"/>
+            </a:lnRef>
+            <a:fillRef idx="0">
+              <a:schemeClr val="accent1"/>
+            </a:fillRef>
+            <a:effectRef idx="0">
+              <a:schemeClr val="accent1"/>
+            </a:effectRef>
+            <a:fontRef idx="minor">
+              <a:schemeClr val="tx1"/>
+            </a:fontRef>
+          </p:style>
+        </p:cxnSp>
+        <p:cxnSp>
+          <p:nvCxnSpPr>
+            <p:cNvPr id="9" name="直接箭头连接符 8"/>
+            <p:cNvCxnSpPr>
+              <a:stCxn id="28" idx="3"/>
+              <a:endCxn id="6" idx="2"/>
+            </p:cNvCxnSpPr>
+            <p:nvPr/>
+          </p:nvCxnSpPr>
+          <p:spPr>
+            <a:xfrm flipV="1">
+              <a:off x="3350949" y="3902363"/>
+              <a:ext cx="704161" cy="755968"/>
+            </a:xfrm>
+            <a:prstGeom prst="straightConnector1">
+              <a:avLst/>
+            </a:prstGeom>
+            <a:ln w="19050">
+              <a:tailEnd type="arrow"/>
+            </a:ln>
+          </p:spPr>
+          <p:style>
+            <a:lnRef idx="1">
+              <a:schemeClr val="accent1"/>
+            </a:lnRef>
+            <a:fillRef idx="0">
+              <a:schemeClr val="accent1"/>
+            </a:fillRef>
+            <a:effectRef idx="0">
+              <a:schemeClr val="accent1"/>
+            </a:effectRef>
+            <a:fontRef idx="minor">
+              <a:schemeClr val="tx1"/>
+            </a:fontRef>
+          </p:style>
+        </p:cxnSp>
+        <p:cxnSp>
+          <p:nvCxnSpPr>
+            <p:cNvPr id="11" name="直接箭头连接符 10"/>
+            <p:cNvCxnSpPr/>
+            <p:nvPr/>
+          </p:nvCxnSpPr>
+          <p:spPr>
+            <a:xfrm>
+              <a:off x="1892354" y="3734675"/>
+              <a:ext cx="1539240" cy="0"/>
+            </a:xfrm>
+            <a:prstGeom prst="straightConnector1">
+              <a:avLst/>
+            </a:prstGeom>
+            <a:ln w="19050">
+              <a:headEnd type="arrow" w="med" len="med"/>
+              <a:tailEnd type="none" w="med" len="med"/>
+            </a:ln>
+          </p:spPr>
+          <p:style>
+            <a:lnRef idx="1">
+              <a:schemeClr val="accent1"/>
+            </a:lnRef>
+            <a:fillRef idx="0">
+              <a:schemeClr val="accent1"/>
+            </a:fillRef>
+            <a:effectRef idx="0">
+              <a:schemeClr val="accent1"/>
+            </a:effectRef>
+            <a:fontRef idx="minor">
+              <a:schemeClr val="tx1"/>
+            </a:fontRef>
+          </p:style>
+        </p:cxnSp>
+        <p:cxnSp>
+          <p:nvCxnSpPr>
+            <p:cNvPr id="12" name="直接箭头连接符 11"/>
+            <p:cNvCxnSpPr/>
+            <p:nvPr/>
+          </p:nvCxnSpPr>
+          <p:spPr>
+            <a:xfrm>
+              <a:off x="1892354" y="3587022"/>
+              <a:ext cx="1536065" cy="0"/>
+            </a:xfrm>
+            <a:prstGeom prst="straightConnector1">
+              <a:avLst/>
+            </a:prstGeom>
+            <a:ln w="19050">
+              <a:tailEnd type="arrow"/>
+            </a:ln>
+          </p:spPr>
+          <p:style>
+            <a:lnRef idx="1">
+              <a:schemeClr val="accent1"/>
+            </a:lnRef>
+            <a:fillRef idx="0">
+              <a:schemeClr val="accent1"/>
+            </a:fillRef>
+            <a:effectRef idx="0">
+              <a:schemeClr val="accent1"/>
+            </a:effectRef>
+            <a:fontRef idx="minor">
+              <a:schemeClr val="tx1"/>
+            </a:fontRef>
+          </p:style>
+        </p:cxnSp>
+        <p:sp>
+          <p:nvSpPr>
+            <p:cNvPr id="14" name="文本框 13"/>
+            <p:cNvSpPr txBox="1"/>
+            <p:nvPr/>
+          </p:nvSpPr>
+          <p:spPr>
+            <a:xfrm>
+              <a:off x="3879199" y="4210012"/>
+              <a:ext cx="1008853" cy="230832"/>
+            </a:xfrm>
+            <a:prstGeom prst="rect">
+              <a:avLst/>
+            </a:prstGeom>
+            <a:noFill/>
+          </p:spPr>
+          <p:txBody>
+            <a:bodyPr wrap="square" rtlCol="0">
+              <a:spAutoFit/>
+            </a:bodyPr>
+            <a:lstStyle/>
+            <a:p>
+              <a:r>
+                <a:rPr lang="en-US" altLang="zh-CN" sz="900" dirty="0" err="1">
+                  <a:highlight>
+                    <a:srgbClr val="FFFF00"/>
+                  </a:highlight>
+                  <a:latin typeface="微软雅黑" panose="020B0503020204020204" pitchFamily="34" charset="-122"/>
+                  <a:ea typeface="微软雅黑" panose="020B0503020204020204" pitchFamily="34" charset="-122"/>
+                </a:rPr>
+                <a:t>carol.__proto</a:t>
+              </a:r>
+              <a:r>
+                <a:rPr lang="en-US" altLang="zh-CN" sz="900" dirty="0">
+                  <a:highlight>
+                    <a:srgbClr val="FFFF00"/>
+                  </a:highlight>
+                  <a:latin typeface="微软雅黑" panose="020B0503020204020204" pitchFamily="34" charset="-122"/>
+                  <a:ea typeface="微软雅黑" panose="020B0503020204020204" pitchFamily="34" charset="-122"/>
+                </a:rPr>
+                <a:t>__</a:t>
+              </a:r>
+            </a:p>
+          </p:txBody>
+        </p:sp>
+        <p:sp>
+          <p:nvSpPr>
+            <p:cNvPr id="16" name="文本框 15"/>
+            <p:cNvSpPr txBox="1"/>
+            <p:nvPr/>
+          </p:nvSpPr>
+          <p:spPr>
+            <a:xfrm>
+              <a:off x="2053617" y="3755960"/>
+              <a:ext cx="1409006" cy="230832"/>
+            </a:xfrm>
+            <a:prstGeom prst="rect">
+              <a:avLst/>
+            </a:prstGeom>
+            <a:noFill/>
+          </p:spPr>
+          <p:txBody>
+            <a:bodyPr wrap="square" rtlCol="0">
+              <a:spAutoFit/>
+            </a:bodyPr>
+            <a:lstStyle/>
+            <a:p>
+              <a:pPr algn="l"/>
+              <a:r>
+                <a:rPr lang="zh-CN" altLang="en-US" sz="900" dirty="0">
+                  <a:highlight>
+                    <a:srgbClr val="FFFF00"/>
+                  </a:highlight>
+                  <a:latin typeface="微软雅黑" panose="020B0503020204020204" pitchFamily="34" charset="-122"/>
+                  <a:ea typeface="微软雅黑" panose="020B0503020204020204" pitchFamily="34" charset="-122"/>
+                </a:rPr>
+                <a:t>原型对象</a:t>
+              </a:r>
+              <a:r>
+                <a:rPr lang="en-US" altLang="zh-CN" sz="900" dirty="0">
+                  <a:highlight>
+                    <a:srgbClr val="FFFF00"/>
+                  </a:highlight>
+                  <a:latin typeface="微软雅黑" panose="020B0503020204020204" pitchFamily="34" charset="-122"/>
+                  <a:ea typeface="微软雅黑" panose="020B0503020204020204" pitchFamily="34" charset="-122"/>
+                </a:rPr>
+                <a:t>.constructor</a:t>
+              </a:r>
+            </a:p>
+          </p:txBody>
+        </p:sp>
+        <p:sp>
+          <p:nvSpPr>
+            <p:cNvPr id="17" name="文本框 16"/>
+            <p:cNvSpPr txBox="1"/>
+            <p:nvPr/>
+          </p:nvSpPr>
+          <p:spPr>
+            <a:xfrm>
+              <a:off x="2053617" y="3357152"/>
+              <a:ext cx="1229995" cy="230832"/>
+            </a:xfrm>
+            <a:prstGeom prst="rect">
+              <a:avLst/>
+            </a:prstGeom>
+            <a:noFill/>
+          </p:spPr>
+          <p:txBody>
+            <a:bodyPr wrap="square" rtlCol="0">
+              <a:spAutoFit/>
+            </a:bodyPr>
+            <a:lstStyle/>
+            <a:p>
+              <a:pPr algn="l"/>
+              <a:r>
+                <a:rPr lang="en-US" sz="900" dirty="0" err="1">
+                  <a:highlight>
+                    <a:srgbClr val="FFFF00"/>
+                  </a:highlight>
+                  <a:latin typeface="微软雅黑" panose="020B0503020204020204" pitchFamily="34" charset="-122"/>
+                  <a:ea typeface="微软雅黑" panose="020B0503020204020204" pitchFamily="34" charset="-122"/>
+                </a:rPr>
+                <a:t>S</a:t>
+              </a:r>
+              <a:r>
+                <a:rPr lang="en-US" altLang="zh-CN" sz="900" dirty="0" err="1">
+                  <a:highlight>
+                    <a:srgbClr val="FFFF00"/>
+                  </a:highlight>
+                  <a:latin typeface="微软雅黑" panose="020B0503020204020204" pitchFamily="34" charset="-122"/>
+                  <a:ea typeface="微软雅黑" panose="020B0503020204020204" pitchFamily="34" charset="-122"/>
+                </a:rPr>
+                <a:t>tar</a:t>
+              </a:r>
+              <a:r>
+                <a:rPr lang="en-US" sz="900" dirty="0" err="1">
+                  <a:highlight>
+                    <a:srgbClr val="FFFF00"/>
+                  </a:highlight>
+                  <a:latin typeface="微软雅黑" panose="020B0503020204020204" pitchFamily="34" charset="-122"/>
+                  <a:ea typeface="微软雅黑" panose="020B0503020204020204" pitchFamily="34" charset="-122"/>
+                </a:rPr>
+                <a:t>.prototype</a:t>
+              </a:r>
+              <a:endParaRPr lang="en-US" sz="900" dirty="0">
+                <a:highlight>
+                  <a:srgbClr val="FFFF00"/>
+                </a:highlight>
                 <a:latin typeface="微软雅黑" panose="020B0503020204020204" pitchFamily="34" charset="-122"/>
                 <a:ea typeface="微软雅黑" panose="020B0503020204020204" pitchFamily="34" charset="-122"/>
-              </a:rPr>
-              <a:t>原型</a:t>
-            </a:r>
-            <a:r>
-              <a:rPr lang="zh-CN" altLang="en-US" sz="900" dirty="0">
+              </a:endParaRPr>
+            </a:p>
+          </p:txBody>
+        </p:sp>
+        <p:cxnSp>
+          <p:nvCxnSpPr>
+            <p:cNvPr id="2" name="直接箭头连接符 1"/>
+            <p:cNvCxnSpPr/>
+            <p:nvPr/>
+          </p:nvCxnSpPr>
+          <p:spPr>
+            <a:xfrm flipV="1">
+              <a:off x="4641958" y="2793227"/>
+              <a:ext cx="1008853" cy="907460"/>
+            </a:xfrm>
+            <a:prstGeom prst="straightConnector1">
+              <a:avLst/>
+            </a:prstGeom>
+            <a:ln w="19050">
+              <a:tailEnd type="arrow"/>
+            </a:ln>
+          </p:spPr>
+          <p:style>
+            <a:lnRef idx="1">
+              <a:schemeClr val="accent1"/>
+            </a:lnRef>
+            <a:fillRef idx="0">
+              <a:schemeClr val="accent1"/>
+            </a:fillRef>
+            <a:effectRef idx="0">
+              <a:schemeClr val="accent1"/>
+            </a:effectRef>
+            <a:fontRef idx="minor">
+              <a:schemeClr val="tx1"/>
+            </a:fontRef>
+          </p:style>
+        </p:cxnSp>
+        <p:sp>
+          <p:nvSpPr>
+            <p:cNvPr id="19" name="文本框 18"/>
+            <p:cNvSpPr txBox="1"/>
+            <p:nvPr/>
+          </p:nvSpPr>
+          <p:spPr>
+            <a:xfrm>
+              <a:off x="5085769" y="3194230"/>
+              <a:ext cx="2249805" cy="229870"/>
+            </a:xfrm>
+            <a:prstGeom prst="rect">
+              <a:avLst/>
+            </a:prstGeom>
+            <a:noFill/>
+          </p:spPr>
+          <p:txBody>
+            <a:bodyPr wrap="square" rtlCol="0">
+              <a:spAutoFit/>
+            </a:bodyPr>
+            <a:lstStyle/>
+            <a:p>
+              <a:pPr algn="ctr"/>
+              <a:r>
+                <a:rPr lang="en-US" altLang="zh-CN" sz="900" dirty="0">
+                  <a:highlight>
+                    <a:srgbClr val="FFFF00"/>
+                  </a:highlight>
+                  <a:latin typeface="微软雅黑" panose="020B0503020204020204" pitchFamily="34" charset="-122"/>
+                  <a:ea typeface="微软雅黑" panose="020B0503020204020204" pitchFamily="34" charset="-122"/>
+                  <a:sym typeface="+mn-ea"/>
+                </a:rPr>
+                <a:t>Star</a:t>
+              </a:r>
+              <a:r>
+                <a:rPr lang="zh-CN" sz="900" dirty="0">
+                  <a:highlight>
+                    <a:srgbClr val="FFFF00"/>
+                  </a:highlight>
+                  <a:latin typeface="微软雅黑" panose="020B0503020204020204" pitchFamily="34" charset="-122"/>
+                  <a:ea typeface="微软雅黑" panose="020B0503020204020204" pitchFamily="34" charset="-122"/>
+                  <a:sym typeface="+mn-ea"/>
+                </a:rPr>
+                <a:t>原型对象</a:t>
+              </a:r>
+              <a:r>
+                <a:rPr lang="en-US" altLang="zh-CN" sz="900" dirty="0" err="1">
+                  <a:highlight>
+                    <a:srgbClr val="FFFF00"/>
+                  </a:highlight>
+                  <a:latin typeface="微软雅黑" panose="020B0503020204020204" pitchFamily="34" charset="-122"/>
+                  <a:ea typeface="微软雅黑" panose="020B0503020204020204" pitchFamily="34" charset="-122"/>
+                  <a:sym typeface="+mn-ea"/>
+                </a:rPr>
+                <a:t>prototype.__proto</a:t>
+              </a:r>
+              <a:r>
+                <a:rPr lang="en-US" altLang="zh-CN" sz="900" dirty="0">
+                  <a:highlight>
+                    <a:srgbClr val="FFFF00"/>
+                  </a:highlight>
+                  <a:latin typeface="微软雅黑" panose="020B0503020204020204" pitchFamily="34" charset="-122"/>
+                  <a:ea typeface="微软雅黑" panose="020B0503020204020204" pitchFamily="34" charset="-122"/>
+                  <a:sym typeface="+mn-ea"/>
+                </a:rPr>
+                <a:t>__</a:t>
+              </a:r>
+              <a:endParaRPr lang="zh-CN" altLang="en-US" sz="900" dirty="0">
+                <a:highlight>
+                  <a:srgbClr val="FFFF00"/>
+                </a:highlight>
                 <a:latin typeface="微软雅黑" panose="020B0503020204020204" pitchFamily="34" charset="-122"/>
                 <a:ea typeface="微软雅黑" panose="020B0503020204020204" pitchFamily="34" charset="-122"/>
-              </a:rPr>
-              <a:t>对象</a:t>
-            </a:r>
-            <a:r>
-              <a:rPr lang="en-US" altLang="zh-CN" sz="900" dirty="0">
+                <a:sym typeface="+mn-ea"/>
+              </a:endParaRPr>
+            </a:p>
+          </p:txBody>
+        </p:sp>
+        <p:sp>
+          <p:nvSpPr>
+            <p:cNvPr id="20" name="圆角矩形 19"/>
+            <p:cNvSpPr/>
+            <p:nvPr/>
+          </p:nvSpPr>
+          <p:spPr>
+            <a:xfrm>
+              <a:off x="2775639" y="2369482"/>
+              <a:ext cx="1220470" cy="423745"/>
+            </a:xfrm>
+            <a:prstGeom prst="roundRect">
+              <a:avLst/>
+            </a:prstGeom>
+          </p:spPr>
+          <p:style>
+            <a:lnRef idx="2">
+              <a:schemeClr val="accent1">
+                <a:shade val="50000"/>
+              </a:schemeClr>
+            </a:lnRef>
+            <a:fillRef idx="1">
+              <a:schemeClr val="accent1"/>
+            </a:fillRef>
+            <a:effectRef idx="0">
+              <a:schemeClr val="accent1"/>
+            </a:effectRef>
+            <a:fontRef idx="minor">
+              <a:schemeClr val="lt1"/>
+            </a:fontRef>
+          </p:style>
+          <p:txBody>
+            <a:bodyPr rtlCol="0" anchor="ctr"/>
+            <a:lstStyle/>
+            <a:p>
+              <a:pPr algn="ctr"/>
+              <a:r>
+                <a:rPr lang="en-US" altLang="zh-CN" sz="900"/>
+                <a:t>Object </a:t>
+              </a:r>
+              <a:r>
+                <a:rPr lang="zh-CN" altLang="en-US" sz="900"/>
+                <a:t>构造函数</a:t>
+              </a:r>
+            </a:p>
+          </p:txBody>
+        </p:sp>
+        <p:cxnSp>
+          <p:nvCxnSpPr>
+            <p:cNvPr id="21" name="直接箭头连接符 20"/>
+            <p:cNvCxnSpPr/>
+            <p:nvPr/>
+          </p:nvCxnSpPr>
+          <p:spPr>
+            <a:xfrm>
+              <a:off x="3996109" y="2572836"/>
+              <a:ext cx="1089660" cy="0"/>
+            </a:xfrm>
+            <a:prstGeom prst="straightConnector1">
+              <a:avLst/>
+            </a:prstGeom>
+            <a:ln w="19050">
+              <a:tailEnd type="arrow"/>
+            </a:ln>
+          </p:spPr>
+          <p:style>
+            <a:lnRef idx="1">
+              <a:schemeClr val="accent1"/>
+            </a:lnRef>
+            <a:fillRef idx="0">
+              <a:schemeClr val="accent1"/>
+            </a:fillRef>
+            <a:effectRef idx="0">
+              <a:schemeClr val="accent1"/>
+            </a:effectRef>
+            <a:fontRef idx="minor">
+              <a:schemeClr val="tx1"/>
+            </a:fontRef>
+          </p:style>
+        </p:cxnSp>
+        <p:sp>
+          <p:nvSpPr>
+            <p:cNvPr id="22" name="文本框 21"/>
+            <p:cNvSpPr txBox="1"/>
+            <p:nvPr/>
+          </p:nvSpPr>
+          <p:spPr>
+            <a:xfrm>
+              <a:off x="3973249" y="2309216"/>
+              <a:ext cx="1135380" cy="230832"/>
+            </a:xfrm>
+            <a:prstGeom prst="rect">
+              <a:avLst/>
+            </a:prstGeom>
+            <a:noFill/>
+          </p:spPr>
+          <p:txBody>
+            <a:bodyPr wrap="square" rtlCol="0">
+              <a:spAutoFit/>
+            </a:bodyPr>
+            <a:lstStyle/>
+            <a:p>
+              <a:pPr algn="l"/>
+              <a:r>
+                <a:rPr lang="en-US" sz="900" dirty="0" err="1">
+                  <a:highlight>
+                    <a:srgbClr val="FFFF00"/>
+                  </a:highlight>
+                  <a:latin typeface="微软雅黑" panose="020B0503020204020204" pitchFamily="34" charset="-122"/>
+                  <a:ea typeface="微软雅黑" panose="020B0503020204020204" pitchFamily="34" charset="-122"/>
+                </a:rPr>
+                <a:t>Object.prototype</a:t>
+              </a:r>
+              <a:endParaRPr lang="en-US" sz="900" dirty="0">
+                <a:highlight>
+                  <a:srgbClr val="FFFF00"/>
+                </a:highlight>
                 <a:latin typeface="微软雅黑" panose="020B0503020204020204" pitchFamily="34" charset="-122"/>
                 <a:ea typeface="微软雅黑" panose="020B0503020204020204" pitchFamily="34" charset="-122"/>
-              </a:rPr>
-              <a:t>.constructor</a:t>
-            </a:r>
-          </a:p>
-        </p:txBody>
-      </p:sp>
-      <p:cxnSp>
-        <p:nvCxnSpPr>
-          <p:cNvPr id="30" name="直接箭头连接符 29"/>
-          <p:cNvCxnSpPr/>
-          <p:nvPr/>
-        </p:nvCxnSpPr>
-        <p:spPr>
-          <a:xfrm>
-            <a:off x="4055110" y="2701946"/>
-            <a:ext cx="948969" cy="0"/>
-          </a:xfrm>
-          <a:prstGeom prst="straightConnector1">
-            <a:avLst/>
-          </a:prstGeom>
-          <a:ln w="19050">
-            <a:headEnd type="arrow" w="med" len="med"/>
-            <a:tailEnd type="none" w="med" len="med"/>
-          </a:ln>
-        </p:spPr>
-        <p:style>
-          <a:lnRef idx="1">
-            <a:schemeClr val="accent1"/>
-          </a:lnRef>
-          <a:fillRef idx="0">
-            <a:schemeClr val="accent1"/>
-          </a:fillRef>
-          <a:effectRef idx="0">
-            <a:schemeClr val="accent1"/>
-          </a:effectRef>
-          <a:fontRef idx="minor">
-            <a:schemeClr val="tx1"/>
-          </a:fontRef>
-        </p:style>
-      </p:cxnSp>
+              </a:endParaRPr>
+            </a:p>
+          </p:txBody>
+        </p:sp>
+        <p:sp>
+          <p:nvSpPr>
+            <p:cNvPr id="23" name="圆角矩形 22"/>
+            <p:cNvSpPr/>
+            <p:nvPr/>
+          </p:nvSpPr>
+          <p:spPr>
+            <a:xfrm>
+              <a:off x="5085769" y="2366890"/>
+              <a:ext cx="1220470" cy="426337"/>
+            </a:xfrm>
+            <a:prstGeom prst="roundRect">
+              <a:avLst/>
+            </a:prstGeom>
+          </p:spPr>
+          <p:style>
+            <a:lnRef idx="2">
+              <a:schemeClr val="accent1">
+                <a:shade val="50000"/>
+              </a:schemeClr>
+            </a:lnRef>
+            <a:fillRef idx="1">
+              <a:schemeClr val="accent1"/>
+            </a:fillRef>
+            <a:effectRef idx="0">
+              <a:schemeClr val="accent1"/>
+            </a:effectRef>
+            <a:fontRef idx="minor">
+              <a:schemeClr val="lt1"/>
+            </a:fontRef>
+          </p:style>
+          <p:txBody>
+            <a:bodyPr rtlCol="0" anchor="ctr"/>
+            <a:lstStyle/>
+            <a:p>
+              <a:pPr algn="ctr"/>
+              <a:r>
+                <a:rPr lang="en-US" altLang="zh-CN" sz="900" dirty="0"/>
+                <a:t>Object </a:t>
+              </a:r>
+              <a:r>
+                <a:rPr lang="zh-CN" altLang="en-US" sz="900" dirty="0"/>
+                <a:t>原型对象</a:t>
+              </a:r>
+            </a:p>
+            <a:p>
+              <a:pPr algn="ctr"/>
+              <a:r>
+                <a:rPr lang="en-US" altLang="zh-CN" sz="900" dirty="0"/>
+                <a:t>prototype</a:t>
+              </a:r>
+            </a:p>
+          </p:txBody>
+        </p:sp>
+        <p:sp>
+          <p:nvSpPr>
+            <p:cNvPr id="24" name="圆角矩形 23"/>
+            <p:cNvSpPr/>
+            <p:nvPr/>
+          </p:nvSpPr>
+          <p:spPr>
+            <a:xfrm>
+              <a:off x="5873061" y="1207542"/>
+              <a:ext cx="1220470" cy="374593"/>
+            </a:xfrm>
+            <a:prstGeom prst="roundRect">
+              <a:avLst/>
+            </a:prstGeom>
+          </p:spPr>
+          <p:style>
+            <a:lnRef idx="2">
+              <a:schemeClr val="accent1">
+                <a:shade val="50000"/>
+              </a:schemeClr>
+            </a:lnRef>
+            <a:fillRef idx="1">
+              <a:schemeClr val="accent1"/>
+            </a:fillRef>
+            <a:effectRef idx="0">
+              <a:schemeClr val="accent1"/>
+            </a:effectRef>
+            <a:fontRef idx="minor">
+              <a:schemeClr val="lt1"/>
+            </a:fontRef>
+          </p:style>
+          <p:txBody>
+            <a:bodyPr rtlCol="0" anchor="ctr"/>
+            <a:lstStyle/>
+            <a:p>
+              <a:pPr algn="ctr"/>
+              <a:r>
+                <a:rPr lang="en-US" altLang="zh-CN" sz="900"/>
+                <a:t>null</a:t>
+              </a:r>
+            </a:p>
+          </p:txBody>
+        </p:sp>
+        <p:cxnSp>
+          <p:nvCxnSpPr>
+            <p:cNvPr id="25" name="直接箭头连接符 24"/>
+            <p:cNvCxnSpPr>
+              <a:endCxn id="24" idx="2"/>
+            </p:cNvCxnSpPr>
+            <p:nvPr/>
+          </p:nvCxnSpPr>
+          <p:spPr>
+            <a:xfrm flipV="1">
+              <a:off x="5722111" y="1582135"/>
+              <a:ext cx="761185" cy="750770"/>
+            </a:xfrm>
+            <a:prstGeom prst="straightConnector1">
+              <a:avLst/>
+            </a:prstGeom>
+            <a:ln w="19050">
+              <a:tailEnd type="arrow"/>
+            </a:ln>
+          </p:spPr>
+          <p:style>
+            <a:lnRef idx="1">
+              <a:schemeClr val="accent1"/>
+            </a:lnRef>
+            <a:fillRef idx="0">
+              <a:schemeClr val="accent1"/>
+            </a:fillRef>
+            <a:effectRef idx="0">
+              <a:schemeClr val="accent1"/>
+            </a:effectRef>
+            <a:fontRef idx="minor">
+              <a:schemeClr val="tx1"/>
+            </a:fontRef>
+          </p:style>
+        </p:cxnSp>
+        <p:sp>
+          <p:nvSpPr>
+            <p:cNvPr id="26" name="文本框 25"/>
+            <p:cNvSpPr txBox="1"/>
+            <p:nvPr/>
+          </p:nvSpPr>
+          <p:spPr>
+            <a:xfrm>
+              <a:off x="5968628" y="1983138"/>
+              <a:ext cx="2249805" cy="229870"/>
+            </a:xfrm>
+            <a:prstGeom prst="rect">
+              <a:avLst/>
+            </a:prstGeom>
+            <a:noFill/>
+          </p:spPr>
+          <p:txBody>
+            <a:bodyPr wrap="square" rtlCol="0">
+              <a:spAutoFit/>
+            </a:bodyPr>
+            <a:lstStyle/>
+            <a:p>
+              <a:pPr algn="ctr"/>
+              <a:r>
+                <a:rPr lang="en-US" altLang="zh-CN" sz="900" dirty="0">
+                  <a:highlight>
+                    <a:srgbClr val="FFFF00"/>
+                  </a:highlight>
+                  <a:latin typeface="微软雅黑" panose="020B0503020204020204" pitchFamily="34" charset="-122"/>
+                  <a:ea typeface="微软雅黑" panose="020B0503020204020204" pitchFamily="34" charset="-122"/>
+                  <a:sym typeface="+mn-ea"/>
+                </a:rPr>
+                <a:t>Object</a:t>
+              </a:r>
+              <a:r>
+                <a:rPr lang="zh-CN" sz="900" dirty="0">
+                  <a:highlight>
+                    <a:srgbClr val="FFFF00"/>
+                  </a:highlight>
+                  <a:latin typeface="微软雅黑" panose="020B0503020204020204" pitchFamily="34" charset="-122"/>
+                  <a:ea typeface="微软雅黑" panose="020B0503020204020204" pitchFamily="34" charset="-122"/>
+                  <a:sym typeface="+mn-ea"/>
+                </a:rPr>
+                <a:t>原型对象</a:t>
+              </a:r>
+              <a:r>
+                <a:rPr lang="en-US" altLang="zh-CN" sz="900" dirty="0" err="1">
+                  <a:highlight>
+                    <a:srgbClr val="FFFF00"/>
+                  </a:highlight>
+                  <a:latin typeface="微软雅黑" panose="020B0503020204020204" pitchFamily="34" charset="-122"/>
+                  <a:ea typeface="微软雅黑" panose="020B0503020204020204" pitchFamily="34" charset="-122"/>
+                  <a:sym typeface="+mn-ea"/>
+                </a:rPr>
+                <a:t>prototype.__proto</a:t>
+              </a:r>
+              <a:r>
+                <a:rPr lang="en-US" altLang="zh-CN" sz="900" dirty="0">
+                  <a:highlight>
+                    <a:srgbClr val="FFFF00"/>
+                  </a:highlight>
+                  <a:latin typeface="微软雅黑" panose="020B0503020204020204" pitchFamily="34" charset="-122"/>
+                  <a:ea typeface="微软雅黑" panose="020B0503020204020204" pitchFamily="34" charset="-122"/>
+                  <a:sym typeface="+mn-ea"/>
+                </a:rPr>
+                <a:t>__</a:t>
+              </a:r>
+              <a:endParaRPr lang="zh-CN" altLang="en-US" sz="900" dirty="0">
+                <a:highlight>
+                  <a:srgbClr val="FFFF00"/>
+                </a:highlight>
+                <a:latin typeface="微软雅黑" panose="020B0503020204020204" pitchFamily="34" charset="-122"/>
+                <a:ea typeface="微软雅黑" panose="020B0503020204020204" pitchFamily="34" charset="-122"/>
+                <a:sym typeface="+mn-ea"/>
+              </a:endParaRPr>
+            </a:p>
+          </p:txBody>
+        </p:sp>
+        <p:sp>
+          <p:nvSpPr>
+            <p:cNvPr id="28" name="圆角矩形 27"/>
+            <p:cNvSpPr/>
+            <p:nvPr/>
+          </p:nvSpPr>
+          <p:spPr>
+            <a:xfrm>
+              <a:off x="2200329" y="4440844"/>
+              <a:ext cx="1150620" cy="434974"/>
+            </a:xfrm>
+            <a:prstGeom prst="roundRect">
+              <a:avLst/>
+            </a:prstGeom>
+          </p:spPr>
+          <p:style>
+            <a:lnRef idx="2">
+              <a:schemeClr val="accent1">
+                <a:shade val="50000"/>
+              </a:schemeClr>
+            </a:lnRef>
+            <a:fillRef idx="1">
+              <a:schemeClr val="accent1"/>
+            </a:fillRef>
+            <a:effectRef idx="0">
+              <a:schemeClr val="accent1"/>
+            </a:effectRef>
+            <a:fontRef idx="minor">
+              <a:schemeClr val="lt1"/>
+            </a:fontRef>
+          </p:style>
+          <p:txBody>
+            <a:bodyPr rtlCol="0" anchor="ctr"/>
+            <a:lstStyle/>
+            <a:p>
+              <a:pPr algn="ctr"/>
+              <a:r>
+                <a:rPr lang="en-US" altLang="zh-CN" sz="900" dirty="0">
+                  <a:latin typeface="微软雅黑" panose="020B0503020204020204" pitchFamily="34" charset="-122"/>
+                  <a:ea typeface="微软雅黑" panose="020B0503020204020204" pitchFamily="34" charset="-122"/>
+                </a:rPr>
+                <a:t>carol </a:t>
+              </a:r>
+              <a:r>
+                <a:rPr lang="zh-CN" altLang="en-US" sz="900" dirty="0">
+                  <a:latin typeface="微软雅黑" panose="020B0503020204020204" pitchFamily="34" charset="-122"/>
+                  <a:ea typeface="微软雅黑" panose="020B0503020204020204" pitchFamily="34" charset="-122"/>
+                </a:rPr>
+                <a:t>对象实例</a:t>
+              </a:r>
+            </a:p>
+          </p:txBody>
+        </p:sp>
+        <p:sp>
+          <p:nvSpPr>
+            <p:cNvPr id="29" name="文本框 15"/>
+            <p:cNvSpPr txBox="1"/>
+            <p:nvPr/>
+          </p:nvSpPr>
+          <p:spPr>
+            <a:xfrm>
+              <a:off x="3629549" y="2782785"/>
+              <a:ext cx="1822780" cy="230832"/>
+            </a:xfrm>
+            <a:prstGeom prst="rect">
+              <a:avLst/>
+            </a:prstGeom>
+            <a:noFill/>
+          </p:spPr>
+          <p:txBody>
+            <a:bodyPr wrap="square" rtlCol="0">
+              <a:spAutoFit/>
+            </a:bodyPr>
+            <a:lstStyle/>
+            <a:p>
+              <a:pPr algn="l"/>
+              <a:r>
+                <a:rPr lang="en-US" altLang="zh-CN" sz="900" dirty="0">
+                  <a:highlight>
+                    <a:srgbClr val="FFFF00"/>
+                  </a:highlight>
+                  <a:latin typeface="微软雅黑" panose="020B0503020204020204" pitchFamily="34" charset="-122"/>
+                  <a:ea typeface="微软雅黑" panose="020B0503020204020204" pitchFamily="34" charset="-122"/>
+                </a:rPr>
+                <a:t>Object</a:t>
+              </a:r>
+              <a:r>
+                <a:rPr lang="zh-CN" altLang="en-US" sz="900" dirty="0">
+                  <a:highlight>
+                    <a:srgbClr val="FFFF00"/>
+                  </a:highlight>
+                  <a:latin typeface="微软雅黑" panose="020B0503020204020204" pitchFamily="34" charset="-122"/>
+                  <a:ea typeface="微软雅黑" panose="020B0503020204020204" pitchFamily="34" charset="-122"/>
+                </a:rPr>
+                <a:t>原型对象</a:t>
+              </a:r>
+              <a:r>
+                <a:rPr lang="en-US" altLang="zh-CN" sz="900" dirty="0">
+                  <a:highlight>
+                    <a:srgbClr val="FFFF00"/>
+                  </a:highlight>
+                  <a:latin typeface="微软雅黑" panose="020B0503020204020204" pitchFamily="34" charset="-122"/>
+                  <a:ea typeface="微软雅黑" panose="020B0503020204020204" pitchFamily="34" charset="-122"/>
+                </a:rPr>
+                <a:t>.constructor</a:t>
+              </a:r>
+            </a:p>
+          </p:txBody>
+        </p:sp>
+        <p:cxnSp>
+          <p:nvCxnSpPr>
+            <p:cNvPr id="30" name="直接箭头连接符 29"/>
+            <p:cNvCxnSpPr/>
+            <p:nvPr/>
+          </p:nvCxnSpPr>
+          <p:spPr>
+            <a:xfrm>
+              <a:off x="4055110" y="2701946"/>
+              <a:ext cx="948969" cy="0"/>
+            </a:xfrm>
+            <a:prstGeom prst="straightConnector1">
+              <a:avLst/>
+            </a:prstGeom>
+            <a:ln w="19050">
+              <a:headEnd type="arrow" w="med" len="med"/>
+              <a:tailEnd type="none" w="med" len="med"/>
+            </a:ln>
+          </p:spPr>
+          <p:style>
+            <a:lnRef idx="1">
+              <a:schemeClr val="accent1"/>
+            </a:lnRef>
+            <a:fillRef idx="0">
+              <a:schemeClr val="accent1"/>
+            </a:fillRef>
+            <a:effectRef idx="0">
+              <a:schemeClr val="accent1"/>
+            </a:effectRef>
+            <a:fontRef idx="minor">
+              <a:schemeClr val="tx1"/>
+            </a:fontRef>
+          </p:style>
+        </p:cxnSp>
+      </p:grpSp>
     </p:spTree>
   </p:cSld>
   <p:clrMapOvr>
     <a:masterClrMapping/>
   </p:clrMapOvr>
   <p:transition/>
-  <p:timing>
-    <p:tnLst>
-      <p:par>
-        <p:cTn id="1" dur="indefinite" restart="never" nodeType="tmRoot">
-          <p:childTnLst>
-            <p:seq concurrent="1" nextAc="seek">
-              <p:cTn id="2" dur="indefinite" nodeType="mainSeq">
-                <p:childTnLst>
-                  <p:par>
-                    <p:cTn id="3" fill="hold">
-                      <p:stCondLst>
-                        <p:cond delay="indefinite"/>
-                      </p:stCondLst>
-                      <p:childTnLst>
-                        <p:par>
-                          <p:cTn id="4" fill="hold">
-                            <p:stCondLst>
-                              <p:cond delay="0"/>
-                            </p:stCondLst>
-                            <p:childTnLst>
-                              <p:par>
-                                <p:cTn id="5" presetID="1" presetClass="entr" presetSubtype="0" fill="hold" grpId="0" nodeType="clickEffect">
-                                  <p:stCondLst>
-                                    <p:cond delay="0"/>
-                                  </p:stCondLst>
-                                  <p:childTnLst>
-                                    <p:set>
-                                      <p:cBhvr>
-                                        <p:cTn id="6" dur="1" fill="hold">
-                                          <p:stCondLst>
-                                            <p:cond delay="0"/>
-                                          </p:stCondLst>
-                                        </p:cTn>
-                                        <p:tgtEl>
-                                          <p:spTgt spid="19"/>
-                                        </p:tgtEl>
-                                        <p:attrNameLst>
-                                          <p:attrName>style.visibility</p:attrName>
-                                        </p:attrNameLst>
-                                      </p:cBhvr>
-                                      <p:to>
-                                        <p:strVal val="visible"/>
-                                      </p:to>
-                                    </p:set>
-                                  </p:childTnLst>
-                                </p:cTn>
-                              </p:par>
-                              <p:par>
-                                <p:cTn id="7" presetID="1" presetClass="entr" presetSubtype="0" fill="hold" nodeType="withEffect">
-                                  <p:stCondLst>
-                                    <p:cond delay="0"/>
-                                  </p:stCondLst>
-                                  <p:childTnLst>
-                                    <p:set>
-                                      <p:cBhvr>
-                                        <p:cTn id="8" dur="1" fill="hold">
-                                          <p:stCondLst>
-                                            <p:cond delay="0"/>
-                                          </p:stCondLst>
-                                        </p:cTn>
-                                        <p:tgtEl>
-                                          <p:spTgt spid="2"/>
-                                        </p:tgtEl>
-                                        <p:attrNameLst>
-                                          <p:attrName>style.visibility</p:attrName>
-                                        </p:attrNameLst>
-                                      </p:cBhvr>
-                                      <p:to>
-                                        <p:strVal val="visible"/>
-                                      </p:to>
-                                    </p:set>
-                                  </p:childTnLst>
-                                </p:cTn>
-                              </p:par>
-                            </p:childTnLst>
-                          </p:cTn>
-                        </p:par>
-                      </p:childTnLst>
-                    </p:cTn>
-                  </p:par>
-                  <p:par>
-                    <p:cTn id="9" fill="hold">
-                      <p:stCondLst>
-                        <p:cond delay="indefinite"/>
-                      </p:stCondLst>
-                      <p:childTnLst>
-                        <p:par>
-                          <p:cTn id="10" fill="hold">
-                            <p:stCondLst>
-                              <p:cond delay="0"/>
-                            </p:stCondLst>
-                            <p:childTnLst>
-                              <p:par>
-                                <p:cTn id="11" presetID="1" presetClass="entr" presetSubtype="0" fill="hold" grpId="0" nodeType="clickEffect">
-                                  <p:stCondLst>
-                                    <p:cond delay="0"/>
-                                  </p:stCondLst>
-                                  <p:childTnLst>
-                                    <p:set>
-                                      <p:cBhvr>
-                                        <p:cTn id="12" dur="1" fill="hold">
-                                          <p:stCondLst>
-                                            <p:cond delay="0"/>
-                                          </p:stCondLst>
-                                        </p:cTn>
-                                        <p:tgtEl>
-                                          <p:spTgt spid="23"/>
-                                        </p:tgtEl>
-                                        <p:attrNameLst>
-                                          <p:attrName>style.visibility</p:attrName>
-                                        </p:attrNameLst>
-                                      </p:cBhvr>
-                                      <p:to>
-                                        <p:strVal val="visible"/>
-                                      </p:to>
-                                    </p:set>
-                                  </p:childTnLst>
-                                </p:cTn>
-                              </p:par>
-                            </p:childTnLst>
-                          </p:cTn>
-                        </p:par>
-                      </p:childTnLst>
-                    </p:cTn>
-                  </p:par>
-                  <p:par>
-                    <p:cTn id="13" fill="hold">
-                      <p:stCondLst>
-                        <p:cond delay="indefinite"/>
-                      </p:stCondLst>
-                      <p:childTnLst>
-                        <p:par>
-                          <p:cTn id="14" fill="hold">
-                            <p:stCondLst>
-                              <p:cond delay="0"/>
-                            </p:stCondLst>
-                            <p:childTnLst>
-                              <p:par>
-                                <p:cTn id="15" presetID="1" presetClass="entr" presetSubtype="0" fill="hold" grpId="0" nodeType="clickEffect">
-                                  <p:stCondLst>
-                                    <p:cond delay="0"/>
-                                  </p:stCondLst>
-                                  <p:childTnLst>
-                                    <p:set>
-                                      <p:cBhvr>
-                                        <p:cTn id="16" dur="1" fill="hold">
-                                          <p:stCondLst>
-                                            <p:cond delay="0"/>
-                                          </p:stCondLst>
-                                        </p:cTn>
-                                        <p:tgtEl>
-                                          <p:spTgt spid="20"/>
-                                        </p:tgtEl>
-                                        <p:attrNameLst>
-                                          <p:attrName>style.visibility</p:attrName>
-                                        </p:attrNameLst>
-                                      </p:cBhvr>
-                                      <p:to>
-                                        <p:strVal val="visible"/>
-                                      </p:to>
-                                    </p:set>
-                                  </p:childTnLst>
-                                </p:cTn>
-                              </p:par>
-                            </p:childTnLst>
-                          </p:cTn>
-                        </p:par>
-                      </p:childTnLst>
-                    </p:cTn>
-                  </p:par>
-                  <p:par>
-                    <p:cTn id="17" fill="hold">
-                      <p:stCondLst>
-                        <p:cond delay="indefinite"/>
-                      </p:stCondLst>
-                      <p:childTnLst>
-                        <p:par>
-                          <p:cTn id="18" fill="hold">
-                            <p:stCondLst>
-                              <p:cond delay="0"/>
-                            </p:stCondLst>
-                            <p:childTnLst>
-                              <p:par>
-                                <p:cTn id="19" presetID="1" presetClass="entr" presetSubtype="0" fill="hold" nodeType="clickEffect">
-                                  <p:stCondLst>
-                                    <p:cond delay="0"/>
-                                  </p:stCondLst>
-                                  <p:childTnLst>
-                                    <p:set>
-                                      <p:cBhvr>
-                                        <p:cTn id="20" dur="1" fill="hold">
-                                          <p:stCondLst>
-                                            <p:cond delay="0"/>
-                                          </p:stCondLst>
-                                        </p:cTn>
-                                        <p:tgtEl>
-                                          <p:spTgt spid="21"/>
-                                        </p:tgtEl>
-                                        <p:attrNameLst>
-                                          <p:attrName>style.visibility</p:attrName>
-                                        </p:attrNameLst>
-                                      </p:cBhvr>
-                                      <p:to>
-                                        <p:strVal val="visible"/>
-                                      </p:to>
-                                    </p:set>
-                                  </p:childTnLst>
-                                </p:cTn>
-                              </p:par>
-                              <p:par>
-                                <p:cTn id="21" presetID="1" presetClass="entr" presetSubtype="0" fill="hold" grpId="0" nodeType="withEffect">
-                                  <p:stCondLst>
-                                    <p:cond delay="0"/>
-                                  </p:stCondLst>
-                                  <p:childTnLst>
-                                    <p:set>
-                                      <p:cBhvr>
-                                        <p:cTn id="22" dur="1" fill="hold">
-                                          <p:stCondLst>
-                                            <p:cond delay="0"/>
-                                          </p:stCondLst>
-                                        </p:cTn>
-                                        <p:tgtEl>
-                                          <p:spTgt spid="22"/>
-                                        </p:tgtEl>
-                                        <p:attrNameLst>
-                                          <p:attrName>style.visibility</p:attrName>
-                                        </p:attrNameLst>
-                                      </p:cBhvr>
-                                      <p:to>
-                                        <p:strVal val="visible"/>
-                                      </p:to>
-                                    </p:set>
-                                  </p:childTnLst>
-                                </p:cTn>
-                              </p:par>
-                            </p:childTnLst>
-                          </p:cTn>
-                        </p:par>
-                      </p:childTnLst>
-                    </p:cTn>
-                  </p:par>
-                  <p:par>
-                    <p:cTn id="23" fill="hold">
-                      <p:stCondLst>
-                        <p:cond delay="indefinite"/>
-                      </p:stCondLst>
-                      <p:childTnLst>
-                        <p:par>
-                          <p:cTn id="24" fill="hold">
-                            <p:stCondLst>
-                              <p:cond delay="0"/>
-                            </p:stCondLst>
-                            <p:childTnLst>
-                              <p:par>
-                                <p:cTn id="25" presetID="1" presetClass="entr" presetSubtype="0" fill="hold" nodeType="clickEffect">
-                                  <p:stCondLst>
-                                    <p:cond delay="0"/>
-                                  </p:stCondLst>
-                                  <p:childTnLst>
-                                    <p:set>
-                                      <p:cBhvr>
-                                        <p:cTn id="26" dur="1" fill="hold">
-                                          <p:stCondLst>
-                                            <p:cond delay="0"/>
-                                          </p:stCondLst>
-                                        </p:cTn>
-                                        <p:tgtEl>
-                                          <p:spTgt spid="30"/>
-                                        </p:tgtEl>
-                                        <p:attrNameLst>
-                                          <p:attrName>style.visibility</p:attrName>
-                                        </p:attrNameLst>
-                                      </p:cBhvr>
-                                      <p:to>
-                                        <p:strVal val="visible"/>
-                                      </p:to>
-                                    </p:set>
-                                  </p:childTnLst>
-                                </p:cTn>
-                              </p:par>
-                              <p:par>
-                                <p:cTn id="27" presetID="1" presetClass="entr" presetSubtype="0" fill="hold" grpId="0" nodeType="withEffect">
-                                  <p:stCondLst>
-                                    <p:cond delay="0"/>
-                                  </p:stCondLst>
-                                  <p:childTnLst>
-                                    <p:set>
-                                      <p:cBhvr>
-                                        <p:cTn id="28" dur="1" fill="hold">
-                                          <p:stCondLst>
-                                            <p:cond delay="0"/>
-                                          </p:stCondLst>
-                                        </p:cTn>
-                                        <p:tgtEl>
-                                          <p:spTgt spid="29"/>
-                                        </p:tgtEl>
-                                        <p:attrNameLst>
-                                          <p:attrName>style.visibility</p:attrName>
-                                        </p:attrNameLst>
-                                      </p:cBhvr>
-                                      <p:to>
-                                        <p:strVal val="visible"/>
-                                      </p:to>
-                                    </p:set>
-                                  </p:childTnLst>
-                                </p:cTn>
-                              </p:par>
-                            </p:childTnLst>
-                          </p:cTn>
-                        </p:par>
-                      </p:childTnLst>
-                    </p:cTn>
-                  </p:par>
-                  <p:par>
-                    <p:cTn id="29" fill="hold">
-                      <p:stCondLst>
-                        <p:cond delay="indefinite"/>
-                      </p:stCondLst>
-                      <p:childTnLst>
-                        <p:par>
-                          <p:cTn id="30" fill="hold">
-                            <p:stCondLst>
-                              <p:cond delay="0"/>
-                            </p:stCondLst>
-                            <p:childTnLst>
-                              <p:par>
-                                <p:cTn id="31" presetID="1" presetClass="entr" presetSubtype="0" fill="hold" grpId="0" nodeType="clickEffect">
-                                  <p:stCondLst>
-                                    <p:cond delay="0"/>
-                                  </p:stCondLst>
-                                  <p:childTnLst>
-                                    <p:set>
-                                      <p:cBhvr>
-                                        <p:cTn id="32" dur="1" fill="hold">
-                                          <p:stCondLst>
-                                            <p:cond delay="0"/>
-                                          </p:stCondLst>
-                                        </p:cTn>
-                                        <p:tgtEl>
-                                          <p:spTgt spid="26"/>
-                                        </p:tgtEl>
-                                        <p:attrNameLst>
-                                          <p:attrName>style.visibility</p:attrName>
-                                        </p:attrNameLst>
-                                      </p:cBhvr>
-                                      <p:to>
-                                        <p:strVal val="visible"/>
-                                      </p:to>
-                                    </p:set>
-                                  </p:childTnLst>
-                                </p:cTn>
-                              </p:par>
-                              <p:par>
-                                <p:cTn id="33" presetID="1" presetClass="entr" presetSubtype="0" fill="hold" nodeType="withEffect">
-                                  <p:stCondLst>
-                                    <p:cond delay="0"/>
-                                  </p:stCondLst>
-                                  <p:childTnLst>
-                                    <p:set>
-                                      <p:cBhvr>
-                                        <p:cTn id="34" dur="1" fill="hold">
-                                          <p:stCondLst>
-                                            <p:cond delay="0"/>
-                                          </p:stCondLst>
-                                        </p:cTn>
-                                        <p:tgtEl>
-                                          <p:spTgt spid="25"/>
-                                        </p:tgtEl>
-                                        <p:attrNameLst>
-                                          <p:attrName>style.visibility</p:attrName>
-                                        </p:attrNameLst>
-                                      </p:cBhvr>
-                                      <p:to>
-                                        <p:strVal val="visible"/>
-                                      </p:to>
-                                    </p:set>
-                                  </p:childTnLst>
-                                </p:cTn>
-                              </p:par>
-                            </p:childTnLst>
-                          </p:cTn>
-                        </p:par>
-                      </p:childTnLst>
-                    </p:cTn>
-                  </p:par>
-                  <p:par>
-                    <p:cTn id="35" fill="hold">
-                      <p:stCondLst>
-                        <p:cond delay="indefinite"/>
-                      </p:stCondLst>
-                      <p:childTnLst>
-                        <p:par>
-                          <p:cTn id="36" fill="hold">
-                            <p:stCondLst>
-                              <p:cond delay="0"/>
-                            </p:stCondLst>
-                            <p:childTnLst>
-                              <p:par>
-                                <p:cTn id="37" presetID="1" presetClass="entr" presetSubtype="0" fill="hold" grpId="0" nodeType="clickEffect">
-                                  <p:stCondLst>
-                                    <p:cond delay="0"/>
-                                  </p:stCondLst>
-                                  <p:childTnLst>
-                                    <p:set>
-                                      <p:cBhvr>
-                                        <p:cTn id="38" dur="1" fill="hold">
-                                          <p:stCondLst>
-                                            <p:cond delay="0"/>
-                                          </p:stCondLst>
-                                        </p:cTn>
-                                        <p:tgtEl>
-                                          <p:spTgt spid="24"/>
-                                        </p:tgtEl>
-                                        <p:attrNameLst>
-                                          <p:attrName>style.visibility</p:attrName>
-                                        </p:attrNameLst>
-                                      </p:cBhvr>
-                                      <p:to>
-                                        <p:strVal val="visible"/>
-                                      </p:to>
-                                    </p:set>
-                                  </p:childTnLst>
-                                </p:cTn>
-                              </p:par>
-                            </p:childTnLst>
-                          </p:cTn>
-                        </p:par>
-                      </p:childTnLst>
-                    </p:cTn>
-                  </p:par>
-                </p:childTnLst>
-              </p:cTn>
-              <p:prevCondLst>
-                <p:cond evt="onPrev" delay="0">
-                  <p:tgtEl>
-                    <p:sldTgt/>
-                  </p:tgtEl>
-                </p:cond>
-              </p:prevCondLst>
-              <p:nextCondLst>
-                <p:cond evt="onNext" delay="0">
-                  <p:tgtEl>
-                    <p:sldTgt/>
-                  </p:tgtEl>
-                </p:cond>
-              </p:nextCondLst>
-            </p:seq>
-          </p:childTnLst>
-        </p:cTn>
-      </p:par>
-    </p:tnLst>
-    <p:bldLst>
-      <p:bldP spid="19" grpId="0"/>
-      <p:bldP spid="20" grpId="0" animBg="1"/>
-      <p:bldP spid="22" grpId="0"/>
-      <p:bldP spid="23" grpId="0" animBg="1"/>
-      <p:bldP spid="24" grpId="0" animBg="1"/>
-      <p:bldP spid="26" grpId="0"/>
-      <p:bldP spid="29" grpId="0"/>
-    </p:bldLst>
-  </p:timing>
 </p:sld>
 </file>
 
@@ -14044,7 +13467,7 @@
               <a:t>. </a:t>
             </a:r>
             <a:r>
-              <a:rPr lang="zh-CN" altLang="en-US" smtClean="0">
+              <a:rPr lang="zh-CN" altLang="en-US">
                 <a:sym typeface="+mn-ea"/>
               </a:rPr>
               <a:t>构造函数和原型</a:t>
@@ -14252,11 +13675,11 @@
               <a:buAutoNum type="circleNumDbPlain"/>
             </a:pPr>
             <a:r>
-              <a:rPr dirty="0" err="1" smtClean="0"/>
+              <a:rPr dirty="0" err="1"/>
               <a:t>当访问一个对象的属性（包括方法）时，首先查找这个</a:t>
             </a:r>
             <a:r>
-              <a:rPr dirty="0" err="1" smtClean="0">
+              <a:rPr dirty="0" err="1">
                 <a:solidFill>
                   <a:srgbClr val="FF0000"/>
                 </a:solidFill>
@@ -14264,14 +13687,14 @@
               <a:t>对象自身</a:t>
             </a:r>
             <a:r>
-              <a:rPr dirty="0" err="1" smtClean="0"/>
+              <a:rPr dirty="0" err="1"/>
               <a:t>有没有该属性</a:t>
             </a:r>
             <a:r>
               <a:rPr lang="zh-CN" altLang="en-US" dirty="0"/>
               <a:t>。</a:t>
             </a:r>
-            <a:endParaRPr dirty="0" smtClean="0"/>
+            <a:endParaRPr dirty="0"/>
           </a:p>
           <a:p>
             <a:pPr marL="228600" indent="-228600">
@@ -14279,23 +13702,23 @@
               <a:buAutoNum type="circleNumDbPlain"/>
             </a:pPr>
             <a:r>
-              <a:rPr dirty="0" err="1" smtClean="0"/>
+              <a:rPr dirty="0" err="1"/>
               <a:t>如果没有就查找它的原型（也就是</a:t>
             </a:r>
             <a:r>
-              <a:rPr dirty="0" smtClean="0"/>
+              <a:rPr dirty="0"/>
               <a:t> __proto__</a:t>
             </a:r>
             <a:r>
-              <a:rPr dirty="0" err="1" smtClean="0"/>
+              <a:rPr dirty="0" err="1"/>
               <a:t>指向的</a:t>
             </a:r>
             <a:r>
-              <a:rPr dirty="0" smtClean="0"/>
+              <a:rPr dirty="0"/>
               <a:t> </a:t>
             </a:r>
             <a:r>
-              <a:rPr dirty="0" smtClean="0">
+              <a:rPr dirty="0">
                 <a:solidFill>
                   <a:srgbClr val="FF0000"/>
                 </a:solidFill>
@@ -14303,7 +13726,7 @@
               <a:t>prototype </a:t>
             </a:r>
             <a:r>
-              <a:rPr lang="zh-CN" dirty="0" smtClean="0">
+              <a:rPr lang="zh-CN" dirty="0">
                 <a:solidFill>
                   <a:srgbClr val="FF0000"/>
                 </a:solidFill>
@@ -14311,7 +13734,7 @@
               <a:t>原型</a:t>
             </a:r>
             <a:r>
-              <a:rPr dirty="0" err="1" smtClean="0">
+              <a:rPr dirty="0" err="1">
                 <a:solidFill>
                   <a:srgbClr val="FF0000"/>
                 </a:solidFill>
@@ -14319,14 +13742,14 @@
               <a:t>对象</a:t>
             </a:r>
             <a:r>
-              <a:rPr dirty="0" smtClean="0"/>
+              <a:rPr dirty="0"/>
               <a:t>）</a:t>
             </a:r>
             <a:r>
-              <a:rPr lang="zh-CN" altLang="en-US" dirty="0" smtClean="0"/>
+              <a:rPr lang="zh-CN" altLang="en-US" dirty="0"/>
               <a:t>。</a:t>
             </a:r>
-            <a:endParaRPr dirty="0" smtClean="0"/>
+            <a:endParaRPr dirty="0"/>
           </a:p>
           <a:p>
             <a:pPr marL="228600" indent="-228600">
@@ -14334,19 +13757,19 @@
               <a:buAutoNum type="circleNumDbPlain"/>
             </a:pPr>
             <a:r>
-              <a:rPr dirty="0" err="1" smtClean="0"/>
+              <a:rPr dirty="0" err="1"/>
               <a:t>如果还没有就查找原型</a:t>
             </a:r>
             <a:r>
-              <a:rPr lang="zh-CN" dirty="0" smtClean="0"/>
+              <a:rPr lang="zh-CN" dirty="0"/>
               <a:t>对象</a:t>
             </a:r>
             <a:r>
-              <a:rPr dirty="0" err="1" smtClean="0"/>
+              <a:rPr dirty="0" err="1"/>
               <a:t>的原型（</a:t>
             </a:r>
             <a:r>
-              <a:rPr lang="en-US" dirty="0" err="1" smtClean="0">
+              <a:rPr lang="en-US" dirty="0" err="1">
                 <a:solidFill>
                   <a:srgbClr val="FF0000"/>
                 </a:solidFill>
@@ -14354,7 +13777,7 @@
               <a:t>Object</a:t>
             </a:r>
             <a:r>
-              <a:rPr lang="zh-CN" altLang="en-US" dirty="0" smtClean="0">
+              <a:rPr lang="zh-CN" altLang="en-US" dirty="0">
                 <a:solidFill>
                   <a:srgbClr val="FF0000"/>
                 </a:solidFill>
@@ -14362,14 +13785,14 @@
               <a:t>的原型对象</a:t>
             </a:r>
             <a:r>
-              <a:rPr dirty="0" smtClean="0"/>
+              <a:rPr dirty="0"/>
               <a:t>）</a:t>
             </a:r>
             <a:r>
-              <a:rPr lang="zh-CN" altLang="en-US" dirty="0" smtClean="0"/>
+              <a:rPr lang="zh-CN" altLang="en-US" dirty="0"/>
               <a:t>。</a:t>
             </a:r>
-            <a:endParaRPr dirty="0" smtClean="0"/>
+            <a:endParaRPr dirty="0"/>
           </a:p>
           <a:p>
             <a:pPr marL="228600" indent="-228600">
@@ -14377,23 +13800,23 @@
               <a:buAutoNum type="circleNumDbPlain"/>
             </a:pPr>
             <a:r>
-              <a:rPr dirty="0" err="1" smtClean="0"/>
+              <a:rPr dirty="0" err="1"/>
               <a:t>依此类推一直找到</a:t>
             </a:r>
             <a:r>
-              <a:rPr dirty="0" smtClean="0"/>
+              <a:rPr dirty="0"/>
               <a:t> Object </a:t>
             </a:r>
             <a:r>
-              <a:rPr dirty="0" err="1" smtClean="0"/>
+              <a:rPr dirty="0" err="1"/>
               <a:t>为止</a:t>
             </a:r>
             <a:r>
-              <a:rPr lang="zh-CN" dirty="0" smtClean="0"/>
+              <a:rPr lang="zh-CN" dirty="0"/>
               <a:t>（</a:t>
             </a:r>
             <a:r>
-              <a:rPr lang="en-US" altLang="zh-CN" dirty="0" smtClean="0">
+              <a:rPr lang="en-US" altLang="zh-CN" dirty="0">
                 <a:solidFill>
                   <a:srgbClr val="FF0000"/>
                 </a:solidFill>
@@ -14401,7 +13824,7 @@
               <a:t>null</a:t>
             </a:r>
             <a:r>
-              <a:rPr lang="zh-CN" altLang="en-US" dirty="0" smtClean="0"/>
+              <a:rPr lang="zh-CN" altLang="en-US" dirty="0"/>
               <a:t>）。</a:t>
             </a:r>
           </a:p>
@@ -14411,18 +13834,18 @@
               <a:buAutoNum type="circleNumDbPlain"/>
             </a:pPr>
             <a:r>
-              <a:rPr lang="en-US" altLang="zh-CN" dirty="0" smtClean="0">
+              <a:rPr lang="en-US" altLang="zh-CN" dirty="0">
                 <a:sym typeface="+mn-ea"/>
               </a:rPr>
               <a:t>__proto__</a:t>
             </a:r>
             <a:r>
-              <a:rPr lang="zh-CN" altLang="en-US" dirty="0" smtClean="0">
+              <a:rPr lang="zh-CN" altLang="en-US" dirty="0">
                 <a:sym typeface="+mn-ea"/>
               </a:rPr>
               <a:t>对象原型的意义就在于为对象成员查找机制提供一个方向，或者说一条路线。</a:t>
             </a:r>
-            <a:endParaRPr lang="zh-CN" altLang="en-US" dirty="0" smtClean="0"/>
+            <a:endParaRPr lang="zh-CN" altLang="en-US" dirty="0"/>
           </a:p>
         </p:txBody>
       </p:sp>
@@ -14447,35 +13870,29 @@
           <a:lstStyle/>
           <a:p>
             <a:r>
-              <a:rPr lang="en-US" altLang="zh-CN" dirty="0" smtClean="0"/>
+              <a:rPr lang="en-US" altLang="zh-CN" dirty="0"/>
               <a:t>1.9 </a:t>
             </a:r>
             <a:r>
               <a:rPr lang="zh-CN" altLang="en-US" dirty="0">
                 <a:sym typeface="+mn-ea"/>
               </a:rPr>
-              <a:t>JavaScript </a:t>
-            </a:r>
-            <a:r>
-              <a:rPr lang="zh-CN" altLang="en-US" dirty="0" smtClean="0">
-                <a:sym typeface="+mn-ea"/>
-              </a:rPr>
-              <a:t>的成员查找机制</a:t>
-            </a:r>
-            <a:r>
-              <a:rPr lang="en-US" altLang="zh-CN" dirty="0" smtClean="0">
+              <a:t>JavaScript 的成员查找机制</a:t>
+            </a:r>
+            <a:r>
+              <a:rPr lang="en-US" altLang="zh-CN" dirty="0">
                 <a:sym typeface="+mn-ea"/>
               </a:rPr>
               <a:t>(</a:t>
             </a:r>
             <a:r>
-              <a:rPr lang="zh-CN" altLang="en-US" dirty="0" smtClean="0">
+              <a:rPr lang="zh-CN" altLang="en-US" dirty="0">
                 <a:sym typeface="+mn-ea"/>
               </a:rPr>
               <a:t>规则</a:t>
             </a:r>
             <a:r>
-              <a:rPr lang="en-US" altLang="zh-CN" dirty="0" smtClean="0">
+              <a:rPr lang="en-US" altLang="zh-CN" dirty="0">
                 <a:sym typeface="+mn-ea"/>
               </a:rPr>
               <a:t>)</a:t>
@@ -14814,7 +14231,7 @@
               <a:t>. </a:t>
             </a:r>
             <a:r>
-              <a:rPr lang="zh-CN" altLang="en-US" smtClean="0">
+              <a:rPr lang="zh-CN" altLang="en-US">
                 <a:sym typeface="+mn-ea"/>
               </a:rPr>
               <a:t>构造函数和原型</a:t>
@@ -15018,25 +14435,25 @@
           </a:lstStyle>
           <a:p>
             <a:r>
-              <a:rPr lang="zh-CN" altLang="en-US" dirty="0" smtClean="0"/>
+              <a:rPr lang="zh-CN" altLang="en-US" dirty="0"/>
               <a:t>构造函数中的</a:t>
             </a:r>
             <a:r>
-              <a:rPr lang="en-US" altLang="zh-CN" dirty="0" smtClean="0"/>
+              <a:rPr lang="en-US" altLang="zh-CN" dirty="0"/>
               <a:t>this </a:t>
             </a:r>
             <a:r>
-              <a:rPr lang="zh-CN" altLang="en-US" dirty="0" smtClean="0"/>
+              <a:rPr lang="zh-CN" altLang="en-US" dirty="0"/>
               <a:t>指向我们实例对象</a:t>
             </a:r>
             <a:r>
-              <a:rPr lang="en-US" altLang="zh-CN" dirty="0" smtClean="0"/>
+              <a:rPr lang="en-US" altLang="zh-CN" dirty="0"/>
               <a:t>.</a:t>
             </a:r>
           </a:p>
           <a:p>
             <a:r>
-              <a:rPr lang="zh-CN" altLang="en-US" dirty="0" smtClean="0">
+              <a:rPr lang="zh-CN" altLang="en-US" dirty="0">
                 <a:solidFill>
                   <a:srgbClr val="FF0000"/>
                 </a:solidFill>
@@ -15044,19 +14461,19 @@
               <a:t>原型对象</a:t>
             </a:r>
             <a:r>
-              <a:rPr lang="zh-CN" altLang="en-US" dirty="0" smtClean="0"/>
+              <a:rPr lang="zh-CN" altLang="en-US" dirty="0"/>
               <a:t>里面放的是方法</a:t>
             </a:r>
             <a:r>
-              <a:rPr lang="en-US" altLang="zh-CN" dirty="0" smtClean="0"/>
+              <a:rPr lang="en-US" altLang="zh-CN" dirty="0"/>
               <a:t>,  </a:t>
             </a:r>
             <a:r>
-              <a:rPr lang="zh-CN" altLang="en-US" dirty="0" smtClean="0"/>
+              <a:rPr lang="zh-CN" altLang="en-US" dirty="0"/>
               <a:t>这个方法</a:t>
             </a:r>
             <a:r>
-              <a:rPr lang="zh-CN" altLang="en-US" dirty="0" smtClean="0">
+              <a:rPr lang="zh-CN" altLang="en-US" dirty="0">
                 <a:solidFill>
                   <a:srgbClr val="FF0000"/>
                 </a:solidFill>
@@ -15064,7 +14481,7 @@
               <a:t>里面的</a:t>
             </a:r>
             <a:r>
-              <a:rPr lang="en-US" altLang="zh-CN" dirty="0" smtClean="0">
+              <a:rPr lang="en-US" altLang="zh-CN" dirty="0">
                 <a:solidFill>
                   <a:srgbClr val="FF0000"/>
                 </a:solidFill>
@@ -15072,7 +14489,7 @@
               <a:t>this </a:t>
             </a:r>
             <a:r>
-              <a:rPr lang="zh-CN" altLang="en-US" dirty="0" smtClean="0">
+              <a:rPr lang="zh-CN" altLang="en-US" dirty="0">
                 <a:solidFill>
                   <a:srgbClr val="FF0000"/>
                 </a:solidFill>
@@ -15080,19 +14497,19 @@
               <a:t>指向</a:t>
             </a:r>
             <a:r>
-              <a:rPr lang="zh-CN" altLang="en-US" dirty="0" smtClean="0"/>
+              <a:rPr lang="zh-CN" altLang="en-US" dirty="0"/>
               <a:t>的是 这个方法的调用者</a:t>
             </a:r>
             <a:r>
-              <a:rPr lang="en-US" altLang="zh-CN" dirty="0" smtClean="0"/>
+              <a:rPr lang="en-US" altLang="zh-CN" dirty="0"/>
               <a:t>, </a:t>
             </a:r>
             <a:r>
-              <a:rPr lang="zh-CN" altLang="en-US" dirty="0" smtClean="0"/>
+              <a:rPr lang="zh-CN" altLang="en-US" dirty="0"/>
               <a:t>也就是这个</a:t>
             </a:r>
             <a:r>
-              <a:rPr lang="zh-CN" altLang="en-US" dirty="0" smtClean="0">
+              <a:rPr lang="zh-CN" altLang="en-US" dirty="0">
                 <a:solidFill>
                   <a:srgbClr val="FF0000"/>
                 </a:solidFill>
@@ -15100,10 +14517,10 @@
               <a:t>实例对象</a:t>
             </a:r>
             <a:r>
-              <a:rPr lang="en-US" altLang="zh-CN" dirty="0" smtClean="0"/>
+              <a:rPr lang="en-US" altLang="zh-CN" dirty="0"/>
               <a:t>.</a:t>
             </a:r>
-            <a:endParaRPr lang="zh-CN" altLang="en-US" dirty="0" smtClean="0"/>
+            <a:endParaRPr lang="zh-CN" altLang="en-US" dirty="0"/>
           </a:p>
         </p:txBody>
       </p:sp>
@@ -15128,22 +14545,21 @@
           <a:lstStyle/>
           <a:p>
             <a:r>
-              <a:rPr lang="en-US" altLang="zh-CN" dirty="0" smtClean="0"/>
+              <a:rPr lang="en-US" altLang="zh-CN" dirty="0"/>
               <a:t>1.10 </a:t>
             </a:r>
             <a:r>
-              <a:rPr lang="zh-CN" altLang="en-US" dirty="0" smtClean="0"/>
+              <a:rPr lang="zh-CN" altLang="en-US" dirty="0"/>
               <a:t>原型对象</a:t>
             </a:r>
             <a:r>
-              <a:rPr lang="en-US" altLang="zh-CN" dirty="0" smtClean="0"/>
+              <a:rPr lang="en-US" altLang="zh-CN" dirty="0"/>
               <a:t>this</a:t>
             </a:r>
             <a:r>
-              <a:rPr lang="zh-CN" altLang="en-US" dirty="0" smtClean="0"/>
+              <a:rPr lang="zh-CN" altLang="en-US" dirty="0"/>
               <a:t>指向</a:t>
             </a:r>
-            <a:endParaRPr lang="zh-CN" altLang="en-US" dirty="0"/>
           </a:p>
         </p:txBody>
       </p:sp>
@@ -15330,7 +14746,7 @@
               <a:t>. </a:t>
             </a:r>
             <a:r>
-              <a:rPr lang="zh-CN" altLang="en-US" smtClean="0">
+              <a:rPr lang="zh-CN" altLang="en-US">
                 <a:sym typeface="+mn-ea"/>
               </a:rPr>
               <a:t>构造函数和原型</a:t>
@@ -15534,7 +14950,7 @@
           </a:lstStyle>
           <a:p>
             <a:r>
-              <a:rPr lang="zh-CN" altLang="en-US" smtClean="0"/>
+              <a:rPr lang="zh-CN" altLang="en-US"/>
               <a:t>可以通过原型对象，对原来的内置对象进行扩展自定义的方法。比如给数组增加自定义求偶数和的功能。</a:t>
             </a:r>
           </a:p>
@@ -15561,16 +14977,12 @@
           <a:lstStyle/>
           <a:p>
             <a:r>
-              <a:rPr lang="en-US" altLang="zh-CN" dirty="0" smtClean="0"/>
+              <a:rPr lang="en-US" altLang="zh-CN" dirty="0"/>
               <a:t>1.11 </a:t>
             </a:r>
             <a:r>
-              <a:rPr lang="zh-CN" altLang="en-US" dirty="0" smtClean="0"/>
-              <a:t>扩展</a:t>
-            </a:r>
-            <a:r>
               <a:rPr lang="zh-CN" altLang="en-US" dirty="0"/>
-              <a:t>内置对象</a:t>
+              <a:t>扩展内置对象</a:t>
             </a:r>
           </a:p>
         </p:txBody>
@@ -15765,7 +15177,7 @@
           </a:lstStyle>
           <a:p>
             <a:r>
-              <a:rPr lang="zh-CN" altLang="en-US" smtClean="0">
+              <a:rPr lang="zh-CN" altLang="en-US">
                 <a:solidFill>
                   <a:srgbClr val="FF0000"/>
                 </a:solidFill>
@@ -15773,7 +15185,7 @@
               <a:t>注意：数组和字符串内置对象不能给原型对象覆盖操作 </a:t>
             </a:r>
             <a:r>
-              <a:rPr lang="en-US" altLang="zh-CN" smtClean="0">
+              <a:rPr lang="en-US" altLang="zh-CN">
                 <a:solidFill>
                   <a:srgbClr val="FF0000"/>
                 </a:solidFill>
@@ -15781,7 +15193,7 @@
               <a:t>Array.prototype = {} </a:t>
             </a:r>
             <a:r>
-              <a:rPr lang="zh-CN" altLang="en-US" smtClean="0">
+              <a:rPr lang="zh-CN" altLang="en-US">
                 <a:solidFill>
                   <a:srgbClr val="FF0000"/>
                 </a:solidFill>
@@ -15789,7 +15201,7 @@
               <a:t>，只能是 </a:t>
             </a:r>
             <a:r>
-              <a:rPr lang="en-US" altLang="zh-CN" smtClean="0">
+              <a:rPr lang="en-US" altLang="zh-CN">
                 <a:solidFill>
                   <a:srgbClr val="FF0000"/>
                 </a:solidFill>
@@ -15797,7 +15209,7 @@
               <a:t>Array.prototype.xxx = function(){} </a:t>
             </a:r>
             <a:r>
-              <a:rPr lang="zh-CN" altLang="en-US" smtClean="0">
+              <a:rPr lang="zh-CN" altLang="en-US">
                 <a:solidFill>
                   <a:srgbClr val="FF0000"/>
                 </a:solidFill>
@@ -15989,7 +15401,7 @@
           <a:lstStyle/>
           <a:p>
             <a:r>
-              <a:rPr noProof="0" dirty="0" err="1" smtClean="0">
+              <a:rPr noProof="0" dirty="0" err="1">
                 <a:solidFill>
                   <a:schemeClr val="tx1"/>
                 </a:solidFill>
@@ -15997,7 +15409,7 @@
               </a:rPr>
               <a:t>构造函数和原型</a:t>
             </a:r>
-            <a:endParaRPr noProof="0" dirty="0" smtClean="0">
+            <a:endParaRPr noProof="0" dirty="0">
               <a:solidFill>
                 <a:schemeClr val="tx1"/>
               </a:solidFill>
@@ -16006,7 +15418,7 @@
           </a:p>
           <a:p>
             <a:r>
-              <a:rPr lang="zh-CN" altLang="en-US" noProof="0" dirty="0" smtClean="0">
+              <a:rPr lang="zh-CN" altLang="en-US" noProof="0" dirty="0">
                 <a:solidFill>
                   <a:srgbClr val="FF0000"/>
                 </a:solidFill>
@@ -16014,7 +15426,7 @@
               </a:rPr>
               <a:t>继承</a:t>
             </a:r>
-            <a:endParaRPr noProof="0" dirty="0" smtClean="0">
+            <a:endParaRPr noProof="0" dirty="0">
               <a:solidFill>
                 <a:srgbClr val="FF0000"/>
               </a:solidFill>
@@ -16023,7 +15435,7 @@
           </a:p>
           <a:p>
             <a:r>
-              <a:rPr lang="en-US" noProof="0" dirty="0" smtClean="0">
+              <a:rPr lang="en-US" noProof="0" dirty="0">
                 <a:solidFill>
                   <a:schemeClr val="tx1"/>
                 </a:solidFill>
@@ -16032,7 +15444,7 @@
               <a:t>ES5 </a:t>
             </a:r>
             <a:r>
-              <a:rPr lang="zh-CN" altLang="en-US" noProof="0" dirty="0" smtClean="0">
+              <a:rPr lang="zh-CN" altLang="en-US" noProof="0" dirty="0">
                 <a:solidFill>
                   <a:schemeClr val="tx1"/>
                 </a:solidFill>
@@ -16040,7 +15452,7 @@
               </a:rPr>
               <a:t>中的新增方法</a:t>
             </a:r>
-            <a:endParaRPr noProof="0" dirty="0" smtClean="0">
+            <a:endParaRPr noProof="0" dirty="0">
               <a:solidFill>
                 <a:schemeClr val="tx1"/>
               </a:solidFill>
@@ -16054,13 +15466,6 @@
   <p:clrMapOvr>
     <a:masterClrMapping/>
   </p:clrMapOvr>
-  <p:timing>
-    <p:tnLst>
-      <p:par>
-        <p:cTn id="1" dur="indefinite" restart="never" nodeType="tmRoot"/>
-      </p:par>
-    </p:tnLst>
-  </p:timing>
 </p:sld>
 </file>
 
@@ -16102,11 +15507,11 @@
           <a:lstStyle/>
           <a:p>
             <a:r>
-              <a:rPr lang="en-US" altLang="zh-CN" dirty="0" smtClean="0"/>
+              <a:rPr lang="en-US" altLang="zh-CN" dirty="0"/>
               <a:t>2. </a:t>
             </a:r>
             <a:r>
-              <a:rPr lang="zh-CN" altLang="en-US" dirty="0" smtClean="0">
+              <a:rPr lang="zh-CN" altLang="en-US" dirty="0">
                 <a:sym typeface="+mn-ea"/>
               </a:rPr>
               <a:t>继承</a:t>
@@ -16338,31 +15743,31 @@
           </a:lstStyle>
           <a:p>
             <a:r>
-              <a:rPr lang="en-US" altLang="zh-CN" dirty="0" smtClean="0">
+              <a:rPr lang="en-US" altLang="zh-CN" dirty="0">
                 <a:sym typeface="+mn-ea"/>
               </a:rPr>
               <a:t>ES6</a:t>
             </a:r>
             <a:r>
-              <a:rPr lang="zh-CN" altLang="en-US" dirty="0" smtClean="0">
+              <a:rPr lang="zh-CN" altLang="en-US" dirty="0">
                 <a:sym typeface="+mn-ea"/>
               </a:rPr>
               <a:t>之前并没有给我们提供 </a:t>
             </a:r>
             <a:r>
-              <a:rPr lang="en-US" altLang="zh-CN" dirty="0" smtClean="0">
+              <a:rPr lang="en-US" altLang="zh-CN" dirty="0">
                 <a:sym typeface="+mn-ea"/>
               </a:rPr>
               <a:t>extends </a:t>
             </a:r>
             <a:r>
-              <a:rPr lang="zh-CN" altLang="en-US" dirty="0" smtClean="0">
+              <a:rPr lang="zh-CN" altLang="en-US" dirty="0">
                 <a:sym typeface="+mn-ea"/>
               </a:rPr>
               <a:t>继承。我们可以通过</a:t>
             </a:r>
             <a:r>
-              <a:rPr lang="zh-CN" altLang="en-US" dirty="0" smtClean="0">
+              <a:rPr lang="zh-CN" altLang="en-US" dirty="0">
                 <a:solidFill>
                   <a:srgbClr val="FF0000"/>
                 </a:solidFill>
@@ -16371,7 +15776,7 @@
               <a:t>构造函数</a:t>
             </a:r>
             <a:r>
-              <a:rPr lang="en-US" altLang="zh-CN" dirty="0" smtClean="0">
+              <a:rPr lang="en-US" altLang="zh-CN" dirty="0">
                 <a:solidFill>
                   <a:srgbClr val="FF0000"/>
                 </a:solidFill>
@@ -16380,7 +15785,7 @@
               <a:t>+</a:t>
             </a:r>
             <a:r>
-              <a:rPr lang="zh-CN" altLang="en-US" dirty="0" smtClean="0">
+              <a:rPr lang="zh-CN" altLang="en-US" dirty="0">
                 <a:solidFill>
                   <a:srgbClr val="FF0000"/>
                 </a:solidFill>
@@ -16389,25 +15794,13 @@
               <a:t>原型对象</a:t>
             </a:r>
             <a:r>
-              <a:rPr lang="zh-CN" altLang="en-US" dirty="0" smtClean="0">
-                <a:sym typeface="+mn-ea"/>
-              </a:rPr>
-              <a:t>模拟实现继承，</a:t>
-            </a:r>
-            <a:r>
               <a:rPr lang="zh-CN" altLang="en-US" dirty="0">
                 <a:sym typeface="+mn-ea"/>
               </a:rPr>
-              <a:t>被</a:t>
-            </a:r>
-            <a:r>
-              <a:rPr lang="zh-CN" altLang="en-US" dirty="0" smtClean="0">
-                <a:sym typeface="+mn-ea"/>
-              </a:rPr>
-              <a:t>称为</a:t>
-            </a:r>
-            <a:r>
-              <a:rPr lang="zh-CN" altLang="en-US" dirty="0" smtClean="0">
+              <a:t>模拟实现继承，被称为</a:t>
+            </a:r>
+            <a:r>
+              <a:rPr lang="zh-CN" altLang="en-US" dirty="0">
                 <a:solidFill>
                   <a:srgbClr val="FF0000"/>
                 </a:solidFill>
@@ -16416,7 +15809,7 @@
               <a:t>组合继承</a:t>
             </a:r>
             <a:r>
-              <a:rPr lang="zh-CN" altLang="en-US" dirty="0" smtClean="0">
+              <a:rPr lang="zh-CN" altLang="en-US" dirty="0">
                 <a:sym typeface="+mn-ea"/>
               </a:rPr>
               <a:t>。</a:t>
@@ -16614,28 +16007,22 @@
           </a:lstStyle>
           <a:p>
             <a:r>
-              <a:rPr lang="zh-CN" dirty="0" smtClean="0">
+              <a:rPr lang="zh-CN" dirty="0">
                 <a:sym typeface="+mn-ea"/>
               </a:rPr>
               <a:t>调用这个函数</a:t>
             </a:r>
             <a:r>
-              <a:rPr lang="en-US" altLang="zh-CN" dirty="0" smtClean="0">
+              <a:rPr lang="en-US" altLang="zh-CN" dirty="0">
                 <a:sym typeface="+mn-ea"/>
               </a:rPr>
               <a:t>, </a:t>
             </a:r>
             <a:r>
-              <a:rPr lang="zh-CN" altLang="en-US" dirty="0" smtClean="0">
-                <a:sym typeface="+mn-ea"/>
-              </a:rPr>
-              <a:t>并且修改</a:t>
-            </a:r>
-            <a:r>
               <a:rPr lang="zh-CN" altLang="en-US" dirty="0">
                 <a:sym typeface="+mn-ea"/>
               </a:rPr>
-              <a:t>函数运行时的 </a:t>
+              <a:t>并且修改函数运行时的 </a:t>
             </a:r>
             <a:r>
               <a:rPr lang="en-US" altLang="zh-CN" dirty="0">
@@ -16644,13 +16031,13 @@
               <a:t>this </a:t>
             </a:r>
             <a:r>
-              <a:rPr lang="zh-CN" altLang="en-US" dirty="0" smtClean="0">
+              <a:rPr lang="zh-CN" altLang="en-US" dirty="0">
                 <a:sym typeface="+mn-ea"/>
               </a:rPr>
               <a:t>指向</a:t>
             </a:r>
             <a:r>
-              <a:rPr lang="zh-CN" dirty="0" smtClean="0">
+              <a:rPr lang="zh-CN" dirty="0">
                 <a:sym typeface="+mn-ea"/>
               </a:rPr>
               <a:t>   </a:t>
@@ -16928,24 +16315,24 @@
               <a:buChar char="l"/>
             </a:pPr>
             <a:r>
-              <a:rPr lang="zh-CN" altLang="en-US" dirty="0" smtClean="0">
+              <a:rPr lang="zh-CN" altLang="en-US" dirty="0">
                 <a:sym typeface="+mn-ea"/>
               </a:rPr>
               <a:t>thisArg ：当前调用函数 </a:t>
             </a:r>
             <a:r>
-              <a:rPr lang="en-US" altLang="zh-CN" dirty="0" smtClean="0">
+              <a:rPr lang="en-US" altLang="zh-CN" dirty="0">
                 <a:sym typeface="+mn-ea"/>
               </a:rPr>
               <a:t>this </a:t>
             </a:r>
             <a:r>
-              <a:rPr lang="zh-CN" altLang="en-US" dirty="0" smtClean="0">
+              <a:rPr lang="zh-CN" altLang="en-US" dirty="0">
                 <a:sym typeface="+mn-ea"/>
               </a:rPr>
               <a:t>的指向对象</a:t>
             </a:r>
-            <a:endParaRPr lang="en-US" altLang="zh-CN" dirty="0" smtClean="0">
+            <a:endParaRPr lang="en-US" altLang="zh-CN" dirty="0">
               <a:sym typeface="+mn-ea"/>
             </a:endParaRPr>
           </a:p>
@@ -16955,7 +16342,7 @@
               <a:buChar char="l"/>
             </a:pPr>
             <a:r>
-              <a:rPr lang="en-US" altLang="zh-CN" dirty="0" smtClean="0">
+              <a:rPr lang="en-US" altLang="zh-CN" dirty="0">
                 <a:sym typeface="+mn-ea"/>
               </a:rPr>
               <a:t>arg1</a:t>
@@ -16973,24 +16360,12 @@
               <a:t>arg2</a:t>
             </a:r>
             <a:r>
-              <a:rPr lang="zh-CN" altLang="en-US" dirty="0" smtClean="0">
-                <a:sym typeface="+mn-ea"/>
-              </a:rPr>
-              <a:t>：传递</a:t>
-            </a:r>
-            <a:r>
               <a:rPr lang="zh-CN" altLang="en-US" dirty="0">
                 <a:sym typeface="+mn-ea"/>
               </a:rPr>
-              <a:t>的其他</a:t>
-            </a:r>
-            <a:r>
-              <a:rPr lang="zh-CN" altLang="en-US" dirty="0" smtClean="0">
-                <a:sym typeface="+mn-ea"/>
-              </a:rPr>
-              <a:t>参数</a:t>
-            </a:r>
-            <a:endParaRPr lang="zh-CN" altLang="en-US" dirty="0" smtClean="0">
+              <a:t>：传递的其他参数</a:t>
+            </a:r>
+            <a:endParaRPr lang="zh-CN" altLang="en-US" dirty="0">
               <a:solidFill>
                 <a:schemeClr val="tx1"/>
               </a:solidFill>
@@ -17370,11 +16745,11 @@
           <a:lstStyle/>
           <a:p>
             <a:r>
-              <a:rPr lang="en-US" altLang="zh-CN" dirty="0" smtClean="0"/>
+              <a:rPr lang="en-US" altLang="zh-CN" dirty="0"/>
               <a:t>2. </a:t>
             </a:r>
             <a:r>
-              <a:rPr lang="zh-CN" altLang="en-US" dirty="0" smtClean="0">
+              <a:rPr lang="zh-CN" altLang="en-US" dirty="0">
                 <a:sym typeface="+mn-ea"/>
               </a:rPr>
               <a:t>继承</a:t>
@@ -17578,49 +16953,49 @@
           </a:lstStyle>
           <a:p>
             <a:r>
-              <a:rPr lang="zh-CN" dirty="0" smtClean="0">
+              <a:rPr lang="zh-CN" dirty="0">
                 <a:sym typeface="+mn-ea"/>
               </a:rPr>
               <a:t>核心原理： 通过</a:t>
             </a:r>
             <a:r>
-              <a:rPr lang="en-US" altLang="zh-CN" dirty="0" smtClean="0">
+              <a:rPr lang="en-US" altLang="zh-CN" dirty="0">
                 <a:sym typeface="+mn-ea"/>
               </a:rPr>
               <a:t> call() </a:t>
             </a:r>
             <a:r>
-              <a:rPr lang="zh-CN" altLang="en-US" dirty="0" smtClean="0">
+              <a:rPr lang="zh-CN" altLang="en-US" dirty="0">
                 <a:sym typeface="+mn-ea"/>
               </a:rPr>
               <a:t>把父类型的 </a:t>
             </a:r>
             <a:r>
-              <a:rPr lang="en-US" altLang="zh-CN" dirty="0" smtClean="0">
+              <a:rPr lang="en-US" altLang="zh-CN" dirty="0">
                 <a:sym typeface="+mn-ea"/>
               </a:rPr>
               <a:t>this </a:t>
             </a:r>
             <a:r>
-              <a:rPr lang="zh-CN" altLang="en-US" dirty="0" smtClean="0">
+              <a:rPr lang="zh-CN" altLang="en-US" dirty="0">
                 <a:sym typeface="+mn-ea"/>
               </a:rPr>
               <a:t>指向子类型的 </a:t>
             </a:r>
             <a:r>
-              <a:rPr lang="en-US" altLang="zh-CN" dirty="0" smtClean="0">
+              <a:rPr lang="en-US" altLang="zh-CN" dirty="0">
                 <a:sym typeface="+mn-ea"/>
               </a:rPr>
               <a:t>this </a:t>
             </a:r>
             <a:r>
-              <a:rPr lang="zh-CN" altLang="en-US" dirty="0" smtClean="0">
+              <a:rPr lang="zh-CN" altLang="en-US" dirty="0">
                 <a:sym typeface="+mn-ea"/>
               </a:rPr>
               <a:t>，这样就可以实现子类型继承父类型的属性。</a:t>
             </a:r>
             <a:r>
-              <a:rPr lang="zh-CN" dirty="0" smtClean="0">
+              <a:rPr lang="zh-CN" dirty="0">
                 <a:sym typeface="+mn-ea"/>
               </a:rPr>
               <a:t>   </a:t>
@@ -17893,7 +17268,7 @@
               <a:t>      Person.call(this, name, age, sex);  // </a:t>
             </a:r>
             <a:r>
-              <a:rPr lang="zh-CN" altLang="en-US" sz="1050" noProof="1" smtClean="0">
+              <a:rPr lang="zh-CN" altLang="en-US" sz="1050" noProof="1">
                 <a:solidFill>
                   <a:prstClr val="black"/>
                 </a:solidFill>
@@ -17902,10 +17277,10 @@
                 <a:cs typeface="Courier New" panose="02070309020205020404" pitchFamily="49" charset="0"/>
                 <a:sym typeface="+mn-ea"/>
               </a:rPr>
-              <a:t>此时父</a:t>
-            </a:r>
-            <a:r>
-              <a:rPr lang="zh-CN" altLang="en-US" sz="1050" noProof="1">
+              <a:t>此时父类的 </a:t>
+            </a:r>
+            <a:r>
+              <a:rPr lang="en-US" altLang="zh-CN" sz="1050" noProof="1">
                 <a:solidFill>
                   <a:prstClr val="black"/>
                 </a:solidFill>
@@ -17914,10 +17289,10 @@
                 <a:cs typeface="Courier New" panose="02070309020205020404" pitchFamily="49" charset="0"/>
                 <a:sym typeface="+mn-ea"/>
               </a:rPr>
-              <a:t>类</a:t>
-            </a:r>
-            <a:r>
-              <a:rPr lang="zh-CN" altLang="en-US" sz="1050" noProof="1" smtClean="0">
+              <a:t>this </a:t>
+            </a:r>
+            <a:r>
+              <a:rPr lang="zh-CN" altLang="en-US" sz="1050" noProof="1">
                 <a:solidFill>
                   <a:prstClr val="black"/>
                 </a:solidFill>
@@ -17926,43 +17301,7 @@
                 <a:cs typeface="Courier New" panose="02070309020205020404" pitchFamily="49" charset="0"/>
                 <a:sym typeface="+mn-ea"/>
               </a:rPr>
-              <a:t>的 </a:t>
-            </a:r>
-            <a:r>
-              <a:rPr lang="en-US" altLang="zh-CN" sz="1050" noProof="1" smtClean="0">
-                <a:solidFill>
-                  <a:prstClr val="black"/>
-                </a:solidFill>
-                <a:latin typeface="Courier New" panose="02070309020205020404" pitchFamily="49" charset="0"/>
-                <a:ea typeface="微软雅黑" panose="020B0503020204020204" pitchFamily="34" charset="-122"/>
-                <a:cs typeface="Courier New" panose="02070309020205020404" pitchFamily="49" charset="0"/>
-                <a:sym typeface="+mn-ea"/>
-              </a:rPr>
-              <a:t>this </a:t>
-            </a:r>
-            <a:r>
-              <a:rPr lang="zh-CN" altLang="en-US" sz="1050" noProof="1" smtClean="0">
-                <a:solidFill>
-                  <a:prstClr val="black"/>
-                </a:solidFill>
-                <a:latin typeface="Courier New" panose="02070309020205020404" pitchFamily="49" charset="0"/>
-                <a:ea typeface="微软雅黑" panose="020B0503020204020204" pitchFamily="34" charset="-122"/>
-                <a:cs typeface="Courier New" panose="02070309020205020404" pitchFamily="49" charset="0"/>
-                <a:sym typeface="+mn-ea"/>
-              </a:rPr>
-              <a:t>指向子</a:t>
-            </a:r>
-            <a:r>
-              <a:rPr lang="zh-CN" altLang="en-US" sz="1050" noProof="1">
-                <a:solidFill>
-                  <a:prstClr val="black"/>
-                </a:solidFill>
-                <a:latin typeface="Courier New" panose="02070309020205020404" pitchFamily="49" charset="0"/>
-                <a:ea typeface="微软雅黑" panose="020B0503020204020204" pitchFamily="34" charset="-122"/>
-                <a:cs typeface="Courier New" panose="02070309020205020404" pitchFamily="49" charset="0"/>
-                <a:sym typeface="+mn-ea"/>
-              </a:rPr>
-              <a:t>类的 </a:t>
+              <a:t>指向子类的 </a:t>
             </a:r>
             <a:r>
               <a:rPr lang="en-US" altLang="zh-CN" sz="1050" noProof="1">
@@ -18138,13 +17477,8 @@
             </a:r>
             <a:r>
               <a:rPr lang="zh-CN" altLang="en-US" dirty="0"/>
-              <a:t>借用构造函数继承父</a:t>
-            </a:r>
-            <a:r>
-              <a:rPr lang="zh-CN" altLang="en-US" dirty="0" smtClean="0"/>
-              <a:t>类型属性</a:t>
-            </a:r>
-            <a:endParaRPr lang="zh-CN" altLang="en-US" dirty="0"/>
+              <a:t>借用构造函数继承父类型属性</a:t>
+            </a:r>
           </a:p>
         </p:txBody>
       </p:sp>
@@ -18338,31 +17672,31 @@
           </a:lstStyle>
           <a:p>
             <a:r>
-              <a:rPr lang="en-US" altLang="zh-CN" dirty="0" smtClean="0">
+              <a:rPr lang="en-US" altLang="zh-CN" dirty="0">
                 <a:sym typeface="+mn-ea"/>
               </a:rPr>
               <a:t>ES6</a:t>
             </a:r>
             <a:r>
-              <a:rPr lang="zh-CN" altLang="en-US" dirty="0" smtClean="0">
+              <a:rPr lang="zh-CN" altLang="en-US" dirty="0">
                 <a:sym typeface="+mn-ea"/>
               </a:rPr>
               <a:t>之前并没有给我们提供 </a:t>
             </a:r>
             <a:r>
-              <a:rPr lang="en-US" altLang="zh-CN" dirty="0" smtClean="0">
+              <a:rPr lang="en-US" altLang="zh-CN" dirty="0">
                 <a:sym typeface="+mn-ea"/>
               </a:rPr>
               <a:t>extends </a:t>
             </a:r>
             <a:r>
-              <a:rPr lang="zh-CN" altLang="en-US" dirty="0" smtClean="0">
+              <a:rPr lang="zh-CN" altLang="en-US" dirty="0">
                 <a:sym typeface="+mn-ea"/>
               </a:rPr>
               <a:t>继承。我们可以通过</a:t>
             </a:r>
             <a:r>
-              <a:rPr lang="zh-CN" altLang="en-US" dirty="0" smtClean="0">
+              <a:rPr lang="zh-CN" altLang="en-US" dirty="0">
                 <a:solidFill>
                   <a:srgbClr val="FF0000"/>
                 </a:solidFill>
@@ -18371,7 +17705,7 @@
               <a:t>构造函数</a:t>
             </a:r>
             <a:r>
-              <a:rPr lang="en-US" altLang="zh-CN" dirty="0" smtClean="0">
+              <a:rPr lang="en-US" altLang="zh-CN" dirty="0">
                 <a:solidFill>
                   <a:srgbClr val="FF0000"/>
                 </a:solidFill>
@@ -18380,7 +17714,7 @@
               <a:t>+</a:t>
             </a:r>
             <a:r>
-              <a:rPr lang="zh-CN" altLang="en-US" dirty="0" smtClean="0">
+              <a:rPr lang="zh-CN" altLang="en-US" dirty="0">
                 <a:solidFill>
                   <a:srgbClr val="FF0000"/>
                 </a:solidFill>
@@ -18389,25 +17723,13 @@
               <a:t>原型对象</a:t>
             </a:r>
             <a:r>
-              <a:rPr lang="zh-CN" altLang="en-US" dirty="0" smtClean="0">
-                <a:sym typeface="+mn-ea"/>
-              </a:rPr>
-              <a:t>模拟实现继承，</a:t>
-            </a:r>
-            <a:r>
               <a:rPr lang="zh-CN" altLang="en-US" dirty="0">
                 <a:sym typeface="+mn-ea"/>
               </a:rPr>
-              <a:t>被</a:t>
-            </a:r>
-            <a:r>
-              <a:rPr lang="zh-CN" altLang="en-US" dirty="0" smtClean="0">
-                <a:sym typeface="+mn-ea"/>
-              </a:rPr>
-              <a:t>称为</a:t>
-            </a:r>
-            <a:r>
-              <a:rPr lang="zh-CN" altLang="en-US" dirty="0" smtClean="0">
+              <a:t>模拟实现继承，被称为</a:t>
+            </a:r>
+            <a:r>
+              <a:rPr lang="zh-CN" altLang="en-US" dirty="0">
                 <a:solidFill>
                   <a:srgbClr val="FF0000"/>
                 </a:solidFill>
@@ -18416,7 +17738,7 @@
               <a:t>组合继承</a:t>
             </a:r>
             <a:r>
-              <a:rPr lang="zh-CN" altLang="en-US" dirty="0" smtClean="0">
+              <a:rPr lang="zh-CN" altLang="en-US" dirty="0">
                 <a:sym typeface="+mn-ea"/>
               </a:rPr>
               <a:t>。</a:t>
@@ -18598,11 +17920,11 @@
           <a:lstStyle/>
           <a:p>
             <a:r>
-              <a:rPr lang="en-US" altLang="zh-CN" dirty="0" smtClean="0"/>
+              <a:rPr lang="en-US" altLang="zh-CN" dirty="0"/>
               <a:t>2. </a:t>
             </a:r>
             <a:r>
-              <a:rPr lang="zh-CN" altLang="en-US" dirty="0" smtClean="0">
+              <a:rPr lang="zh-CN" altLang="en-US" dirty="0">
                 <a:sym typeface="+mn-ea"/>
               </a:rPr>
               <a:t>继承</a:t>
@@ -18821,28 +18143,19 @@
                 </a:solidFill>
                 <a:sym typeface="+mn-ea"/>
               </a:rPr>
-              <a:t>中</a:t>
-            </a:r>
-            <a:r>
-              <a:rPr lang="zh-CN" altLang="en-US" smtClean="0">
+              <a:t>中设置，通过</a:t>
+            </a:r>
+            <a:r>
+              <a:rPr lang="zh-CN" altLang="en-US" dirty="0">
                 <a:solidFill>
                   <a:srgbClr val="FF0000"/>
                 </a:solidFill>
                 <a:sym typeface="+mn-ea"/>
               </a:rPr>
-              <a:t>设置，通过</a:t>
-            </a:r>
-            <a:r>
-              <a:rPr lang="zh-CN" altLang="en-US" dirty="0">
-                <a:solidFill>
-                  <a:srgbClr val="FF0000"/>
-                </a:solidFill>
-                <a:sym typeface="+mn-ea"/>
-              </a:rPr>
               <a:t>构造函数无法继承父类方法。</a:t>
             </a:r>
             <a:r>
-              <a:rPr lang="zh-CN" smtClean="0">
+              <a:rPr lang="zh-CN">
                 <a:sym typeface="+mn-ea"/>
               </a:rPr>
               <a:t>  </a:t>
@@ -18850,7 +18163,7 @@
           </a:p>
           <a:p>
             <a:r>
-              <a:rPr lang="zh-CN" smtClean="0">
+              <a:rPr lang="zh-CN">
                 <a:sym typeface="+mn-ea"/>
               </a:rPr>
               <a:t> 核心原理： </a:t>
@@ -18862,19 +18175,19 @@
               <a:buAutoNum type="circleNumDbPlain"/>
             </a:pPr>
             <a:r>
-              <a:rPr lang="zh-CN" smtClean="0">
+              <a:rPr lang="zh-CN">
                 <a:sym typeface="+mn-ea"/>
               </a:rPr>
               <a:t>将子类所共享的方法提取出来，让子类的</a:t>
             </a:r>
             <a:r>
-              <a:rPr lang="en-US" altLang="zh-CN" smtClean="0">
+              <a:rPr lang="en-US" altLang="zh-CN">
                 <a:sym typeface="+mn-ea"/>
               </a:rPr>
               <a:t> </a:t>
             </a:r>
             <a:r>
-              <a:rPr lang="en-US" altLang="zh-CN" smtClean="0">
+              <a:rPr lang="en-US" altLang="zh-CN">
                 <a:solidFill>
                   <a:srgbClr val="FF0000"/>
                 </a:solidFill>
@@ -18883,7 +18196,7 @@
               <a:t>prototype </a:t>
             </a:r>
             <a:r>
-              <a:rPr lang="zh-CN" altLang="en-US" smtClean="0">
+              <a:rPr lang="zh-CN" altLang="en-US">
                 <a:solidFill>
                   <a:srgbClr val="FF0000"/>
                 </a:solidFill>
@@ -18892,7 +18205,7 @@
               <a:t>原型对象 </a:t>
             </a:r>
             <a:r>
-              <a:rPr lang="en-US" altLang="zh-CN" smtClean="0">
+              <a:rPr lang="en-US" altLang="zh-CN">
                 <a:solidFill>
                   <a:srgbClr val="FF0000"/>
                 </a:solidFill>
@@ -18901,7 +18214,7 @@
               <a:t>= new </a:t>
             </a:r>
             <a:r>
-              <a:rPr lang="zh-CN" altLang="en-US" smtClean="0">
+              <a:rPr lang="zh-CN" altLang="en-US">
                 <a:solidFill>
                   <a:srgbClr val="FF0000"/>
                 </a:solidFill>
@@ -18910,7 +18223,7 @@
               <a:t>父类</a:t>
             </a:r>
             <a:r>
-              <a:rPr lang="en-US" altLang="zh-CN" smtClean="0">
+              <a:rPr lang="en-US" altLang="zh-CN">
                 <a:solidFill>
                   <a:srgbClr val="FF0000"/>
                 </a:solidFill>
@@ -18925,7 +18238,7 @@
               <a:buAutoNum type="circleNumDbPlain"/>
             </a:pPr>
             <a:r>
-              <a:rPr lang="zh-CN" altLang="en-US" smtClean="0">
+              <a:rPr lang="zh-CN" altLang="en-US">
                 <a:sym typeface="+mn-ea"/>
               </a:rPr>
               <a:t>本质：子类原型对象等于是实例化父类，因为父类实例化之后另外开辟空间，就不会影响原来父类原型对象</a:t>
@@ -18937,19 +18250,19 @@
               <a:buAutoNum type="circleNumDbPlain"/>
             </a:pPr>
             <a:r>
-              <a:rPr lang="zh-CN" altLang="en-US" smtClean="0">
+              <a:rPr lang="zh-CN" altLang="en-US">
                 <a:sym typeface="+mn-ea"/>
               </a:rPr>
               <a:t>将子类的 </a:t>
             </a:r>
             <a:r>
-              <a:rPr lang="en-US" altLang="zh-CN" smtClean="0">
+              <a:rPr lang="en-US" altLang="zh-CN">
                 <a:sym typeface="+mn-ea"/>
               </a:rPr>
               <a:t>constructor </a:t>
             </a:r>
             <a:r>
-              <a:rPr lang="zh-CN" altLang="en-US" smtClean="0">
+              <a:rPr lang="zh-CN" altLang="en-US">
                 <a:sym typeface="+mn-ea"/>
               </a:rPr>
               <a:t>从新指向子类的构造函数</a:t>
@@ -18978,22 +18291,13 @@
           <a:lstStyle/>
           <a:p>
             <a:r>
-              <a:rPr lang="en-US" altLang="zh-CN" dirty="0" smtClean="0"/>
+              <a:rPr lang="en-US" altLang="zh-CN" dirty="0"/>
               <a:t>2.3 </a:t>
             </a:r>
             <a:r>
-              <a:rPr lang="zh-CN" altLang="en-US" dirty="0" smtClean="0"/>
-              <a:t>借用原型对象继承</a:t>
-            </a:r>
-            <a:r>
               <a:rPr lang="zh-CN" altLang="en-US" dirty="0"/>
-              <a:t>父</a:t>
-            </a:r>
-            <a:r>
-              <a:rPr lang="zh-CN" altLang="en-US" dirty="0" smtClean="0"/>
-              <a:t>类型方法</a:t>
-            </a:r>
-            <a:endParaRPr lang="zh-CN" altLang="en-US" dirty="0"/>
+              <a:t>借用原型对象继承父类型方法</a:t>
+            </a:r>
           </a:p>
         </p:txBody>
       </p:sp>
@@ -19187,31 +18491,31 @@
           </a:lstStyle>
           <a:p>
             <a:r>
-              <a:rPr lang="en-US" altLang="zh-CN" dirty="0" smtClean="0">
+              <a:rPr lang="en-US" altLang="zh-CN" dirty="0">
                 <a:sym typeface="+mn-ea"/>
               </a:rPr>
               <a:t>ES6</a:t>
             </a:r>
             <a:r>
-              <a:rPr lang="zh-CN" altLang="en-US" dirty="0" smtClean="0">
+              <a:rPr lang="zh-CN" altLang="en-US" dirty="0">
                 <a:sym typeface="+mn-ea"/>
               </a:rPr>
               <a:t>之前并没有给我们提供 </a:t>
             </a:r>
             <a:r>
-              <a:rPr lang="en-US" altLang="zh-CN" dirty="0" smtClean="0">
+              <a:rPr lang="en-US" altLang="zh-CN" dirty="0">
                 <a:sym typeface="+mn-ea"/>
               </a:rPr>
               <a:t>extends </a:t>
             </a:r>
             <a:r>
-              <a:rPr lang="zh-CN" altLang="en-US" dirty="0" smtClean="0">
+              <a:rPr lang="zh-CN" altLang="en-US" dirty="0">
                 <a:sym typeface="+mn-ea"/>
               </a:rPr>
               <a:t>继承。我们可以通过</a:t>
             </a:r>
             <a:r>
-              <a:rPr lang="zh-CN" altLang="en-US" dirty="0" smtClean="0">
+              <a:rPr lang="zh-CN" altLang="en-US" dirty="0">
                 <a:solidFill>
                   <a:srgbClr val="FF0000"/>
                 </a:solidFill>
@@ -19220,7 +18524,7 @@
               <a:t>构造函数</a:t>
             </a:r>
             <a:r>
-              <a:rPr lang="en-US" altLang="zh-CN" dirty="0" smtClean="0">
+              <a:rPr lang="en-US" altLang="zh-CN" dirty="0">
                 <a:solidFill>
                   <a:srgbClr val="FF0000"/>
                 </a:solidFill>
@@ -19229,7 +18533,7 @@
               <a:t>+</a:t>
             </a:r>
             <a:r>
-              <a:rPr lang="zh-CN" altLang="en-US" dirty="0" smtClean="0">
+              <a:rPr lang="zh-CN" altLang="en-US" dirty="0">
                 <a:solidFill>
                   <a:srgbClr val="FF0000"/>
                 </a:solidFill>
@@ -19238,25 +18542,13 @@
               <a:t>原型对象</a:t>
             </a:r>
             <a:r>
-              <a:rPr lang="zh-CN" altLang="en-US" dirty="0" smtClean="0">
-                <a:sym typeface="+mn-ea"/>
-              </a:rPr>
-              <a:t>模拟实现继承，</a:t>
-            </a:r>
-            <a:r>
               <a:rPr lang="zh-CN" altLang="en-US" dirty="0">
                 <a:sym typeface="+mn-ea"/>
               </a:rPr>
-              <a:t>被</a:t>
-            </a:r>
-            <a:r>
-              <a:rPr lang="zh-CN" altLang="en-US" dirty="0" smtClean="0">
-                <a:sym typeface="+mn-ea"/>
-              </a:rPr>
-              <a:t>称为</a:t>
-            </a:r>
-            <a:r>
-              <a:rPr lang="zh-CN" altLang="en-US" dirty="0" smtClean="0">
+              <a:t>模拟实现继承，被称为</a:t>
+            </a:r>
+            <a:r>
+              <a:rPr lang="zh-CN" altLang="en-US" dirty="0">
                 <a:solidFill>
                   <a:srgbClr val="FF0000"/>
                 </a:solidFill>
@@ -19265,7 +18557,7 @@
               <a:t>组合继承</a:t>
             </a:r>
             <a:r>
-              <a:rPr lang="zh-CN" altLang="en-US" dirty="0" smtClean="0">
+              <a:rPr lang="zh-CN" altLang="en-US" dirty="0">
                 <a:sym typeface="+mn-ea"/>
               </a:rPr>
               <a:t>。</a:t>
@@ -19597,7 +18889,7 @@
           <a:lstStyle/>
           <a:p>
             <a:r>
-              <a:rPr lang="zh-CN" altLang="en-US" dirty="0" smtClean="0">
+              <a:rPr lang="zh-CN" altLang="en-US" dirty="0">
                 <a:solidFill>
                   <a:srgbClr val="FF0000"/>
                 </a:solidFill>
@@ -19605,7 +18897,7 @@
               </a:rPr>
               <a:t>构造函数和原型</a:t>
             </a:r>
-            <a:endParaRPr noProof="0" dirty="0" smtClean="0">
+            <a:endParaRPr noProof="0" dirty="0">
               <a:solidFill>
                 <a:schemeClr val="tx1"/>
               </a:solidFill>
@@ -19614,7 +18906,7 @@
           </a:p>
           <a:p>
             <a:r>
-              <a:rPr lang="zh-CN" altLang="en-US" noProof="0" dirty="0" smtClean="0">
+              <a:rPr lang="zh-CN" altLang="en-US" noProof="0" dirty="0">
                 <a:solidFill>
                   <a:schemeClr val="tx1"/>
                 </a:solidFill>
@@ -19622,7 +18914,7 @@
               </a:rPr>
               <a:t>继承</a:t>
             </a:r>
-            <a:endParaRPr noProof="0" dirty="0" smtClean="0">
+            <a:endParaRPr noProof="0" dirty="0">
               <a:solidFill>
                 <a:schemeClr val="tx1"/>
               </a:solidFill>
@@ -19631,7 +18923,7 @@
           </a:p>
           <a:p>
             <a:r>
-              <a:rPr lang="en-US" noProof="0" dirty="0" smtClean="0">
+              <a:rPr lang="en-US" noProof="0" dirty="0">
                 <a:solidFill>
                   <a:schemeClr val="tx1"/>
                 </a:solidFill>
@@ -19640,7 +18932,7 @@
               <a:t>ES5 </a:t>
             </a:r>
             <a:r>
-              <a:rPr lang="zh-CN" altLang="en-US" noProof="0" dirty="0" smtClean="0">
+              <a:rPr lang="zh-CN" altLang="en-US" noProof="0" dirty="0">
                 <a:solidFill>
                   <a:schemeClr val="tx1"/>
                 </a:solidFill>
@@ -19648,7 +18940,7 @@
               </a:rPr>
               <a:t>中的新增方法</a:t>
             </a:r>
-            <a:endParaRPr noProof="0" dirty="0" smtClean="0">
+            <a:endParaRPr noProof="0" dirty="0">
               <a:solidFill>
                 <a:schemeClr val="tx1"/>
               </a:solidFill>
@@ -19662,13 +18954,6 @@
   <p:clrMapOvr>
     <a:masterClrMapping/>
   </p:clrMapOvr>
-  <p:timing>
-    <p:tnLst>
-      <p:par>
-        <p:cTn id="1" dur="indefinite" restart="never" nodeType="tmRoot"/>
-      </p:par>
-    </p:tnLst>
-  </p:timing>
 </p:sld>
 </file>
 
@@ -19710,11 +18995,11 @@
           <a:lstStyle/>
           <a:p>
             <a:r>
-              <a:rPr lang="en-US" altLang="zh-CN" dirty="0" smtClean="0"/>
+              <a:rPr lang="en-US" altLang="zh-CN" dirty="0"/>
               <a:t>3. </a:t>
             </a:r>
             <a:r>
-              <a:rPr lang="zh-CN" altLang="en-US" dirty="0" smtClean="0">
+              <a:rPr lang="zh-CN" altLang="en-US" dirty="0">
                 <a:sym typeface="+mn-ea"/>
               </a:rPr>
               <a:t>类的本质</a:t>
@@ -19918,34 +19203,26 @@
           </a:lstStyle>
           <a:p>
             <a:r>
-              <a:rPr lang="en-US" altLang="zh-CN" dirty="0" smtClean="0"/>
+              <a:rPr lang="en-US" altLang="zh-CN" dirty="0"/>
               <a:t>1. class</a:t>
             </a:r>
             <a:r>
-              <a:rPr lang="zh-CN" altLang="en-US" dirty="0" smtClean="0"/>
-              <a:t>本质</a:t>
-            </a:r>
-            <a:r>
               <a:rPr lang="zh-CN" altLang="en-US" dirty="0"/>
-              <a:t>还是</a:t>
-            </a:r>
-            <a:r>
-              <a:rPr lang="en-US" altLang="zh-CN" dirty="0" smtClean="0"/>
+              <a:t>本质还是</a:t>
+            </a:r>
+            <a:r>
+              <a:rPr lang="en-US" altLang="zh-CN" dirty="0"/>
               <a:t>function.</a:t>
             </a:r>
           </a:p>
           <a:p>
             <a:r>
-              <a:rPr lang="en-US" altLang="zh-CN" dirty="0" smtClean="0"/>
+              <a:rPr lang="en-US" altLang="zh-CN" dirty="0"/>
               <a:t>2. </a:t>
             </a:r>
             <a:r>
-              <a:rPr lang="zh-CN" altLang="en-US" dirty="0" smtClean="0"/>
-              <a:t>类</a:t>
-            </a:r>
-            <a:r>
               <a:rPr lang="zh-CN" altLang="en-US" dirty="0"/>
-              <a:t>的所有方法都定义在类的</a:t>
+              <a:t>类的所有方法都定义在类的</a:t>
             </a:r>
             <a:r>
               <a:rPr lang="en-US" altLang="zh-CN" dirty="0"/>
@@ -19953,52 +19230,48 @@
             </a:r>
             <a:r>
               <a:rPr lang="zh-CN" altLang="en-US" dirty="0"/>
-              <a:t>属性</a:t>
-            </a:r>
-            <a:r>
-              <a:rPr lang="zh-CN" altLang="en-US" dirty="0" smtClean="0"/>
-              <a:t>上</a:t>
-            </a:r>
-            <a:endParaRPr lang="en-US" altLang="zh-CN" dirty="0" smtClean="0"/>
+              <a:t>属性上</a:t>
+            </a:r>
+            <a:endParaRPr lang="en-US" altLang="zh-CN" dirty="0"/>
           </a:p>
           <a:p>
             <a:r>
-              <a:rPr lang="en-US" altLang="zh-CN" dirty="0" smtClean="0"/>
+              <a:rPr lang="en-US" altLang="zh-CN" dirty="0"/>
               <a:t>3. </a:t>
             </a:r>
             <a:r>
-              <a:rPr lang="zh-CN" altLang="en-US" dirty="0" smtClean="0"/>
+              <a:rPr lang="zh-CN" altLang="en-US" dirty="0"/>
               <a:t>类创建的实例</a:t>
             </a:r>
             <a:r>
-              <a:rPr lang="en-US" altLang="zh-CN" dirty="0" smtClean="0"/>
+              <a:rPr lang="en-US" altLang="zh-CN" dirty="0"/>
               <a:t>,</a:t>
             </a:r>
             <a:r>
-              <a:rPr lang="zh-CN" altLang="en-US" dirty="0" smtClean="0"/>
+              <a:rPr lang="zh-CN" altLang="en-US" dirty="0"/>
               <a:t>里面也有</a:t>
             </a:r>
             <a:r>
-              <a:rPr lang="en-US" altLang="zh-CN" dirty="0" smtClean="0"/>
+              <a:rPr lang="en-US" altLang="zh-CN" dirty="0"/>
               <a:t>__proto__ </a:t>
             </a:r>
             <a:r>
-              <a:rPr lang="zh-CN" altLang="en-US" dirty="0" smtClean="0"/>
+              <a:rPr lang="zh-CN" altLang="en-US" dirty="0"/>
               <a:t>指向类的</a:t>
             </a:r>
             <a:r>
-              <a:rPr lang="en-US" altLang="zh-CN" dirty="0" smtClean="0"/>
+              <a:rPr lang="en-US" altLang="zh-CN" dirty="0"/>
               <a:t>prototype</a:t>
             </a:r>
             <a:r>
-              <a:rPr lang="zh-CN" altLang="en-US" dirty="0" smtClean="0"/>
+              <a:rPr lang="zh-CN" altLang="en-US" dirty="0"/>
               <a:t>原型对象</a:t>
             </a:r>
-            <a:endParaRPr lang="en-US" altLang="zh-CN" dirty="0" smtClean="0"/>
+            <a:endParaRPr lang="en-US" altLang="zh-CN" dirty="0"/>
           </a:p>
           <a:p>
             <a:r>
-              <a:rPr lang="en-US" altLang="zh-CN" dirty="0" smtClean="0"/>
+              <a:rPr lang="en-US" altLang="zh-CN" dirty="0"/>
               <a:t>4.</a:t>
             </a:r>
             <a:r>
@@ -20011,15 +19284,7 @@
             </a:r>
             <a:r>
               <a:rPr lang="zh-CN" altLang="en-US" dirty="0"/>
-              <a:t>的</a:t>
-            </a:r>
-            <a:r>
-              <a:rPr lang="zh-CN" altLang="en-US" dirty="0" smtClean="0"/>
-              <a:t>类它</a:t>
-            </a:r>
-            <a:r>
-              <a:rPr lang="zh-CN" altLang="en-US" dirty="0"/>
-              <a:t>的绝大部分功能，</a:t>
+              <a:t>的类它的绝大部分功能，</a:t>
             </a:r>
             <a:r>
               <a:rPr lang="en-US" altLang="zh-CN" dirty="0"/>
@@ -20035,106 +19300,82 @@
             </a:r>
             <a:r>
               <a:rPr lang="zh-CN" altLang="en-US" dirty="0"/>
-              <a:t>写法只是让对象原型的写法更加清晰、更像面向对象编程的语法而已</a:t>
-            </a:r>
-            <a:r>
-              <a:rPr lang="zh-CN" altLang="en-US" dirty="0" smtClean="0"/>
-              <a:t>。</a:t>
-            </a:r>
-            <a:endParaRPr lang="en-US" altLang="zh-CN" dirty="0" smtClean="0"/>
+              <a:t>写法只是让对象原型的写法更加清晰、更像面向对象编程的语法而已。</a:t>
+            </a:r>
+            <a:endParaRPr lang="en-US" altLang="zh-CN" dirty="0"/>
           </a:p>
           <a:p>
             <a:r>
-              <a:rPr lang="en-US" altLang="zh-CN" dirty="0" smtClean="0"/>
+              <a:rPr lang="en-US" altLang="zh-CN" dirty="0"/>
               <a:t>5.</a:t>
             </a:r>
             <a:r>
-              <a:rPr lang="zh-CN" altLang="en-US" dirty="0" smtClean="0"/>
+              <a:rPr lang="zh-CN" altLang="en-US" dirty="0"/>
               <a:t>所以</a:t>
             </a:r>
             <a:r>
-              <a:rPr lang="en-US" altLang="zh-CN" dirty="0" smtClean="0"/>
+              <a:rPr lang="en-US" altLang="zh-CN" dirty="0"/>
               <a:t>ES6</a:t>
             </a:r>
             <a:r>
-              <a:rPr lang="zh-CN" altLang="en-US" dirty="0" smtClean="0"/>
-              <a:t>的类其实</a:t>
-            </a:r>
-            <a:r>
               <a:rPr lang="zh-CN" altLang="en-US" dirty="0"/>
-              <a:t>就是语法</a:t>
-            </a:r>
-            <a:r>
-              <a:rPr lang="zh-CN" altLang="en-US" dirty="0" smtClean="0"/>
-              <a:t>糖</a:t>
-            </a:r>
-            <a:r>
-              <a:rPr lang="en-US" altLang="zh-CN" dirty="0" smtClean="0"/>
+              <a:t>的类其实就是语法糖</a:t>
+            </a:r>
+            <a:r>
+              <a:rPr lang="en-US" altLang="zh-CN" dirty="0"/>
               <a:t>.</a:t>
             </a:r>
           </a:p>
           <a:p>
             <a:r>
-              <a:rPr lang="en-US" altLang="zh-CN" dirty="0" smtClean="0"/>
+              <a:rPr lang="en-US" altLang="zh-CN" dirty="0"/>
               <a:t>6. </a:t>
             </a:r>
             <a:r>
-              <a:rPr lang="zh-CN" altLang="en-US" dirty="0" smtClean="0"/>
+              <a:rPr lang="zh-CN" altLang="en-US" dirty="0"/>
               <a:t>语法糖</a:t>
             </a:r>
             <a:r>
-              <a:rPr lang="en-US" altLang="zh-CN" dirty="0" smtClean="0"/>
+              <a:rPr lang="en-US" altLang="zh-CN" dirty="0"/>
               <a:t>:</a:t>
             </a:r>
             <a:r>
               <a:rPr lang="zh-CN" altLang="en-US" dirty="0"/>
-              <a:t>语法糖就是一种便捷</a:t>
-            </a:r>
-            <a:r>
-              <a:rPr lang="zh-CN" altLang="en-US" dirty="0" smtClean="0"/>
-              <a:t>写法</a:t>
-            </a:r>
-            <a:r>
-              <a:rPr lang="en-US" altLang="zh-CN" dirty="0" smtClean="0"/>
+              <a:t>语法糖就是一种便捷写法</a:t>
+            </a:r>
+            <a:r>
+              <a:rPr lang="en-US" altLang="zh-CN" dirty="0"/>
               <a:t>.   </a:t>
             </a:r>
             <a:r>
-              <a:rPr lang="zh-CN" altLang="en-US" dirty="0" smtClean="0"/>
+              <a:rPr lang="zh-CN" altLang="en-US" dirty="0"/>
               <a:t>简单理解</a:t>
             </a:r>
             <a:r>
-              <a:rPr lang="en-US" altLang="zh-CN" dirty="0" smtClean="0"/>
+              <a:rPr lang="en-US" altLang="zh-CN" dirty="0"/>
               <a:t>, </a:t>
             </a:r>
             <a:r>
-              <a:rPr lang="zh-CN" altLang="en-US" dirty="0" smtClean="0"/>
+              <a:rPr lang="zh-CN" altLang="en-US" dirty="0"/>
               <a:t>有两种方法可以实现同样的功能</a:t>
             </a:r>
             <a:r>
-              <a:rPr lang="en-US" altLang="zh-CN" dirty="0" smtClean="0"/>
+              <a:rPr lang="en-US" altLang="zh-CN" dirty="0"/>
               <a:t>, </a:t>
             </a:r>
             <a:r>
-              <a:rPr lang="zh-CN" altLang="en-US" dirty="0" smtClean="0"/>
-              <a:t>但是一种写法更加</a:t>
-            </a:r>
-            <a:r>
               <a:rPr lang="zh-CN" altLang="en-US" dirty="0"/>
-              <a:t>清晰、</a:t>
-            </a:r>
-            <a:r>
-              <a:rPr lang="zh-CN" altLang="en-US" dirty="0" smtClean="0"/>
-              <a:t>方便</a:t>
-            </a:r>
-            <a:r>
-              <a:rPr lang="en-US" altLang="zh-CN" dirty="0" smtClean="0"/>
+              <a:t>但是一种写法更加清晰、方便</a:t>
+            </a:r>
+            <a:r>
+              <a:rPr lang="en-US" altLang="zh-CN" dirty="0"/>
               <a:t>,</a:t>
             </a:r>
             <a:r>
-              <a:rPr lang="zh-CN" altLang="en-US" dirty="0" smtClean="0"/>
+              <a:rPr lang="zh-CN" altLang="en-US" dirty="0"/>
               <a:t>那么这个方法就是语法糖</a:t>
             </a:r>
-            <a:endParaRPr lang="en-US" altLang="zh-CN" dirty="0" smtClean="0"/>
+            <a:endParaRPr lang="en-US" altLang="zh-CN" dirty="0"/>
           </a:p>
         </p:txBody>
       </p:sp>
@@ -20516,7 +19757,7 @@
           <a:lstStyle/>
           <a:p>
             <a:r>
-              <a:rPr noProof="0" dirty="0" err="1" smtClean="0">
+              <a:rPr noProof="0" dirty="0" err="1">
                 <a:solidFill>
                   <a:schemeClr val="tx1"/>
                 </a:solidFill>
@@ -20524,7 +19765,7 @@
               </a:rPr>
               <a:t>构造函数和原型</a:t>
             </a:r>
-            <a:endParaRPr noProof="0" dirty="0" smtClean="0">
+            <a:endParaRPr noProof="0" dirty="0">
               <a:solidFill>
                 <a:schemeClr val="tx1"/>
               </a:solidFill>
@@ -20533,7 +19774,7 @@
           </a:p>
           <a:p>
             <a:r>
-              <a:rPr lang="zh-CN" altLang="en-US" noProof="0" dirty="0" smtClean="0">
+              <a:rPr lang="zh-CN" altLang="en-US" noProof="0" dirty="0">
                 <a:solidFill>
                   <a:schemeClr val="tx1"/>
                 </a:solidFill>
@@ -20541,7 +19782,7 @@
               </a:rPr>
               <a:t>继承</a:t>
             </a:r>
-            <a:endParaRPr noProof="0" dirty="0" smtClean="0">
+            <a:endParaRPr noProof="0" dirty="0">
               <a:solidFill>
                 <a:srgbClr val="FF0000"/>
               </a:solidFill>
@@ -20550,7 +19791,7 @@
           </a:p>
           <a:p>
             <a:r>
-              <a:rPr lang="en-US" noProof="0" dirty="0" smtClean="0">
+              <a:rPr lang="en-US" noProof="0" dirty="0">
                 <a:solidFill>
                   <a:srgbClr val="FF0000"/>
                 </a:solidFill>
@@ -20559,7 +19800,7 @@
               <a:t>ES5 </a:t>
             </a:r>
             <a:r>
-              <a:rPr lang="zh-CN" altLang="en-US" noProof="0" dirty="0" smtClean="0">
+              <a:rPr lang="zh-CN" altLang="en-US" noProof="0" dirty="0">
                 <a:solidFill>
                   <a:srgbClr val="FF0000"/>
                 </a:solidFill>
@@ -20567,7 +19808,7 @@
               </a:rPr>
               <a:t>中的新增方法</a:t>
             </a:r>
-            <a:endParaRPr noProof="0" dirty="0" smtClean="0">
+            <a:endParaRPr noProof="0" dirty="0">
               <a:solidFill>
                 <a:schemeClr val="tx1"/>
               </a:solidFill>
@@ -20581,13 +19822,6 @@
   <p:clrMapOvr>
     <a:masterClrMapping/>
   </p:clrMapOvr>
-  <p:timing>
-    <p:tnLst>
-      <p:par>
-        <p:cTn id="1" dur="indefinite" restart="never" nodeType="tmRoot"/>
-      </p:par>
-    </p:tnLst>
-  </p:timing>
 </p:sld>
 </file>
 
@@ -20624,13 +19858,13 @@
           <a:lstStyle/>
           <a:p>
             <a:r>
-              <a:rPr lang="en-US" altLang="zh-CN" smtClean="0">
+              <a:rPr lang="en-US" altLang="zh-CN">
                 <a:sym typeface="+mn-ea"/>
               </a:rPr>
               <a:t>3. ES5 </a:t>
             </a:r>
             <a:r>
-              <a:rPr lang="zh-CN" altLang="en-US" smtClean="0">
+              <a:rPr lang="zh-CN" altLang="en-US">
                 <a:sym typeface="+mn-ea"/>
               </a:rPr>
               <a:t>中的新增方法</a:t>
@@ -20834,7 +20068,7 @@
           </a:lstStyle>
           <a:p>
             <a:r>
-              <a:rPr lang="en-US" altLang="zh-CN" smtClean="0">
+              <a:rPr lang="en-US" altLang="zh-CN">
                 <a:solidFill>
                   <a:prstClr val="black">
                     <a:lumMod val="85000"/>
@@ -20846,7 +20080,7 @@
               <a:t>ES5 </a:t>
             </a:r>
             <a:r>
-              <a:rPr lang="zh-CN" altLang="en-US" smtClean="0">
+              <a:rPr lang="zh-CN" altLang="en-US">
                 <a:solidFill>
                   <a:prstClr val="black">
                     <a:lumMod val="85000"/>
@@ -20857,7 +20091,7 @@
               </a:rPr>
               <a:t>中给我们新增了一些方法，可以很方便的操作数组或者字符串，这些方法主要包括：</a:t>
             </a:r>
-            <a:endParaRPr lang="en-US" altLang="zh-CN" smtClean="0">
+            <a:endParaRPr lang="en-US" altLang="zh-CN">
               <a:solidFill>
                 <a:prstClr val="black">
                   <a:lumMod val="85000"/>
@@ -20873,7 +20107,7 @@
               <a:buChar char="l"/>
             </a:pPr>
             <a:r>
-              <a:rPr lang="zh-CN" altLang="en-US" smtClean="0">
+              <a:rPr lang="zh-CN" altLang="en-US">
                 <a:solidFill>
                   <a:prstClr val="black">
                     <a:lumMod val="85000"/>
@@ -20884,7 +20118,7 @@
               </a:rPr>
               <a:t>数组方法</a:t>
             </a:r>
-            <a:endParaRPr lang="en-US" altLang="zh-CN" smtClean="0">
+            <a:endParaRPr lang="en-US" altLang="zh-CN">
               <a:solidFill>
                 <a:prstClr val="black">
                   <a:lumMod val="85000"/>
@@ -20900,7 +20134,7 @@
               <a:buChar char="l"/>
             </a:pPr>
             <a:r>
-              <a:rPr lang="zh-CN" altLang="en-US" smtClean="0">
+              <a:rPr lang="zh-CN" altLang="en-US">
                 <a:solidFill>
                   <a:prstClr val="black">
                     <a:lumMod val="85000"/>
@@ -20911,7 +20145,7 @@
               </a:rPr>
               <a:t>字符串方法</a:t>
             </a:r>
-            <a:endParaRPr lang="en-US" altLang="zh-CN" smtClean="0">
+            <a:endParaRPr lang="en-US" altLang="zh-CN">
               <a:solidFill>
                 <a:prstClr val="black">
                   <a:lumMod val="85000"/>
@@ -20927,7 +20161,7 @@
               <a:buChar char="l"/>
             </a:pPr>
             <a:r>
-              <a:rPr lang="zh-CN" altLang="en-US" smtClean="0">
+              <a:rPr lang="zh-CN" altLang="en-US">
                 <a:solidFill>
                   <a:prstClr val="black">
                     <a:lumMod val="85000"/>
@@ -20938,7 +20172,7 @@
               </a:rPr>
               <a:t>对象方法</a:t>
             </a:r>
-            <a:endParaRPr lang="en-US" altLang="zh-CN" smtClean="0">
+            <a:endParaRPr lang="en-US" altLang="zh-CN">
               <a:solidFill>
                 <a:prstClr val="black">
                   <a:lumMod val="85000"/>
@@ -20971,11 +20205,11 @@
           <a:lstStyle/>
           <a:p>
             <a:r>
-              <a:rPr lang="en-US" altLang="zh-CN" smtClean="0"/>
+              <a:rPr lang="en-US" altLang="zh-CN"/>
               <a:t>3.1 ES5 </a:t>
             </a:r>
             <a:r>
-              <a:rPr lang="zh-CN" altLang="en-US" smtClean="0"/>
+              <a:rPr lang="zh-CN" altLang="en-US"/>
               <a:t>新增方法概述</a:t>
             </a:r>
             <a:endParaRPr lang="zh-CN" altLang="en-US" dirty="0"/>
@@ -21254,13 +20488,13 @@
           <a:lstStyle/>
           <a:p>
             <a:r>
-              <a:rPr lang="en-US" altLang="zh-CN" smtClean="0">
+              <a:rPr lang="en-US" altLang="zh-CN">
                 <a:sym typeface="+mn-ea"/>
               </a:rPr>
               <a:t>3. ES5 </a:t>
             </a:r>
             <a:r>
-              <a:rPr lang="zh-CN" altLang="en-US" smtClean="0">
+              <a:rPr lang="zh-CN" altLang="en-US">
                 <a:sym typeface="+mn-ea"/>
               </a:rPr>
               <a:t>中的新增方法</a:t>
@@ -21464,19 +20698,19 @@
           </a:lstStyle>
           <a:p>
             <a:r>
-              <a:rPr lang="en-US" altLang="zh-CN" smtClean="0">
+              <a:rPr lang="en-US" altLang="zh-CN">
                 <a:sym typeface="+mn-ea"/>
               </a:rPr>
               <a:t>迭代(</a:t>
             </a:r>
             <a:r>
-              <a:rPr lang="zh-CN" altLang="en-US" smtClean="0">
+              <a:rPr lang="zh-CN" altLang="en-US">
                 <a:sym typeface="+mn-ea"/>
               </a:rPr>
               <a:t>遍历</a:t>
             </a:r>
             <a:r>
-              <a:rPr lang="en-US" altLang="zh-CN" smtClean="0">
+              <a:rPr lang="en-US" altLang="zh-CN">
                 <a:sym typeface="+mn-ea"/>
               </a:rPr>
               <a:t>)方法：forEach()、map()、filter()、some()、every()；</a:t>
@@ -21751,7 +20985,7 @@
               <a:buChar char="l"/>
             </a:pPr>
             <a:r>
-              <a:rPr lang="en-US" smtClean="0">
+              <a:rPr lang="en-US">
                 <a:solidFill>
                   <a:prstClr val="black"/>
                 </a:solidFill>
@@ -21761,7 +20995,7 @@
               <a:t>currentValue</a:t>
             </a:r>
             <a:r>
-              <a:rPr lang="zh-CN" altLang="en-US" smtClean="0">
+              <a:rPr lang="zh-CN" altLang="en-US">
                 <a:solidFill>
                   <a:prstClr val="black"/>
                 </a:solidFill>
@@ -21771,7 +21005,7 @@
               <a:t>：</a:t>
             </a:r>
             <a:r>
-              <a:rPr smtClean="0">
+              <a:rPr>
                 <a:sym typeface="+mn-ea"/>
               </a:rPr>
               <a:t>数组当前项的值</a:t>
@@ -21793,7 +21027,7 @@
               <a:t>i</a:t>
             </a:r>
             <a:r>
-              <a:rPr lang="en-US" smtClean="0">
+              <a:rPr lang="en-US">
                 <a:solidFill>
                   <a:prstClr val="black"/>
                 </a:solidFill>
@@ -21803,7 +21037,7 @@
               <a:t>ndex</a:t>
             </a:r>
             <a:r>
-              <a:rPr lang="zh-CN" altLang="en-US" smtClean="0">
+              <a:rPr lang="zh-CN" altLang="en-US">
                 <a:solidFill>
                   <a:prstClr val="black"/>
                 </a:solidFill>
@@ -21813,7 +21047,7 @@
               <a:t>：</a:t>
             </a:r>
             <a:r>
-              <a:rPr smtClean="0">
+              <a:rPr>
                 <a:sym typeface="+mn-ea"/>
               </a:rPr>
               <a:t>数组当前项的索引</a:t>
@@ -21825,7 +21059,7 @@
               <a:buChar char="l"/>
             </a:pPr>
             <a:r>
-              <a:rPr lang="en-US" smtClean="0">
+              <a:rPr lang="en-US">
                 <a:solidFill>
                   <a:prstClr val="black"/>
                 </a:solidFill>
@@ -21835,7 +21069,7 @@
               <a:t>arr</a:t>
             </a:r>
             <a:r>
-              <a:rPr lang="zh-CN" altLang="en-US" smtClean="0">
+              <a:rPr lang="zh-CN" altLang="en-US">
                 <a:solidFill>
                   <a:prstClr val="black"/>
                 </a:solidFill>
@@ -21845,7 +21079,7 @@
               <a:t>：</a:t>
             </a:r>
             <a:r>
-              <a:rPr smtClean="0">
+              <a:rPr>
                 <a:sym typeface="+mn-ea"/>
               </a:rPr>
               <a:t>数组对象本身</a:t>
@@ -21874,11 +21108,11 @@
           <a:lstStyle/>
           <a:p>
             <a:r>
-              <a:rPr lang="en-US" altLang="zh-CN" smtClean="0"/>
+              <a:rPr lang="en-US" altLang="zh-CN"/>
               <a:t>3.2 </a:t>
             </a:r>
             <a:r>
-              <a:rPr lang="zh-CN" altLang="en-US" smtClean="0"/>
+              <a:rPr lang="zh-CN" altLang="en-US"/>
               <a:t>数组方法</a:t>
             </a:r>
             <a:endParaRPr lang="zh-CN" altLang="en-US" dirty="0"/>
@@ -22099,13 +21333,13 @@
           <a:lstStyle/>
           <a:p>
             <a:r>
-              <a:rPr lang="en-US" altLang="zh-CN" smtClean="0">
+              <a:rPr lang="en-US" altLang="zh-CN">
                 <a:sym typeface="+mn-ea"/>
               </a:rPr>
               <a:t>3. ES5 </a:t>
             </a:r>
             <a:r>
-              <a:rPr lang="zh-CN" altLang="en-US" smtClean="0">
+              <a:rPr lang="zh-CN" altLang="en-US">
                 <a:sym typeface="+mn-ea"/>
               </a:rPr>
               <a:t>中的新增方法</a:t>
@@ -22309,7 +21543,7 @@
           </a:lstStyle>
           <a:p>
             <a:r>
-              <a:rPr lang="en-US" altLang="zh-CN" smtClean="0">
+              <a:rPr lang="en-US" altLang="zh-CN">
                 <a:solidFill>
                   <a:prstClr val="black">
                     <a:lumMod val="85000"/>
@@ -22321,7 +21555,7 @@
               <a:t>迭代(</a:t>
             </a:r>
             <a:r>
-              <a:rPr lang="zh-CN" altLang="en-US" smtClean="0">
+              <a:rPr lang="zh-CN" altLang="en-US">
                 <a:solidFill>
                   <a:prstClr val="black">
                     <a:lumMod val="85000"/>
@@ -22333,7 +21567,7 @@
               <a:t>遍历</a:t>
             </a:r>
             <a:r>
-              <a:rPr lang="en-US" altLang="zh-CN" smtClean="0">
+              <a:rPr lang="en-US" altLang="zh-CN">
                 <a:solidFill>
                   <a:prstClr val="black">
                     <a:lumMod val="85000"/>
@@ -22345,7 +21579,7 @@
               <a:t>)方法：forEach()、map()、</a:t>
             </a:r>
             <a:r>
-              <a:rPr lang="en-US" altLang="zh-CN" smtClean="0">
+              <a:rPr lang="en-US" altLang="zh-CN">
                 <a:solidFill>
                   <a:srgbClr val="FF0000"/>
                 </a:solidFill>
@@ -22354,7 +21588,7 @@
               <a:t>filter()</a:t>
             </a:r>
             <a:r>
-              <a:rPr lang="en-US" altLang="zh-CN" smtClean="0">
+              <a:rPr lang="en-US" altLang="zh-CN">
                 <a:solidFill>
                   <a:prstClr val="black">
                     <a:lumMod val="85000"/>
@@ -22389,11 +21623,11 @@
           <a:lstStyle/>
           <a:p>
             <a:r>
-              <a:rPr lang="en-US" altLang="zh-CN" smtClean="0"/>
+              <a:rPr lang="en-US" altLang="zh-CN"/>
               <a:t>3.2 </a:t>
             </a:r>
             <a:r>
-              <a:rPr lang="zh-CN" altLang="en-US" smtClean="0"/>
+              <a:rPr lang="zh-CN" altLang="en-US"/>
               <a:t>数组方法</a:t>
             </a:r>
             <a:endParaRPr lang="zh-CN" altLang="en-US" dirty="0"/>
@@ -22667,25 +21901,25 @@
               <a:buChar char="l"/>
             </a:pPr>
             <a:r>
-              <a:rPr lang="en-US" dirty="0" smtClean="0">
+              <a:rPr lang="en-US" dirty="0">
                 <a:sym typeface="+mn-ea"/>
               </a:rPr>
               <a:t> filter() </a:t>
             </a:r>
             <a:r>
-              <a:rPr lang="en-US" dirty="0" err="1" smtClean="0">
+              <a:rPr lang="en-US" dirty="0" err="1">
                 <a:sym typeface="+mn-ea"/>
               </a:rPr>
               <a:t>方法创建一个新的数组，新数组中的元素是通过检查指定数组中符合条件的所有元素</a:t>
             </a:r>
             <a:r>
-              <a:rPr lang="en-US" altLang="zh-CN" dirty="0" smtClean="0">
+              <a:rPr lang="en-US" altLang="zh-CN" dirty="0">
                 <a:sym typeface="+mn-ea"/>
               </a:rPr>
               <a:t>,</a:t>
             </a:r>
             <a:r>
-              <a:rPr lang="zh-CN" altLang="en-US" dirty="0" smtClean="0">
+              <a:rPr lang="zh-CN" altLang="en-US" dirty="0">
                 <a:solidFill>
                   <a:srgbClr val="FF0000"/>
                 </a:solidFill>
@@ -22693,7 +21927,7 @@
               </a:rPr>
               <a:t>主要用于筛选数组</a:t>
             </a:r>
-            <a:endParaRPr lang="en-US" altLang="zh-CN" dirty="0" smtClean="0">
+            <a:endParaRPr lang="en-US" altLang="zh-CN" dirty="0">
               <a:solidFill>
                 <a:srgbClr val="FF0000"/>
               </a:solidFill>
@@ -22706,7 +21940,7 @@
               <a:buChar char="l"/>
             </a:pPr>
             <a:r>
-              <a:rPr lang="zh-CN" altLang="en-US" dirty="0" smtClean="0">
+              <a:rPr lang="zh-CN" altLang="en-US" dirty="0">
                 <a:solidFill>
                   <a:srgbClr val="FF0000"/>
                 </a:solidFill>
@@ -22714,7 +21948,7 @@
               </a:rPr>
               <a:t>注意它直接返回一个新数组</a:t>
             </a:r>
-            <a:endParaRPr lang="en-US" dirty="0" smtClean="0">
+            <a:endParaRPr lang="en-US" dirty="0">
               <a:solidFill>
                 <a:srgbClr val="FF0000"/>
               </a:solidFill>
@@ -22727,13 +21961,13 @@
               <a:buChar char="l"/>
             </a:pPr>
             <a:r>
-              <a:rPr lang="en-US" dirty="0" smtClean="0">
+              <a:rPr lang="en-US" dirty="0">
                 <a:sym typeface="+mn-ea"/>
               </a:rPr>
               <a:t> </a:t>
             </a:r>
             <a:r>
-              <a:rPr lang="en-US" dirty="0" err="1" smtClean="0">
+              <a:rPr lang="en-US" dirty="0" err="1">
                 <a:solidFill>
                   <a:prstClr val="black"/>
                 </a:solidFill>
@@ -22743,7 +21977,7 @@
               <a:t>currentValue</a:t>
             </a:r>
             <a:r>
-              <a:rPr lang="en-US" dirty="0" smtClean="0">
+              <a:rPr lang="en-US" dirty="0">
                 <a:solidFill>
                   <a:prstClr val="black"/>
                 </a:solidFill>
@@ -22753,12 +21987,12 @@
               <a:t>: </a:t>
             </a:r>
             <a:r>
-              <a:rPr dirty="0" err="1" smtClean="0">
+              <a:rPr dirty="0" err="1">
                 <a:sym typeface="+mn-ea"/>
               </a:rPr>
               <a:t>数组当前项的值</a:t>
             </a:r>
-            <a:endParaRPr dirty="0" smtClean="0">
+            <a:endParaRPr dirty="0">
               <a:sym typeface="+mn-ea"/>
             </a:endParaRPr>
           </a:p>
@@ -22768,13 +22002,13 @@
               <a:buChar char="l"/>
             </a:pPr>
             <a:r>
-              <a:rPr lang="en-US" dirty="0" smtClean="0">
+              <a:rPr lang="en-US" dirty="0">
                 <a:sym typeface="+mn-ea"/>
               </a:rPr>
               <a:t> </a:t>
             </a:r>
             <a:r>
-              <a:rPr lang="en-US" dirty="0" smtClean="0">
+              <a:rPr lang="en-US" dirty="0">
                 <a:solidFill>
                   <a:prstClr val="black"/>
                 </a:solidFill>
@@ -22784,7 +22018,7 @@
               <a:t>index</a:t>
             </a:r>
             <a:r>
-              <a:rPr lang="zh-CN" altLang="en-US" dirty="0" smtClean="0">
+              <a:rPr lang="zh-CN" altLang="en-US" dirty="0">
                 <a:solidFill>
                   <a:prstClr val="black"/>
                 </a:solidFill>
@@ -22794,12 +22028,12 @@
               <a:t>：</a:t>
             </a:r>
             <a:r>
-              <a:rPr dirty="0" err="1" smtClean="0">
+              <a:rPr dirty="0" err="1">
                 <a:sym typeface="+mn-ea"/>
               </a:rPr>
               <a:t>数组当前项的索引</a:t>
             </a:r>
-            <a:endParaRPr dirty="0" smtClean="0">
+            <a:endParaRPr dirty="0">
               <a:sym typeface="+mn-ea"/>
             </a:endParaRPr>
           </a:p>
@@ -22809,13 +22043,13 @@
               <a:buChar char="l"/>
             </a:pPr>
             <a:r>
-              <a:rPr lang="en-US" dirty="0" smtClean="0">
+              <a:rPr lang="en-US" dirty="0">
                 <a:sym typeface="+mn-ea"/>
               </a:rPr>
               <a:t> </a:t>
             </a:r>
             <a:r>
-              <a:rPr lang="en-US" dirty="0" err="1" smtClean="0">
+              <a:rPr lang="en-US" dirty="0" err="1">
                 <a:solidFill>
                   <a:prstClr val="black"/>
                 </a:solidFill>
@@ -22825,7 +22059,7 @@
               <a:t>arr</a:t>
             </a:r>
             <a:r>
-              <a:rPr lang="zh-CN" altLang="en-US" dirty="0" smtClean="0">
+              <a:rPr lang="zh-CN" altLang="en-US" dirty="0">
                 <a:solidFill>
                   <a:prstClr val="black"/>
                 </a:solidFill>
@@ -22835,12 +22069,12 @@
               <a:t>：</a:t>
             </a:r>
             <a:r>
-              <a:rPr dirty="0" err="1" smtClean="0">
+              <a:rPr dirty="0" err="1">
                 <a:sym typeface="+mn-ea"/>
               </a:rPr>
               <a:t>数组对象本身</a:t>
             </a:r>
-            <a:endParaRPr dirty="0" smtClean="0">
+            <a:endParaRPr dirty="0">
               <a:sym typeface="+mn-ea"/>
             </a:endParaRPr>
           </a:p>
@@ -23016,13 +22250,13 @@
           <a:lstStyle/>
           <a:p>
             <a:r>
-              <a:rPr lang="en-US" altLang="zh-CN" smtClean="0">
+              <a:rPr lang="en-US" altLang="zh-CN">
                 <a:sym typeface="+mn-ea"/>
               </a:rPr>
               <a:t>3. ES5 </a:t>
             </a:r>
             <a:r>
-              <a:rPr lang="zh-CN" altLang="en-US" smtClean="0">
+              <a:rPr lang="zh-CN" altLang="en-US">
                 <a:sym typeface="+mn-ea"/>
               </a:rPr>
               <a:t>中的新增方法</a:t>
@@ -23226,7 +22460,7 @@
           </a:lstStyle>
           <a:p>
             <a:r>
-              <a:rPr lang="en-US" altLang="zh-CN" dirty="0" err="1" smtClean="0">
+              <a:rPr lang="en-US" altLang="zh-CN" dirty="0" err="1">
                 <a:solidFill>
                   <a:prstClr val="black">
                     <a:lumMod val="85000"/>
@@ -23238,7 +22472,7 @@
               <a:t>迭代</a:t>
             </a:r>
             <a:r>
-              <a:rPr lang="en-US" altLang="zh-CN" dirty="0" smtClean="0">
+              <a:rPr lang="en-US" altLang="zh-CN" dirty="0">
                 <a:solidFill>
                   <a:prstClr val="black">
                     <a:lumMod val="85000"/>
@@ -23250,7 +22484,7 @@
               <a:t>(</a:t>
             </a:r>
             <a:r>
-              <a:rPr lang="zh-CN" altLang="en-US" dirty="0" smtClean="0">
+              <a:rPr lang="zh-CN" altLang="en-US" dirty="0">
                 <a:solidFill>
                   <a:prstClr val="black">
                     <a:lumMod val="85000"/>
@@ -23262,7 +22496,7 @@
               <a:t>遍历</a:t>
             </a:r>
             <a:r>
-              <a:rPr lang="en-US" altLang="zh-CN" dirty="0" smtClean="0">
+              <a:rPr lang="en-US" altLang="zh-CN" dirty="0">
                 <a:solidFill>
                   <a:prstClr val="black">
                     <a:lumMod val="85000"/>
@@ -23274,7 +22508,7 @@
               <a:t>)</a:t>
             </a:r>
             <a:r>
-              <a:rPr lang="en-US" altLang="zh-CN" dirty="0" err="1" smtClean="0">
+              <a:rPr lang="en-US" altLang="zh-CN" dirty="0" err="1">
                 <a:solidFill>
                   <a:prstClr val="black">
                     <a:lumMod val="85000"/>
@@ -23286,7 +22520,7 @@
               <a:t>方法：forEach</a:t>
             </a:r>
             <a:r>
-              <a:rPr lang="en-US" altLang="zh-CN" dirty="0" smtClean="0">
+              <a:rPr lang="en-US" altLang="zh-CN" dirty="0">
                 <a:solidFill>
                   <a:prstClr val="black">
                     <a:lumMod val="85000"/>
@@ -23298,7 +22532,7 @@
               <a:t>()、map</a:t>
             </a:r>
             <a:r>
-              <a:rPr lang="en-US" altLang="zh-CN" dirty="0" smtClean="0">
+              <a:rPr lang="en-US" altLang="zh-CN" dirty="0">
                 <a:solidFill>
                   <a:schemeClr val="tx1"/>
                 </a:solidFill>
@@ -23307,7 +22541,7 @@
               <a:t>()、filter()、</a:t>
             </a:r>
             <a:r>
-              <a:rPr lang="en-US" altLang="zh-CN" dirty="0" smtClean="0">
+              <a:rPr lang="en-US" altLang="zh-CN" dirty="0">
                 <a:solidFill>
                   <a:srgbClr val="FF0000"/>
                 </a:solidFill>
@@ -23316,7 +22550,7 @@
               <a:t>some()、</a:t>
             </a:r>
             <a:r>
-              <a:rPr lang="en-US" altLang="zh-CN" dirty="0" smtClean="0">
+              <a:rPr lang="en-US" altLang="zh-CN" dirty="0">
                 <a:solidFill>
                   <a:prstClr val="black">
                     <a:lumMod val="85000"/>
@@ -23351,11 +22585,11 @@
           <a:lstStyle/>
           <a:p>
             <a:r>
-              <a:rPr lang="en-US" altLang="zh-CN" smtClean="0"/>
+              <a:rPr lang="en-US" altLang="zh-CN"/>
               <a:t>3.2 </a:t>
             </a:r>
             <a:r>
-              <a:rPr lang="zh-CN" altLang="en-US" smtClean="0"/>
+              <a:rPr lang="zh-CN" altLang="en-US"/>
               <a:t>数组方法</a:t>
             </a:r>
             <a:endParaRPr lang="zh-CN" altLang="en-US" dirty="0"/>
@@ -23412,7 +22646,7 @@
               </a:spcAft>
             </a:pPr>
             <a:r>
-              <a:rPr lang="en-US" sz="1050" noProof="1" smtClean="0">
+              <a:rPr lang="en-US" sz="1050" noProof="1">
                 <a:solidFill>
                   <a:prstClr val="black"/>
                 </a:solidFill>
@@ -23424,7 +22658,7 @@
               <a:t>array.</a:t>
             </a:r>
             <a:r>
-              <a:rPr lang="en-US" altLang="zh-CN" sz="1050" noProof="1" smtClean="0">
+              <a:rPr lang="en-US" altLang="zh-CN" sz="1050" noProof="1">
                 <a:solidFill>
                   <a:prstClr val="black"/>
                 </a:solidFill>
@@ -23436,7 +22670,7 @@
               <a:t>some</a:t>
             </a:r>
             <a:r>
-              <a:rPr lang="en-US" sz="1050" noProof="1" smtClean="0">
+              <a:rPr lang="en-US" sz="1050" noProof="1">
                 <a:solidFill>
                   <a:prstClr val="black"/>
                 </a:solidFill>
@@ -23445,19 +22679,7 @@
                 <a:cs typeface="Courier New" panose="02070309020205020404" pitchFamily="49" charset="0"/>
                 <a:sym typeface="+mn-ea"/>
               </a:rPr>
-              <a:t>(function(currentValue</a:t>
-            </a:r>
-            <a:r>
-              <a:rPr lang="en-US" sz="1050" noProof="1">
-                <a:solidFill>
-                  <a:prstClr val="black"/>
-                </a:solidFill>
-                <a:latin typeface="Courier New" panose="02070309020205020404" pitchFamily="49" charset="0"/>
-                <a:ea typeface="微软雅黑" panose="020B0503020204020204" pitchFamily="34" charset="-122"/>
-                <a:cs typeface="Courier New" panose="02070309020205020404" pitchFamily="49" charset="0"/>
-                <a:sym typeface="+mn-ea"/>
-              </a:rPr>
-              <a:t>, index, arr))</a:t>
+              <a:t>(function(currentValue, index, arr))</a:t>
             </a:r>
             <a:endParaRPr lang="zh-CN" altLang="en-US" sz="1050" noProof="1">
               <a:solidFill>
@@ -23665,7 +22887,7 @@
               <a:buChar char="l"/>
             </a:pPr>
             <a:r>
-              <a:rPr lang="en-US" dirty="0" smtClean="0">
+              <a:rPr lang="en-US" dirty="0">
                 <a:sym typeface="+mn-ea"/>
               </a:rPr>
               <a:t> </a:t>
@@ -23676,37 +22898,25 @@
             </a:r>
             <a:r>
               <a:rPr lang="zh-CN" altLang="en-US" dirty="0"/>
-              <a:t>方法用于检测数组中的元素是否满足指定</a:t>
-            </a:r>
-            <a:r>
-              <a:rPr lang="zh-CN" altLang="en-US" dirty="0" smtClean="0"/>
-              <a:t>条件</a:t>
-            </a:r>
-            <a:r>
-              <a:rPr lang="en-US" altLang="zh-CN" dirty="0" smtClean="0"/>
+              <a:t>方法用于检测数组中的元素是否满足指定条件</a:t>
+            </a:r>
+            <a:r>
+              <a:rPr lang="en-US" altLang="zh-CN" dirty="0"/>
               <a:t>.   </a:t>
             </a:r>
             <a:r>
-              <a:rPr lang="zh-CN" altLang="en-US" dirty="0" smtClean="0"/>
+              <a:rPr lang="zh-CN" altLang="en-US" dirty="0"/>
               <a:t>通俗</a:t>
             </a:r>
             <a:r>
-              <a:rPr lang="zh-CN" altLang="en-US" dirty="0" smtClean="0">
-                <a:solidFill>
-                  <a:schemeClr val="tx1"/>
-                </a:solidFill>
-              </a:rPr>
-              <a:t>点 查找</a:t>
-            </a:r>
-            <a:r>
               <a:rPr lang="zh-CN" altLang="en-US" dirty="0">
                 <a:solidFill>
                   <a:schemeClr val="tx1"/>
                 </a:solidFill>
               </a:rPr>
-              <a:t>数组中是否有满足条件的元素 </a:t>
-            </a:r>
-            <a:endParaRPr lang="en-US" altLang="zh-CN" dirty="0" smtClean="0">
+              <a:t>点 查找数组中是否有满足条件的元素 </a:t>
+            </a:r>
+            <a:endParaRPr lang="en-US" altLang="zh-CN" dirty="0">
               <a:solidFill>
                 <a:schemeClr val="tx1"/>
               </a:solidFill>
@@ -23719,7 +22929,7 @@
               <a:buChar char="l"/>
             </a:pPr>
             <a:r>
-              <a:rPr lang="zh-CN" altLang="en-US" dirty="0" smtClean="0">
+              <a:rPr lang="zh-CN" altLang="en-US" dirty="0">
                 <a:solidFill>
                   <a:srgbClr val="FF0000"/>
                 </a:solidFill>
@@ -23728,7 +22938,7 @@
               <a:t>注意它返回值是布尔值</a:t>
             </a:r>
             <a:r>
-              <a:rPr lang="en-US" altLang="zh-CN" dirty="0" smtClean="0">
+              <a:rPr lang="en-US" altLang="zh-CN" dirty="0">
                 <a:solidFill>
                   <a:srgbClr val="FF0000"/>
                 </a:solidFill>
@@ -23737,7 +22947,7 @@
               <a:t>, </a:t>
             </a:r>
             <a:r>
-              <a:rPr lang="zh-CN" altLang="en-US" dirty="0" smtClean="0">
+              <a:rPr lang="zh-CN" altLang="en-US" dirty="0">
                 <a:solidFill>
                   <a:srgbClr val="FF0000"/>
                 </a:solidFill>
@@ -23746,7 +22956,7 @@
               <a:t>如果查找到这个元素</a:t>
             </a:r>
             <a:r>
-              <a:rPr lang="en-US" altLang="zh-CN" dirty="0" smtClean="0">
+              <a:rPr lang="en-US" altLang="zh-CN" dirty="0">
                 <a:solidFill>
                   <a:srgbClr val="FF0000"/>
                 </a:solidFill>
@@ -23755,7 +22965,7 @@
               <a:t>, </a:t>
             </a:r>
             <a:r>
-              <a:rPr lang="zh-CN" altLang="en-US" dirty="0" smtClean="0">
+              <a:rPr lang="zh-CN" altLang="en-US" dirty="0">
                 <a:solidFill>
                   <a:srgbClr val="FF0000"/>
                 </a:solidFill>
@@ -23764,7 +22974,7 @@
               <a:t>就返回</a:t>
             </a:r>
             <a:r>
-              <a:rPr lang="en-US" altLang="zh-CN" dirty="0" smtClean="0">
+              <a:rPr lang="en-US" altLang="zh-CN" dirty="0">
                 <a:solidFill>
                   <a:srgbClr val="FF0000"/>
                 </a:solidFill>
@@ -23779,19 +22989,10 @@
                 </a:solidFill>
                 <a:sym typeface="+mn-ea"/>
               </a:rPr>
-              <a:t> </a:t>
-            </a:r>
-            <a:r>
-              <a:rPr lang="zh-CN" altLang="en-US" dirty="0" smtClean="0">
-                <a:solidFill>
-                  <a:srgbClr val="FF0000"/>
-                </a:solidFill>
-                <a:sym typeface="+mn-ea"/>
-              </a:rPr>
-              <a:t>如果查找不到就返回</a:t>
-            </a:r>
-            <a:r>
-              <a:rPr lang="en-US" altLang="zh-CN" dirty="0" smtClean="0">
+              <a:t> 如果查找不到就返回</a:t>
+            </a:r>
+            <a:r>
+              <a:rPr lang="en-US" altLang="zh-CN" dirty="0">
                 <a:solidFill>
                   <a:srgbClr val="FF0000"/>
                 </a:solidFill>
@@ -23806,7 +23007,7 @@
               <a:buChar char="l"/>
             </a:pPr>
             <a:r>
-              <a:rPr lang="zh-CN" altLang="en-US" dirty="0" smtClean="0">
+              <a:rPr lang="zh-CN" altLang="en-US" dirty="0">
                 <a:solidFill>
                   <a:schemeClr val="tx1"/>
                 </a:solidFill>
@@ -23815,7 +23016,7 @@
               <a:t>如果找到第一个满足条件的元素</a:t>
             </a:r>
             <a:r>
-              <a:rPr lang="en-US" altLang="zh-CN" dirty="0" smtClean="0">
+              <a:rPr lang="en-US" altLang="zh-CN" dirty="0">
                 <a:solidFill>
                   <a:schemeClr val="tx1"/>
                 </a:solidFill>
@@ -23824,7 +23025,7 @@
               <a:t>,</a:t>
             </a:r>
             <a:r>
-              <a:rPr lang="zh-CN" altLang="en-US" dirty="0" smtClean="0">
+              <a:rPr lang="zh-CN" altLang="en-US" dirty="0">
                 <a:solidFill>
                   <a:schemeClr val="tx1"/>
                 </a:solidFill>
@@ -23833,7 +23034,7 @@
               <a:t>则终止循环</a:t>
             </a:r>
             <a:r>
-              <a:rPr lang="en-US" altLang="zh-CN" dirty="0" smtClean="0">
+              <a:rPr lang="en-US" altLang="zh-CN" dirty="0">
                 <a:solidFill>
                   <a:schemeClr val="tx1"/>
                 </a:solidFill>
@@ -23842,7 +23043,7 @@
               <a:t>. </a:t>
             </a:r>
             <a:r>
-              <a:rPr lang="zh-CN" altLang="en-US" dirty="0" smtClean="0">
+              <a:rPr lang="zh-CN" altLang="en-US" dirty="0">
                 <a:solidFill>
                   <a:schemeClr val="tx1"/>
                 </a:solidFill>
@@ -23851,7 +23052,7 @@
               <a:t>不在继续查找</a:t>
             </a:r>
             <a:r>
-              <a:rPr lang="en-US" altLang="zh-CN" dirty="0" smtClean="0">
+              <a:rPr lang="en-US" altLang="zh-CN" dirty="0">
                 <a:solidFill>
                   <a:schemeClr val="tx1"/>
                 </a:solidFill>
@@ -23866,13 +23067,13 @@
               <a:buChar char="l"/>
             </a:pPr>
             <a:r>
-              <a:rPr lang="en-US" dirty="0" smtClean="0">
+              <a:rPr lang="en-US" dirty="0">
                 <a:sym typeface="+mn-ea"/>
               </a:rPr>
               <a:t> </a:t>
             </a:r>
             <a:r>
-              <a:rPr lang="en-US" dirty="0" err="1" smtClean="0">
+              <a:rPr lang="en-US" dirty="0" err="1">
                 <a:solidFill>
                   <a:prstClr val="black"/>
                 </a:solidFill>
@@ -23882,7 +23083,7 @@
               <a:t>currentValue</a:t>
             </a:r>
             <a:r>
-              <a:rPr lang="en-US" dirty="0" smtClean="0">
+              <a:rPr lang="en-US" dirty="0">
                 <a:solidFill>
                   <a:prstClr val="black"/>
                 </a:solidFill>
@@ -23892,12 +23093,12 @@
               <a:t>: </a:t>
             </a:r>
             <a:r>
-              <a:rPr dirty="0" err="1" smtClean="0">
+              <a:rPr dirty="0" err="1">
                 <a:sym typeface="+mn-ea"/>
               </a:rPr>
               <a:t>数组当前项的值</a:t>
             </a:r>
-            <a:endParaRPr dirty="0" smtClean="0">
+            <a:endParaRPr dirty="0">
               <a:sym typeface="+mn-ea"/>
             </a:endParaRPr>
           </a:p>
@@ -23907,13 +23108,13 @@
               <a:buChar char="l"/>
             </a:pPr>
             <a:r>
-              <a:rPr lang="en-US" dirty="0" smtClean="0">
+              <a:rPr lang="en-US" dirty="0">
                 <a:sym typeface="+mn-ea"/>
               </a:rPr>
               <a:t> </a:t>
             </a:r>
             <a:r>
-              <a:rPr lang="en-US" dirty="0" smtClean="0">
+              <a:rPr lang="en-US" dirty="0">
                 <a:solidFill>
                   <a:prstClr val="black"/>
                 </a:solidFill>
@@ -23923,7 +23124,7 @@
               <a:t>index</a:t>
             </a:r>
             <a:r>
-              <a:rPr lang="zh-CN" altLang="en-US" dirty="0" smtClean="0">
+              <a:rPr lang="zh-CN" altLang="en-US" dirty="0">
                 <a:solidFill>
                   <a:prstClr val="black"/>
                 </a:solidFill>
@@ -23933,12 +23134,12 @@
               <a:t>：</a:t>
             </a:r>
             <a:r>
-              <a:rPr dirty="0" err="1" smtClean="0">
+              <a:rPr dirty="0" err="1">
                 <a:sym typeface="+mn-ea"/>
               </a:rPr>
               <a:t>数组当前项的索引</a:t>
             </a:r>
-            <a:endParaRPr dirty="0" smtClean="0">
+            <a:endParaRPr dirty="0">
               <a:sym typeface="+mn-ea"/>
             </a:endParaRPr>
           </a:p>
@@ -23948,13 +23149,13 @@
               <a:buChar char="l"/>
             </a:pPr>
             <a:r>
-              <a:rPr lang="en-US" dirty="0" smtClean="0">
+              <a:rPr lang="en-US" dirty="0">
                 <a:sym typeface="+mn-ea"/>
               </a:rPr>
               <a:t> </a:t>
             </a:r>
             <a:r>
-              <a:rPr lang="en-US" dirty="0" err="1" smtClean="0">
+              <a:rPr lang="en-US" dirty="0" err="1">
                 <a:solidFill>
                   <a:prstClr val="black"/>
                 </a:solidFill>
@@ -23964,7 +23165,7 @@
               <a:t>arr</a:t>
             </a:r>
             <a:r>
-              <a:rPr lang="zh-CN" altLang="en-US" dirty="0" smtClean="0">
+              <a:rPr lang="zh-CN" altLang="en-US" dirty="0">
                 <a:solidFill>
                   <a:prstClr val="black"/>
                 </a:solidFill>
@@ -23974,12 +23175,12 @@
               <a:t>：</a:t>
             </a:r>
             <a:r>
-              <a:rPr dirty="0" err="1" smtClean="0">
+              <a:rPr dirty="0" err="1">
                 <a:sym typeface="+mn-ea"/>
               </a:rPr>
               <a:t>数组对象本身</a:t>
             </a:r>
-            <a:endParaRPr dirty="0" smtClean="0">
+            <a:endParaRPr dirty="0">
               <a:sym typeface="+mn-ea"/>
             </a:endParaRPr>
           </a:p>
@@ -24155,13 +23356,13 @@
           <a:lstStyle/>
           <a:p>
             <a:r>
-              <a:rPr lang="en-US" altLang="zh-CN" smtClean="0">
+              <a:rPr lang="en-US" altLang="zh-CN">
                 <a:sym typeface="+mn-ea"/>
               </a:rPr>
               <a:t>3. ES5 </a:t>
             </a:r>
             <a:r>
-              <a:rPr lang="zh-CN" altLang="en-US" smtClean="0">
+              <a:rPr lang="zh-CN" altLang="en-US">
                 <a:sym typeface="+mn-ea"/>
               </a:rPr>
               <a:t>中的新增方法</a:t>
@@ -24196,11 +23397,11 @@
           <a:lstStyle/>
           <a:p>
             <a:r>
-              <a:rPr lang="en-US" altLang="zh-CN" smtClean="0"/>
+              <a:rPr lang="en-US" altLang="zh-CN"/>
               <a:t>3.2 </a:t>
             </a:r>
             <a:r>
-              <a:rPr lang="zh-CN" altLang="en-US" smtClean="0"/>
+              <a:rPr lang="zh-CN" altLang="en-US"/>
               <a:t>数组方法</a:t>
             </a:r>
             <a:endParaRPr lang="zh-CN" altLang="en-US" dirty="0"/>
@@ -24238,7 +23439,7 @@
               </a:lnSpc>
             </a:pPr>
             <a:r>
-              <a:rPr lang="zh-CN" altLang="en-US" sz="1400" b="1" dirty="0" smtClean="0">
+              <a:rPr lang="zh-CN" altLang="en-US" sz="1400" b="1" dirty="0">
                 <a:solidFill>
                   <a:srgbClr val="FF0000"/>
                 </a:solidFill>
@@ -24247,13 +23448,6 @@
               </a:rPr>
               <a:t>查询商品案例</a:t>
             </a:r>
-            <a:endParaRPr lang="zh-CN" altLang="en-US" sz="1400" b="1" dirty="0">
-              <a:solidFill>
-                <a:srgbClr val="FF0000"/>
-              </a:solidFill>
-              <a:latin typeface="微软雅黑" panose="020B0503020204020204" pitchFamily="34" charset="-122"/>
-              <a:ea typeface="微软雅黑" panose="020B0503020204020204" pitchFamily="34" charset="-122"/>
-            </a:endParaRPr>
           </a:p>
         </p:txBody>
       </p:sp>
@@ -24478,25 +23672,25 @@
               <a:buAutoNum type="arabicPeriod"/>
             </a:pPr>
             <a:r>
-              <a:rPr lang="zh-CN" altLang="en-US" dirty="0" smtClean="0">
+              <a:rPr lang="zh-CN" altLang="en-US" dirty="0">
                 <a:sym typeface="+mn-ea"/>
               </a:rPr>
               <a:t>把数据渲染到页面中 </a:t>
             </a:r>
             <a:r>
-              <a:rPr lang="en-US" altLang="zh-CN" dirty="0" smtClean="0">
+              <a:rPr lang="en-US" altLang="zh-CN" dirty="0">
                 <a:sym typeface="+mn-ea"/>
               </a:rPr>
               <a:t>(</a:t>
             </a:r>
             <a:r>
-              <a:rPr lang="en-US" altLang="zh-CN" dirty="0" err="1" smtClean="0">
+              <a:rPr lang="en-US" altLang="zh-CN" dirty="0" err="1">
                 <a:sym typeface="+mn-ea"/>
               </a:rPr>
               <a:t>forEach</a:t>
             </a:r>
             <a:r>
-              <a:rPr lang="en-US" altLang="zh-CN" dirty="0" smtClean="0">
+              <a:rPr lang="en-US" altLang="zh-CN" dirty="0">
                 <a:sym typeface="+mn-ea"/>
               </a:rPr>
               <a:t>)</a:t>
@@ -24507,12 +23701,12 @@
               <a:buAutoNum type="arabicPeriod"/>
             </a:pPr>
             <a:r>
-              <a:rPr lang="zh-CN" altLang="en-US" dirty="0" smtClean="0">
+              <a:rPr lang="zh-CN" altLang="en-US" dirty="0">
                 <a:sym typeface="+mn-ea"/>
               </a:rPr>
               <a:t>根据价格显示数据 </a:t>
             </a:r>
-            <a:endParaRPr lang="en-US" altLang="zh-CN" dirty="0" smtClean="0">
+            <a:endParaRPr lang="en-US" altLang="zh-CN" dirty="0">
               <a:sym typeface="+mn-ea"/>
             </a:endParaRPr>
           </a:p>
@@ -24521,12 +23715,12 @@
               <a:buAutoNum type="arabicPeriod"/>
             </a:pPr>
             <a:r>
-              <a:rPr lang="zh-CN" altLang="en-US" dirty="0" smtClean="0">
+              <a:rPr lang="zh-CN" altLang="en-US" dirty="0">
                 <a:sym typeface="+mn-ea"/>
               </a:rPr>
               <a:t>根据商品名称显示数据</a:t>
             </a:r>
-            <a:endParaRPr dirty="0" smtClean="0">
+            <a:endParaRPr dirty="0">
               <a:sym typeface="+mn-ea"/>
             </a:endParaRPr>
           </a:p>
@@ -24702,13 +23896,13 @@
           <a:lstStyle/>
           <a:p>
             <a:r>
-              <a:rPr lang="en-US" altLang="zh-CN" smtClean="0">
+              <a:rPr lang="en-US" altLang="zh-CN">
                 <a:sym typeface="+mn-ea"/>
               </a:rPr>
               <a:t>3. ES5 </a:t>
             </a:r>
             <a:r>
-              <a:rPr lang="zh-CN" altLang="en-US" smtClean="0">
+              <a:rPr lang="zh-CN" altLang="en-US">
                 <a:sym typeface="+mn-ea"/>
               </a:rPr>
               <a:t>中的新增方法</a:t>
@@ -24912,18 +24106,18 @@
           </a:lstStyle>
           <a:p>
             <a:r>
-              <a:rPr lang="en-US" altLang="zh-CN" smtClean="0">
+              <a:rPr lang="en-US" altLang="zh-CN">
                 <a:sym typeface="+mn-ea"/>
               </a:rPr>
               <a:t>trim()  方法会从一个字符串的两端删除空白字符</a:t>
             </a:r>
             <a:r>
-              <a:rPr lang="zh-CN" altLang="en-US" smtClean="0">
+              <a:rPr lang="zh-CN" altLang="en-US">
                 <a:sym typeface="+mn-ea"/>
               </a:rPr>
               <a:t>。</a:t>
             </a:r>
-            <a:endParaRPr lang="en-US" altLang="zh-CN" smtClean="0">
+            <a:endParaRPr lang="en-US" altLang="zh-CN">
               <a:sym typeface="+mn-ea"/>
             </a:endParaRPr>
           </a:p>
@@ -25183,7 +24377,7 @@
           </a:lstStyle>
           <a:p>
             <a:r>
-              <a:rPr lang="en-US" smtClean="0">
+              <a:rPr lang="en-US">
                 <a:sym typeface="+mn-ea"/>
               </a:rPr>
               <a:t>trim() 方法并不影响原字符串本身，它返回的是一个新的字符串。</a:t>
@@ -25212,11 +24406,11 @@
           <a:lstStyle/>
           <a:p>
             <a:r>
-              <a:rPr lang="en-US" altLang="zh-CN" smtClean="0"/>
+              <a:rPr lang="en-US" altLang="zh-CN"/>
               <a:t>3.3 </a:t>
             </a:r>
             <a:r>
-              <a:rPr lang="zh-CN" altLang="en-US" smtClean="0"/>
+              <a:rPr lang="zh-CN" altLang="en-US"/>
               <a:t>字符串方法</a:t>
             </a:r>
             <a:endParaRPr lang="zh-CN" altLang="en-US" dirty="0"/>
@@ -25437,13 +24631,13 @@
           <a:lstStyle/>
           <a:p>
             <a:r>
-              <a:rPr lang="en-US" altLang="zh-CN" smtClean="0">
+              <a:rPr lang="en-US" altLang="zh-CN">
                 <a:sym typeface="+mn-ea"/>
               </a:rPr>
               <a:t>3. ES5 </a:t>
             </a:r>
             <a:r>
-              <a:rPr lang="zh-CN" altLang="en-US" smtClean="0">
+              <a:rPr lang="zh-CN" altLang="en-US">
                 <a:sym typeface="+mn-ea"/>
               </a:rPr>
               <a:t>中的新增方法</a:t>
@@ -25744,13 +24938,13 @@
               <a:buChar char="l"/>
             </a:pPr>
             <a:r>
-              <a:rPr lang="zh-CN" altLang="en-US" dirty="0" smtClean="0">
+              <a:rPr lang="zh-CN" altLang="en-US" dirty="0">
                 <a:sym typeface="+mn-ea"/>
               </a:rPr>
               <a:t>效果类似 </a:t>
             </a:r>
             <a:r>
-              <a:rPr lang="en-US" altLang="zh-CN" dirty="0" smtClean="0">
+              <a:rPr lang="en-US" altLang="zh-CN" dirty="0">
                 <a:sym typeface="+mn-ea"/>
               </a:rPr>
               <a:t>for…in</a:t>
@@ -25762,18 +24956,10 @@
               <a:buChar char="l"/>
             </a:pPr>
             <a:r>
-              <a:rPr lang="zh-CN" altLang="en-US" dirty="0" smtClean="0"/>
-              <a:t>返回</a:t>
-            </a:r>
-            <a:r>
               <a:rPr lang="zh-CN" altLang="en-US" dirty="0"/>
-              <a:t>一个由属性名组成的</a:t>
-            </a:r>
-            <a:r>
-              <a:rPr lang="zh-CN" altLang="en-US" dirty="0" smtClean="0"/>
-              <a:t>数组</a:t>
-            </a:r>
-            <a:endParaRPr lang="en-US" altLang="zh-CN" dirty="0" smtClean="0">
+              <a:t>返回一个由属性名组成的数组</a:t>
+            </a:r>
+            <a:endParaRPr lang="en-US" altLang="zh-CN" dirty="0">
               <a:sym typeface="+mn-ea"/>
             </a:endParaRPr>
           </a:p>
@@ -25981,22 +25167,14 @@
               <a:t>Object.keys</a:t>
             </a:r>
             <a:r>
-              <a:rPr lang="en-US" altLang="zh-CN" dirty="0" smtClean="0">
+              <a:rPr lang="en-US" altLang="zh-CN" dirty="0">
                 <a:sym typeface="+mn-ea"/>
               </a:rPr>
               <a:t>() </a:t>
             </a:r>
             <a:r>
-              <a:rPr lang="zh-CN" altLang="en-US" dirty="0" smtClean="0"/>
-              <a:t>用于</a:t>
-            </a:r>
-            <a:r>
               <a:rPr lang="zh-CN" altLang="en-US" dirty="0"/>
-              <a:t>获取对象自身所有</a:t>
-            </a:r>
-            <a:r>
-              <a:rPr lang="zh-CN" altLang="en-US" dirty="0" smtClean="0"/>
-              <a:t>的属性</a:t>
+              <a:t>用于获取对象自身所有的属性</a:t>
             </a:r>
             <a:endParaRPr lang="en-US" altLang="zh-CN" dirty="0">
               <a:sym typeface="+mn-ea"/>
@@ -26025,16 +25203,12 @@
           <a:lstStyle/>
           <a:p>
             <a:r>
-              <a:rPr lang="en-US" altLang="zh-CN" smtClean="0"/>
+              <a:rPr lang="en-US" altLang="zh-CN"/>
               <a:t>3.4 </a:t>
             </a:r>
             <a:r>
               <a:rPr lang="zh-CN" altLang="en-US"/>
-              <a:t>对象</a:t>
-            </a:r>
-            <a:r>
-              <a:rPr lang="zh-CN" altLang="en-US" smtClean="0"/>
-              <a:t>方法</a:t>
+              <a:t>对象方法</a:t>
             </a:r>
             <a:endParaRPr lang="zh-CN" altLang="en-US" dirty="0"/>
           </a:p>
@@ -26254,13 +25428,13 @@
           <a:lstStyle/>
           <a:p>
             <a:r>
-              <a:rPr lang="en-US" altLang="zh-CN" smtClean="0">
+              <a:rPr lang="en-US" altLang="zh-CN">
                 <a:sym typeface="+mn-ea"/>
               </a:rPr>
               <a:t>3. ES5 </a:t>
             </a:r>
             <a:r>
-              <a:rPr lang="zh-CN" altLang="en-US" smtClean="0">
+              <a:rPr lang="zh-CN" altLang="en-US">
                 <a:sym typeface="+mn-ea"/>
               </a:rPr>
               <a:t>中的新增方法</a:t>
@@ -26532,13 +25706,13 @@
               <a:buChar char="l"/>
             </a:pPr>
             <a:r>
-              <a:rPr dirty="0" err="1" smtClean="0">
+              <a:rPr dirty="0" err="1">
                 <a:sym typeface="+mn-ea"/>
               </a:rPr>
               <a:t>obj：必需。目标对象</a:t>
             </a:r>
             <a:r>
-              <a:rPr dirty="0" smtClean="0">
+              <a:rPr dirty="0">
                 <a:sym typeface="+mn-ea"/>
               </a:rPr>
               <a:t> </a:t>
@@ -26550,12 +25724,12 @@
               <a:buChar char="l"/>
             </a:pPr>
             <a:r>
-              <a:rPr dirty="0" err="1" smtClean="0">
+              <a:rPr dirty="0" err="1">
                 <a:sym typeface="+mn-ea"/>
               </a:rPr>
               <a:t>prop：必需。需定义或修改的属性的名字</a:t>
             </a:r>
-            <a:endParaRPr dirty="0" smtClean="0">
+            <a:endParaRPr dirty="0">
               <a:sym typeface="+mn-ea"/>
             </a:endParaRPr>
           </a:p>
@@ -26565,12 +25739,12 @@
               <a:buChar char="l"/>
             </a:pPr>
             <a:r>
-              <a:rPr dirty="0" err="1" smtClean="0">
+              <a:rPr dirty="0" err="1">
                 <a:sym typeface="+mn-ea"/>
               </a:rPr>
               <a:t>descriptor：必需。目标属性所拥有的特性</a:t>
             </a:r>
-            <a:endParaRPr dirty="0" smtClean="0">
+            <a:endParaRPr dirty="0">
               <a:sym typeface="+mn-ea"/>
             </a:endParaRPr>
           </a:p>
@@ -26784,25 +25958,25 @@
               <a:t>() </a:t>
             </a:r>
             <a:r>
-              <a:rPr lang="en-US" altLang="zh-CN" dirty="0" err="1" smtClean="0">
+              <a:rPr lang="en-US" altLang="zh-CN" dirty="0" err="1">
                 <a:sym typeface="+mn-ea"/>
               </a:rPr>
               <a:t>定义</a:t>
             </a:r>
             <a:r>
-              <a:rPr lang="zh-CN" altLang="en-US" dirty="0" smtClean="0">
+              <a:rPr lang="zh-CN" altLang="en-US" dirty="0">
                 <a:sym typeface="+mn-ea"/>
               </a:rPr>
               <a:t>对象中</a:t>
             </a:r>
             <a:r>
-              <a:rPr lang="en-US" altLang="zh-CN" dirty="0" err="1" smtClean="0">
+              <a:rPr lang="en-US" altLang="zh-CN" dirty="0" err="1">
                 <a:sym typeface="+mn-ea"/>
               </a:rPr>
               <a:t>新属性或修改原有的属性</a:t>
             </a:r>
             <a:r>
-              <a:rPr lang="en-US" altLang="zh-CN" dirty="0" smtClean="0">
+              <a:rPr lang="en-US" altLang="zh-CN" dirty="0">
                 <a:sym typeface="+mn-ea"/>
               </a:rPr>
               <a:t>。(</a:t>
@@ -26814,14 +25988,11 @@
               <a:t>了解</a:t>
             </a:r>
             <a:r>
-              <a:rPr lang="en-US" altLang="zh-CN" dirty="0" smtClean="0">
+              <a:rPr lang="en-US" altLang="zh-CN" dirty="0">
                 <a:sym typeface="+mn-ea"/>
               </a:rPr>
               <a:t>)</a:t>
             </a:r>
-            <a:endParaRPr lang="en-US" altLang="zh-CN" dirty="0">
-              <a:sym typeface="+mn-ea"/>
-            </a:endParaRPr>
           </a:p>
         </p:txBody>
       </p:sp>
@@ -26846,16 +26017,12 @@
           <a:lstStyle/>
           <a:p>
             <a:r>
-              <a:rPr lang="en-US" altLang="zh-CN" smtClean="0"/>
+              <a:rPr lang="en-US" altLang="zh-CN"/>
               <a:t>3.4 </a:t>
             </a:r>
             <a:r>
               <a:rPr lang="zh-CN" altLang="en-US"/>
-              <a:t>对象</a:t>
-            </a:r>
-            <a:r>
-              <a:rPr lang="zh-CN" altLang="en-US" smtClean="0"/>
-              <a:t>方法</a:t>
+              <a:t>对象方法</a:t>
             </a:r>
             <a:endParaRPr lang="zh-CN" altLang="en-US" dirty="0"/>
           </a:p>
@@ -27039,7 +26206,7 @@
               <a:t>. </a:t>
             </a:r>
             <a:r>
-              <a:rPr lang="zh-CN" altLang="en-US" smtClean="0">
+              <a:rPr lang="zh-CN" altLang="en-US">
                 <a:sym typeface="+mn-ea"/>
               </a:rPr>
               <a:t>构造函数和原型</a:t>
@@ -27078,7 +26245,7 @@
               <a:t>1.1 </a:t>
             </a:r>
             <a:r>
-              <a:rPr lang="zh-CN" altLang="en-US" dirty="0" smtClean="0"/>
+              <a:rPr lang="zh-CN" altLang="en-US" dirty="0"/>
               <a:t>概述</a:t>
             </a:r>
             <a:endParaRPr dirty="0"/>
@@ -27284,10 +26451,10 @@
                 </a:solidFill>
                 <a:sym typeface="+mn-ea"/>
               </a:rPr>
-              <a:t>在典型</a:t>
-            </a:r>
-            <a:r>
-              <a:rPr lang="zh-CN" altLang="en-US" dirty="0" smtClean="0">
+              <a:t>在典型的 </a:t>
+            </a:r>
+            <a:r>
+              <a:rPr lang="en-US" altLang="zh-CN" dirty="0">
                 <a:solidFill>
                   <a:prstClr val="black">
                     <a:lumMod val="85000"/>
@@ -27296,10 +26463,10 @@
                 </a:solidFill>
                 <a:sym typeface="+mn-ea"/>
               </a:rPr>
-              <a:t>的 </a:t>
-            </a:r>
-            <a:r>
-              <a:rPr lang="en-US" altLang="zh-CN" dirty="0" smtClean="0">
+              <a:t>OOP </a:t>
+            </a:r>
+            <a:r>
+              <a:rPr lang="zh-CN" altLang="en-US" dirty="0">
                 <a:solidFill>
                   <a:prstClr val="black">
                     <a:lumMod val="85000"/>
@@ -27308,10 +26475,10 @@
                 </a:solidFill>
                 <a:sym typeface="+mn-ea"/>
               </a:rPr>
-              <a:t>OOP </a:t>
-            </a:r>
-            <a:r>
-              <a:rPr lang="zh-CN" altLang="en-US" dirty="0" smtClean="0">
+              <a:t>的语言中（如 </a:t>
+            </a:r>
+            <a:r>
+              <a:rPr lang="en-US" altLang="zh-CN" dirty="0">
                 <a:solidFill>
                   <a:prstClr val="black">
                     <a:lumMod val="85000"/>
@@ -27320,7 +26487,7 @@
                 </a:solidFill>
                 <a:sym typeface="+mn-ea"/>
               </a:rPr>
-              <a:t>的</a:t>
+              <a:t>Java</a:t>
             </a:r>
             <a:r>
               <a:rPr lang="zh-CN" altLang="en-US" dirty="0">
@@ -27332,10 +26499,10 @@
                 </a:solidFill>
                 <a:sym typeface="+mn-ea"/>
               </a:rPr>
-              <a:t>语言</a:t>
-            </a:r>
-            <a:r>
-              <a:rPr lang="zh-CN" altLang="en-US" dirty="0" smtClean="0">
+              <a:t>），都存在类的概念，类就是对象的模板，对象就是类的实例，但在 </a:t>
+            </a:r>
+            <a:r>
+              <a:rPr lang="en-US" altLang="zh-CN" dirty="0">
                 <a:solidFill>
                   <a:prstClr val="black">
                     <a:lumMod val="85000"/>
@@ -27344,10 +26511,10 @@
                 </a:solidFill>
                 <a:sym typeface="+mn-ea"/>
               </a:rPr>
-              <a:t>中（如 </a:t>
-            </a:r>
-            <a:r>
-              <a:rPr lang="en-US" altLang="zh-CN" dirty="0" smtClean="0">
+              <a:t>ES6</a:t>
+            </a:r>
+            <a:r>
+              <a:rPr lang="zh-CN" altLang="en-US" dirty="0">
                 <a:solidFill>
                   <a:prstClr val="black">
                     <a:lumMod val="85000"/>
@@ -27356,10 +26523,10 @@
                 </a:solidFill>
                 <a:sym typeface="+mn-ea"/>
               </a:rPr>
-              <a:t>Java</a:t>
-            </a:r>
-            <a:r>
-              <a:rPr lang="zh-CN" altLang="en-US" dirty="0" smtClean="0">
+              <a:t>之前，</a:t>
+            </a:r>
+            <a:r>
+              <a:rPr lang="en-US" altLang="zh-CN" dirty="0">
                 <a:solidFill>
                   <a:prstClr val="black">
                     <a:lumMod val="85000"/>
@@ -27368,7 +26535,7 @@
                 </a:solidFill>
                 <a:sym typeface="+mn-ea"/>
               </a:rPr>
-              <a:t>），都</a:t>
+              <a:t> JS </a:t>
             </a:r>
             <a:r>
               <a:rPr lang="zh-CN" altLang="en-US" dirty="0">
@@ -27380,93 +26547,9 @@
                 </a:solidFill>
                 <a:sym typeface="+mn-ea"/>
               </a:rPr>
-              <a:t>存在类的概念，类就是对象的模板，对象就是类的</a:t>
-            </a:r>
-            <a:r>
-              <a:rPr lang="zh-CN" altLang="en-US" dirty="0" smtClean="0">
-                <a:solidFill>
-                  <a:prstClr val="black">
-                    <a:lumMod val="85000"/>
-                    <a:lumOff val="15000"/>
-                  </a:prstClr>
-                </a:solidFill>
-                <a:sym typeface="+mn-ea"/>
-              </a:rPr>
-              <a:t>实例，但在 </a:t>
-            </a:r>
-            <a:r>
-              <a:rPr lang="en-US" altLang="zh-CN" dirty="0" smtClean="0">
-                <a:solidFill>
-                  <a:prstClr val="black">
-                    <a:lumMod val="85000"/>
-                    <a:lumOff val="15000"/>
-                  </a:prstClr>
-                </a:solidFill>
-                <a:sym typeface="+mn-ea"/>
-              </a:rPr>
-              <a:t>ES6</a:t>
-            </a:r>
-            <a:r>
-              <a:rPr lang="zh-CN" altLang="en-US" dirty="0" smtClean="0">
-                <a:solidFill>
-                  <a:prstClr val="black">
-                    <a:lumMod val="85000"/>
-                    <a:lumOff val="15000"/>
-                  </a:prstClr>
-                </a:solidFill>
-                <a:sym typeface="+mn-ea"/>
-              </a:rPr>
-              <a:t>之前，</a:t>
-            </a:r>
-            <a:r>
-              <a:rPr lang="en-US" altLang="zh-CN" dirty="0" smtClean="0">
-                <a:solidFill>
-                  <a:prstClr val="black">
-                    <a:lumMod val="85000"/>
-                    <a:lumOff val="15000"/>
-                  </a:prstClr>
-                </a:solidFill>
-                <a:sym typeface="+mn-ea"/>
-              </a:rPr>
-              <a:t> JS </a:t>
-            </a:r>
-            <a:r>
-              <a:rPr lang="zh-CN" altLang="en-US" dirty="0" smtClean="0">
-                <a:solidFill>
-                  <a:prstClr val="black">
-                    <a:lumMod val="85000"/>
-                    <a:lumOff val="15000"/>
-                  </a:prstClr>
-                </a:solidFill>
-                <a:sym typeface="+mn-ea"/>
-              </a:rPr>
-              <a:t>中并没用引入类</a:t>
-            </a:r>
-            <a:r>
-              <a:rPr lang="zh-CN" altLang="en-US" dirty="0">
-                <a:solidFill>
-                  <a:prstClr val="black">
-                    <a:lumMod val="85000"/>
-                    <a:lumOff val="15000"/>
-                  </a:prstClr>
-                </a:solidFill>
-                <a:sym typeface="+mn-ea"/>
-              </a:rPr>
-              <a:t>的</a:t>
-            </a:r>
-            <a:r>
-              <a:rPr lang="zh-CN" altLang="en-US" dirty="0" smtClean="0">
-                <a:solidFill>
-                  <a:prstClr val="black">
-                    <a:lumMod val="85000"/>
-                    <a:lumOff val="15000"/>
-                  </a:prstClr>
-                </a:solidFill>
-                <a:sym typeface="+mn-ea"/>
-              </a:rPr>
-              <a:t>概念。</a:t>
-            </a:r>
-            <a:endParaRPr lang="en-US" altLang="zh-CN" dirty="0" smtClean="0">
+              <a:t>中并没用引入类的概念。</a:t>
+            </a:r>
+            <a:endParaRPr lang="en-US" altLang="zh-CN" dirty="0">
               <a:solidFill>
                 <a:prstClr val="black">
                   <a:lumMod val="85000"/>
@@ -27494,7 +26577,7 @@
               <a:t> 6.0 </a:t>
             </a:r>
             <a:r>
-              <a:rPr lang="zh-CN" altLang="en-US" dirty="0" smtClean="0"/>
+              <a:rPr lang="zh-CN" altLang="en-US" dirty="0"/>
               <a:t>，</a:t>
             </a:r>
             <a:r>
@@ -27503,15 +26586,7 @@
             </a:r>
             <a:r>
               <a:rPr lang="zh-CN" altLang="en-US" dirty="0"/>
-              <a:t>发版</a:t>
-            </a:r>
-            <a:r>
-              <a:rPr lang="zh-CN" altLang="en-US" dirty="0" smtClean="0"/>
-              <a:t>。</a:t>
-            </a:r>
-            <a:r>
-              <a:rPr lang="zh-CN" altLang="en-US" dirty="0"/>
-              <a:t>但是目前浏览器的 </a:t>
+              <a:t>发版。但是目前浏览器的 </a:t>
             </a:r>
             <a:r>
               <a:rPr lang="en-US" altLang="zh-CN" dirty="0"/>
@@ -27545,7 +26620,7 @@
               <a:rPr lang="zh-CN" altLang="en-US" dirty="0"/>
               <a:t>的部分特性和功能。</a:t>
             </a:r>
-            <a:endParaRPr lang="en-US" altLang="zh-CN" dirty="0" smtClean="0">
+            <a:endParaRPr lang="en-US" altLang="zh-CN" dirty="0">
               <a:solidFill>
                 <a:prstClr val="black">
                   <a:lumMod val="85000"/>
@@ -27557,7 +26632,7 @@
           </a:p>
           <a:p>
             <a:r>
-              <a:rPr lang="zh-CN" altLang="en-US" dirty="0" smtClean="0">
+              <a:rPr lang="zh-CN" altLang="en-US" dirty="0">
                 <a:solidFill>
                   <a:prstClr val="black">
                     <a:lumMod val="85000"/>
@@ -27569,7 +26644,7 @@
               <a:t>在 </a:t>
             </a:r>
             <a:r>
-              <a:rPr lang="en-US" altLang="zh-CN" dirty="0" smtClean="0">
+              <a:rPr lang="en-US" altLang="zh-CN" dirty="0">
                 <a:solidFill>
                   <a:prstClr val="black">
                     <a:lumMod val="85000"/>
@@ -27581,7 +26656,7 @@
               <a:t>ES6</a:t>
             </a:r>
             <a:r>
-              <a:rPr lang="zh-CN" altLang="en-US" dirty="0" smtClean="0">
+              <a:rPr lang="zh-CN" altLang="en-US" dirty="0">
                 <a:solidFill>
                   <a:prstClr val="black">
                     <a:lumMod val="85000"/>
@@ -27593,7 +26668,7 @@
               <a:t>之前</a:t>
             </a:r>
             <a:r>
-              <a:rPr lang="en-US" altLang="zh-CN" dirty="0" smtClean="0">
+              <a:rPr lang="en-US" altLang="zh-CN" dirty="0">
                 <a:solidFill>
                   <a:prstClr val="black">
                     <a:lumMod val="85000"/>
@@ -27605,7 +26680,7 @@
               <a:t> </a:t>
             </a:r>
             <a:r>
-              <a:rPr lang="zh-CN" altLang="en-US" dirty="0" smtClean="0">
+              <a:rPr lang="zh-CN" altLang="en-US" dirty="0">
                 <a:solidFill>
                   <a:prstClr val="black">
                     <a:lumMod val="85000"/>
@@ -27614,7 +26689,16 @@
                 </a:solidFill>
                 <a:sym typeface="+mn-ea"/>
               </a:rPr>
-              <a:t>，对象不是</a:t>
+              <a:t>，对象不是基于类创建的，而是用一种称为</a:t>
+            </a:r>
+            <a:r>
+              <a:rPr lang="zh-CN" altLang="en-US" dirty="0">
+                <a:solidFill>
+                  <a:srgbClr val="FF0000"/>
+                </a:solidFill>
+                <a:sym typeface="+mn-ea"/>
+              </a:rPr>
+              <a:t>构建函数</a:t>
             </a:r>
             <a:r>
               <a:rPr lang="zh-CN" altLang="en-US" dirty="0">
@@ -27626,62 +26710,8 @@
                 </a:solidFill>
                 <a:sym typeface="+mn-ea"/>
               </a:rPr>
-              <a:t>基于</a:t>
-            </a:r>
-            <a:r>
-              <a:rPr lang="zh-CN" altLang="en-US" dirty="0" smtClean="0">
-                <a:solidFill>
-                  <a:prstClr val="black">
-                    <a:lumMod val="85000"/>
-                    <a:lumOff val="15000"/>
-                  </a:prstClr>
-                </a:solidFill>
-                <a:sym typeface="+mn-ea"/>
-              </a:rPr>
-              <a:t>类创建的，而是用</a:t>
-            </a:r>
-            <a:r>
-              <a:rPr lang="zh-CN" altLang="en-US" dirty="0">
-                <a:solidFill>
-                  <a:prstClr val="black">
-                    <a:lumMod val="85000"/>
-                    <a:lumOff val="15000"/>
-                  </a:prstClr>
-                </a:solidFill>
-                <a:sym typeface="+mn-ea"/>
-              </a:rPr>
-              <a:t>一种称为</a:t>
-            </a:r>
-            <a:r>
-              <a:rPr lang="zh-CN" altLang="en-US" dirty="0">
-                <a:solidFill>
-                  <a:srgbClr val="FF0000"/>
-                </a:solidFill>
-                <a:sym typeface="+mn-ea"/>
-              </a:rPr>
-              <a:t>构建函数</a:t>
-            </a:r>
-            <a:r>
-              <a:rPr lang="zh-CN" altLang="en-US" dirty="0">
-                <a:solidFill>
-                  <a:prstClr val="black">
-                    <a:lumMod val="85000"/>
-                    <a:lumOff val="15000"/>
-                  </a:prstClr>
-                </a:solidFill>
-                <a:sym typeface="+mn-ea"/>
-              </a:rPr>
               <a:t>的特殊函数来定义对象和它们的特征。</a:t>
             </a:r>
-            <a:endParaRPr lang="zh-CN" altLang="en-US" dirty="0" smtClean="0">
-              <a:solidFill>
-                <a:prstClr val="black">
-                  <a:lumMod val="85000"/>
-                  <a:lumOff val="15000"/>
-                </a:prstClr>
-              </a:solidFill>
-              <a:sym typeface="+mn-ea"/>
-            </a:endParaRPr>
           </a:p>
         </p:txBody>
       </p:sp>
@@ -27875,7 +26905,7 @@
           </a:lstStyle>
           <a:p>
             <a:r>
-              <a:rPr lang="en-US" altLang="zh-CN" smtClean="0">
+              <a:rPr lang="en-US" altLang="zh-CN">
                 <a:sym typeface="+mn-ea"/>
               </a:rPr>
               <a:t>1. 对象字面量</a:t>
@@ -27883,7 +26913,7 @@
           </a:p>
           <a:p>
             <a:r>
-              <a:rPr lang="zh-CN" altLang="en-US" smtClean="0">
+              <a:rPr lang="zh-CN" altLang="en-US">
                 <a:sym typeface="+mn-ea"/>
               </a:rPr>
               <a:t>2. new Object()</a:t>
@@ -27891,7 +26921,7 @@
           </a:p>
           <a:p>
             <a:r>
-              <a:rPr lang="zh-CN" altLang="en-US" smtClean="0">
+              <a:rPr lang="zh-CN" altLang="en-US">
                 <a:sym typeface="+mn-ea"/>
               </a:rPr>
               <a:t>3. 自定义构造函数</a:t>
@@ -28089,7 +27119,7 @@
           </a:lstStyle>
           <a:p>
             <a:r>
-              <a:rPr lang="zh-CN" altLang="en-US" dirty="0" smtClean="0">
+              <a:rPr lang="zh-CN" altLang="en-US" dirty="0">
                 <a:solidFill>
                   <a:prstClr val="black">
                     <a:lumMod val="85000"/>
@@ -28474,13 +27504,13 @@
           <a:lstStyle/>
           <a:p>
             <a:r>
-              <a:rPr lang="en-US" altLang="zh-CN" smtClean="0">
+              <a:rPr lang="en-US" altLang="zh-CN">
                 <a:sym typeface="+mn-ea"/>
               </a:rPr>
               <a:t>3. ES5 </a:t>
             </a:r>
             <a:r>
-              <a:rPr lang="zh-CN" altLang="en-US" smtClean="0">
+              <a:rPr lang="zh-CN" altLang="en-US">
                 <a:sym typeface="+mn-ea"/>
               </a:rPr>
               <a:t>中的新增方法</a:t>
@@ -28831,16 +27861,12 @@
           <a:lstStyle/>
           <a:p>
             <a:r>
-              <a:rPr lang="en-US" altLang="zh-CN" smtClean="0"/>
+              <a:rPr lang="en-US" altLang="zh-CN"/>
               <a:t>3.4 </a:t>
             </a:r>
             <a:r>
               <a:rPr lang="zh-CN" altLang="en-US"/>
-              <a:t>对象</a:t>
-            </a:r>
-            <a:r>
-              <a:rPr lang="zh-CN" altLang="en-US" smtClean="0"/>
-              <a:t>方法</a:t>
+              <a:t>对象方法</a:t>
             </a:r>
             <a:endParaRPr lang="zh-CN" altLang="en-US" dirty="0"/>
           </a:p>
@@ -29036,60 +28062,60 @@
           </a:lstStyle>
           <a:p>
             <a:r>
-              <a:rPr lang="en-US" dirty="0" smtClean="0">
+              <a:rPr lang="en-US" dirty="0">
                 <a:sym typeface="+mn-ea"/>
               </a:rPr>
               <a:t> </a:t>
             </a:r>
             <a:r>
-              <a:rPr lang="en-US" altLang="zh-CN" dirty="0" err="1" smtClean="0">
+              <a:rPr lang="en-US" altLang="zh-CN" dirty="0" err="1">
                 <a:sym typeface="+mn-ea"/>
               </a:rPr>
               <a:t>Object.defineProperty</a:t>
             </a:r>
             <a:r>
-              <a:rPr lang="en-US" altLang="zh-CN" dirty="0" smtClean="0">
+              <a:rPr lang="en-US" altLang="zh-CN" dirty="0">
                 <a:sym typeface="+mn-ea"/>
               </a:rPr>
               <a:t>()   </a:t>
             </a:r>
             <a:r>
-              <a:rPr lang="zh-CN" altLang="en-US" dirty="0" smtClean="0">
+              <a:rPr lang="zh-CN" altLang="en-US" dirty="0">
                 <a:sym typeface="+mn-ea"/>
               </a:rPr>
               <a:t>第三个参数 </a:t>
             </a:r>
             <a:r>
-              <a:rPr dirty="0" smtClean="0">
+              <a:rPr dirty="0">
                 <a:sym typeface="+mn-ea"/>
               </a:rPr>
               <a:t>descriptor </a:t>
             </a:r>
             <a:r>
-              <a:rPr lang="zh-CN" dirty="0" smtClean="0">
+              <a:rPr lang="zh-CN" dirty="0">
                 <a:sym typeface="+mn-ea"/>
               </a:rPr>
               <a:t>说明</a:t>
             </a:r>
             <a:r>
-              <a:rPr lang="zh-CN" altLang="en-US" dirty="0" smtClean="0">
+              <a:rPr lang="zh-CN" altLang="en-US" dirty="0">
                 <a:sym typeface="+mn-ea"/>
               </a:rPr>
               <a:t>： 以对象形式 </a:t>
             </a:r>
             <a:r>
-              <a:rPr lang="en-US" altLang="zh-CN" dirty="0" smtClean="0">
+              <a:rPr lang="en-US" altLang="zh-CN" dirty="0">
                 <a:sym typeface="+mn-ea"/>
               </a:rPr>
               <a:t>{ } </a:t>
             </a:r>
             <a:r>
-              <a:rPr lang="zh-CN" altLang="en-US" dirty="0" smtClean="0">
+              <a:rPr lang="zh-CN" altLang="en-US" dirty="0">
                 <a:sym typeface="+mn-ea"/>
               </a:rPr>
               <a:t>书写</a:t>
             </a:r>
-            <a:endParaRPr lang="zh-CN" dirty="0" smtClean="0">
+            <a:endParaRPr lang="zh-CN" dirty="0">
               <a:sym typeface="+mn-ea"/>
             </a:endParaRPr>
           </a:p>
@@ -29289,42 +28315,42 @@
               <a:buChar char="l"/>
             </a:pPr>
             <a:r>
-              <a:rPr lang="en-US" dirty="0" smtClean="0">
+              <a:rPr lang="en-US" dirty="0">
                 <a:sym typeface="+mn-ea"/>
               </a:rPr>
               <a:t> </a:t>
             </a:r>
             <a:r>
-              <a:rPr dirty="0" smtClean="0">
+              <a:rPr dirty="0">
                 <a:sym typeface="+mn-ea"/>
               </a:rPr>
               <a:t>value: </a:t>
             </a:r>
             <a:r>
-              <a:rPr dirty="0" err="1" smtClean="0">
+              <a:rPr dirty="0" err="1">
                 <a:sym typeface="+mn-ea"/>
               </a:rPr>
               <a:t>设置属性的值</a:t>
             </a:r>
             <a:r>
-              <a:rPr lang="en-US" dirty="0" smtClean="0">
+              <a:rPr lang="en-US" dirty="0">
                 <a:sym typeface="+mn-ea"/>
               </a:rPr>
               <a:t>  </a:t>
             </a:r>
             <a:r>
-              <a:rPr lang="zh-CN" altLang="en-US" dirty="0" smtClean="0">
+              <a:rPr lang="zh-CN" altLang="en-US" dirty="0">
                 <a:sym typeface="+mn-ea"/>
               </a:rPr>
               <a:t>默认为</a:t>
             </a:r>
             <a:r>
-              <a:rPr lang="en-US" altLang="zh-CN" dirty="0" smtClean="0">
+              <a:rPr lang="en-US" altLang="zh-CN" dirty="0">
                 <a:sym typeface="+mn-ea"/>
               </a:rPr>
               <a:t>undefined</a:t>
             </a:r>
-            <a:endParaRPr dirty="0" smtClean="0">
+            <a:endParaRPr dirty="0">
               <a:sym typeface="+mn-ea"/>
             </a:endParaRPr>
           </a:p>
@@ -29334,48 +28360,48 @@
               <a:buChar char="l"/>
             </a:pPr>
             <a:r>
-              <a:rPr lang="en-US" dirty="0" smtClean="0">
+              <a:rPr lang="en-US" dirty="0">
                 <a:sym typeface="+mn-ea"/>
               </a:rPr>
               <a:t> </a:t>
             </a:r>
             <a:r>
-              <a:rPr dirty="0" smtClean="0">
+              <a:rPr dirty="0">
                 <a:sym typeface="+mn-ea"/>
               </a:rPr>
               <a:t>writable: </a:t>
             </a:r>
             <a:r>
-              <a:rPr dirty="0" err="1" smtClean="0">
+              <a:rPr dirty="0" err="1">
                 <a:sym typeface="+mn-ea"/>
               </a:rPr>
               <a:t>值是否可以重写。true</a:t>
             </a:r>
             <a:r>
-              <a:rPr dirty="0" smtClean="0">
+              <a:rPr dirty="0">
                 <a:sym typeface="+mn-ea"/>
               </a:rPr>
               <a:t> | false</a:t>
             </a:r>
             <a:r>
-              <a:rPr lang="en-US" dirty="0" smtClean="0">
+              <a:rPr lang="en-US" dirty="0">
                 <a:sym typeface="+mn-ea"/>
               </a:rPr>
               <a:t>  </a:t>
             </a:r>
             <a:r>
-              <a:rPr lang="zh-CN" altLang="en-US" dirty="0" smtClean="0">
+              <a:rPr lang="zh-CN" altLang="en-US" dirty="0">
                 <a:sym typeface="+mn-ea"/>
               </a:rPr>
               <a:t>默认为</a:t>
             </a:r>
             <a:r>
-              <a:rPr lang="en-US" altLang="zh-CN" dirty="0" smtClean="0">
+              <a:rPr lang="en-US" altLang="zh-CN" dirty="0">
                 <a:sym typeface="+mn-ea"/>
               </a:rPr>
               <a:t>false</a:t>
             </a:r>
-            <a:endParaRPr dirty="0" smtClean="0">
+            <a:endParaRPr dirty="0">
               <a:sym typeface="+mn-ea"/>
             </a:endParaRPr>
           </a:p>
@@ -29385,48 +28411,48 @@
               <a:buChar char="l"/>
             </a:pPr>
             <a:r>
-              <a:rPr lang="en-US" dirty="0" smtClean="0">
+              <a:rPr lang="en-US" dirty="0">
                 <a:sym typeface="+mn-ea"/>
               </a:rPr>
               <a:t> </a:t>
             </a:r>
             <a:r>
-              <a:rPr dirty="0" smtClean="0">
+              <a:rPr dirty="0">
                 <a:sym typeface="+mn-ea"/>
               </a:rPr>
               <a:t>enumerable: </a:t>
             </a:r>
             <a:r>
-              <a:rPr dirty="0" err="1" smtClean="0">
+              <a:rPr dirty="0" err="1">
                 <a:sym typeface="+mn-ea"/>
               </a:rPr>
               <a:t>目标属性是否可以被枚举。true</a:t>
             </a:r>
             <a:r>
-              <a:rPr dirty="0" smtClean="0">
+              <a:rPr dirty="0">
                 <a:sym typeface="+mn-ea"/>
               </a:rPr>
               <a:t> | false</a:t>
             </a:r>
             <a:r>
-              <a:rPr lang="en-US" dirty="0" smtClean="0">
+              <a:rPr lang="en-US" dirty="0">
                 <a:sym typeface="+mn-ea"/>
               </a:rPr>
               <a:t> </a:t>
             </a:r>
             <a:r>
-              <a:rPr lang="zh-CN" altLang="en-US" dirty="0" smtClean="0">
+              <a:rPr lang="zh-CN" altLang="en-US" dirty="0">
                 <a:sym typeface="+mn-ea"/>
               </a:rPr>
               <a:t>默认为 </a:t>
             </a:r>
             <a:r>
-              <a:rPr lang="en-US" altLang="zh-CN" dirty="0" smtClean="0">
+              <a:rPr lang="en-US" altLang="zh-CN" dirty="0">
                 <a:sym typeface="+mn-ea"/>
               </a:rPr>
               <a:t>false</a:t>
             </a:r>
-            <a:endParaRPr dirty="0" smtClean="0">
+            <a:endParaRPr dirty="0">
               <a:sym typeface="+mn-ea"/>
             </a:endParaRPr>
           </a:p>
@@ -29436,48 +28462,48 @@
               <a:buChar char="l"/>
             </a:pPr>
             <a:r>
-              <a:rPr lang="en-US" dirty="0" smtClean="0">
+              <a:rPr lang="en-US" dirty="0">
                 <a:sym typeface="+mn-ea"/>
               </a:rPr>
               <a:t> </a:t>
             </a:r>
             <a:r>
-              <a:rPr dirty="0" smtClean="0">
+              <a:rPr dirty="0">
                 <a:sym typeface="+mn-ea"/>
               </a:rPr>
               <a:t>configurable: </a:t>
             </a:r>
             <a:r>
-              <a:rPr dirty="0" err="1" smtClean="0">
+              <a:rPr dirty="0" err="1">
                 <a:sym typeface="+mn-ea"/>
               </a:rPr>
               <a:t>目标属性是否可以被删除或是否可以再次修改特性</a:t>
             </a:r>
             <a:r>
-              <a:rPr dirty="0" smtClean="0">
+              <a:rPr dirty="0">
                 <a:sym typeface="+mn-ea"/>
               </a:rPr>
               <a:t> true | false</a:t>
             </a:r>
             <a:r>
-              <a:rPr lang="en-US" dirty="0" smtClean="0">
+              <a:rPr lang="en-US" dirty="0">
                 <a:sym typeface="+mn-ea"/>
               </a:rPr>
               <a:t>  </a:t>
             </a:r>
             <a:r>
-              <a:rPr lang="zh-CN" altLang="en-US" dirty="0" smtClean="0">
+              <a:rPr lang="zh-CN" altLang="en-US" dirty="0">
                 <a:sym typeface="+mn-ea"/>
               </a:rPr>
               <a:t>默认为</a:t>
             </a:r>
             <a:r>
-              <a:rPr lang="en-US" altLang="zh-CN" dirty="0" smtClean="0">
+              <a:rPr lang="en-US" altLang="zh-CN" dirty="0">
                 <a:sym typeface="+mn-ea"/>
               </a:rPr>
               <a:t>false</a:t>
             </a:r>
-            <a:endParaRPr dirty="0" smtClean="0">
+            <a:endParaRPr dirty="0">
               <a:sym typeface="+mn-ea"/>
             </a:endParaRPr>
           </a:p>
@@ -29493,13 +28519,6 @@
   <p:clrMapOvr>
     <a:masterClrMapping/>
   </p:clrMapOvr>
-  <p:timing>
-    <p:tnLst>
-      <p:par>
-        <p:cTn id="1" dur="indefinite" restart="never" nodeType="tmRoot"/>
-      </p:par>
-    </p:tnLst>
-  </p:timing>
 </p:sld>
 </file>
 
@@ -29525,13 +28544,6 @@
   <p:clrMapOvr>
     <a:masterClrMapping/>
   </p:clrMapOvr>
-  <p:timing>
-    <p:tnLst>
-      <p:par>
-        <p:cTn id="1" dur="indefinite" restart="never" nodeType="tmRoot"/>
-      </p:par>
-    </p:tnLst>
-  </p:timing>
 </p:sld>
 </file>
 
@@ -29581,7 +28593,7 @@
               <a:t>. </a:t>
             </a:r>
             <a:r>
-              <a:rPr lang="zh-CN" altLang="en-US" smtClean="0">
+              <a:rPr lang="zh-CN" altLang="en-US">
                 <a:sym typeface="+mn-ea"/>
               </a:rPr>
               <a:t>构造函数和原型</a:t>
@@ -29785,7 +28797,7 @@
           </a:lstStyle>
           <a:p>
             <a:r>
-              <a:rPr lang="zh-CN" altLang="en-US" b="1" smtClean="0">
+              <a:rPr lang="zh-CN" altLang="en-US" b="1">
                 <a:solidFill>
                   <a:srgbClr val="FF0000"/>
                 </a:solidFill>
@@ -29793,7 +28805,7 @@
               <a:t>构造函数</a:t>
             </a:r>
             <a:r>
-              <a:rPr lang="zh-CN" altLang="en-US" smtClean="0"/>
+              <a:rPr lang="zh-CN" altLang="en-US"/>
               <a:t>是</a:t>
             </a:r>
             <a:r>
@@ -29802,11 +28814,7 @@
             </a:r>
             <a:r>
               <a:rPr lang="zh-CN" altLang="en-US"/>
-              <a:t>的</a:t>
-            </a:r>
-            <a:r>
-              <a:rPr lang="zh-CN" altLang="en-US" smtClean="0"/>
-              <a:t>函数，主要</a:t>
+              <a:t>的函数，主要</a:t>
             </a:r>
             <a:r>
               <a:rPr lang="zh-CN" altLang="en-US" dirty="0"/>
@@ -29814,11 +28822,7 @@
             </a:r>
             <a:r>
               <a:rPr lang="zh-CN" altLang="en-US"/>
-              <a:t>对象</a:t>
-            </a:r>
-            <a:r>
-              <a:rPr lang="zh-CN" altLang="en-US" smtClean="0"/>
-              <a:t>，即</a:t>
+              <a:t>对象，即</a:t>
             </a:r>
             <a:r>
               <a:rPr lang="zh-CN" altLang="en-US" dirty="0"/>
@@ -29826,29 +28830,9 @@
             </a:r>
             <a:r>
               <a:rPr lang="zh-CN" altLang="en-US"/>
-              <a:t>初始值</a:t>
-            </a:r>
-            <a:r>
-              <a:rPr lang="zh-CN" altLang="en-US" smtClean="0"/>
-              <a:t>，它总与 new 一起</a:t>
-            </a:r>
-            <a:r>
-              <a:rPr lang="zh-CN" altLang="en-US"/>
-              <a:t>使用。</a:t>
-            </a:r>
-            <a:r>
-              <a:rPr lang="zh-CN" altLang="en-US" smtClean="0"/>
-              <a:t>我们可以把</a:t>
-            </a:r>
-            <a:r>
-              <a:rPr lang="zh-CN" altLang="en-US"/>
-              <a:t>对象中一些公共的属性和方法抽取出来，然后封装到这个函数里面</a:t>
-            </a:r>
-            <a:r>
-              <a:rPr lang="zh-CN" altLang="en-US" smtClean="0"/>
-              <a:t>。</a:t>
-            </a:r>
-            <a:endParaRPr lang="en-US" altLang="zh-CN" smtClean="0"/>
+              <a:t>初始值，它总与 new 一起使用。我们可以把对象中一些公共的属性和方法抽取出来，然后封装到这个函数里面。</a:t>
+            </a:r>
+            <a:endParaRPr lang="en-US" altLang="zh-CN"/>
           </a:p>
         </p:txBody>
       </p:sp>
@@ -30074,15 +29058,15 @@
           </a:lstStyle>
           <a:p>
             <a:r>
-              <a:rPr lang="zh-CN" altLang="en-US" smtClean="0"/>
+              <a:rPr lang="zh-CN" altLang="en-US"/>
               <a:t>在 </a:t>
             </a:r>
             <a:r>
-              <a:rPr lang="en-US" altLang="zh-CN" smtClean="0"/>
+              <a:rPr lang="en-US" altLang="zh-CN"/>
               <a:t>JS </a:t>
             </a:r>
             <a:r>
-              <a:rPr lang="zh-CN" altLang="en-US" smtClean="0"/>
+              <a:rPr lang="zh-CN" altLang="en-US"/>
               <a:t>中，使用构造函数时要注意以下两点：</a:t>
             </a:r>
             <a:endParaRPr lang="zh-CN" altLang="en-US" dirty="0"/>
@@ -30093,7 +29077,7 @@
               <a:buAutoNum type="arabicPeriod"/>
             </a:pPr>
             <a:r>
-              <a:rPr lang="zh-CN" altLang="en-US" smtClean="0"/>
+              <a:rPr lang="zh-CN" altLang="en-US"/>
               <a:t>构造</a:t>
             </a:r>
             <a:r>
@@ -30102,26 +29086,10 @@
             </a:r>
             <a:r>
               <a:rPr lang="zh-CN" altLang="en-US"/>
-              <a:t>某</a:t>
-            </a:r>
-            <a:r>
-              <a:rPr lang="zh-CN" altLang="en-US" smtClean="0"/>
-              <a:t>一类</a:t>
-            </a:r>
-            <a:r>
-              <a:rPr lang="zh-CN" altLang="en-US"/>
-              <a:t>对象</a:t>
-            </a:r>
-            <a:r>
-              <a:rPr lang="zh-CN" altLang="en-US" smtClean="0"/>
-              <a:t>，</a:t>
-            </a:r>
-            <a:r>
-              <a:rPr lang="zh-CN" altLang="en-US"/>
-              <a:t>其</a:t>
-            </a:r>
-            <a:r>
-              <a:rPr lang="zh-CN" altLang="en-US" smtClean="0">
+              <a:t>某一类对象，其</a:t>
+            </a:r>
+            <a:r>
+              <a:rPr lang="zh-CN" altLang="en-US">
                 <a:solidFill>
                   <a:srgbClr val="FF0000"/>
                 </a:solidFill>
@@ -30143,7 +29111,7 @@
               <a:buAutoNum type="arabicPeriod"/>
             </a:pPr>
             <a:r>
-              <a:rPr lang="zh-CN" altLang="en-US" smtClean="0"/>
+              <a:rPr lang="zh-CN" altLang="en-US"/>
               <a:t>构造</a:t>
             </a:r>
             <a:r>
@@ -30155,7 +29123,7 @@
               <a:t>要</a:t>
             </a:r>
             <a:r>
-              <a:rPr lang="zh-CN" altLang="en-US" smtClean="0">
+              <a:rPr lang="zh-CN" altLang="en-US">
                 <a:solidFill>
                   <a:srgbClr val="FF0000"/>
                 </a:solidFill>
@@ -30359,7 +29327,7 @@
               <a:t>. </a:t>
             </a:r>
             <a:r>
-              <a:rPr lang="zh-CN" altLang="en-US" smtClean="0">
+              <a:rPr lang="zh-CN" altLang="en-US">
                 <a:sym typeface="+mn-ea"/>
               </a:rPr>
               <a:t>构造函数和原型</a:t>
@@ -30563,7 +29531,7 @@
           </a:lstStyle>
           <a:p>
             <a:r>
-              <a:rPr lang="zh-CN" altLang="en-US" b="1" smtClean="0">
+              <a:rPr lang="zh-CN" altLang="en-US" b="1">
                 <a:solidFill>
                   <a:srgbClr val="FF0000"/>
                 </a:solidFill>
@@ -30571,7 +29539,7 @@
               <a:t>构造函数</a:t>
             </a:r>
             <a:r>
-              <a:rPr lang="zh-CN" altLang="en-US" smtClean="0">
+              <a:rPr lang="zh-CN" altLang="en-US">
                 <a:solidFill>
                   <a:prstClr val="black">
                     <a:lumMod val="85000"/>
@@ -30601,10 +29569,10 @@
                   </a:prstClr>
                 </a:solidFill>
               </a:rPr>
-              <a:t>的</a:t>
-            </a:r>
-            <a:r>
-              <a:rPr lang="zh-CN" altLang="en-US" smtClean="0">
+              <a:t>的函数，主要</a:t>
+            </a:r>
+            <a:r>
+              <a:rPr lang="zh-CN" altLang="en-US" dirty="0">
                 <a:solidFill>
                   <a:prstClr val="black">
                     <a:lumMod val="85000"/>
@@ -30612,10 +29580,10 @@
                   </a:prstClr>
                 </a:solidFill>
               </a:rPr>
-              <a:t>函数，主要</a:t>
-            </a:r>
-            <a:r>
-              <a:rPr lang="zh-CN" altLang="en-US" dirty="0">
+              <a:t>用来初始化</a:t>
+            </a:r>
+            <a:r>
+              <a:rPr lang="zh-CN" altLang="en-US">
                 <a:solidFill>
                   <a:prstClr val="black">
                     <a:lumMod val="85000"/>
@@ -30623,10 +29591,10 @@
                   </a:prstClr>
                 </a:solidFill>
               </a:rPr>
-              <a:t>用来初始化</a:t>
-            </a:r>
-            <a:r>
-              <a:rPr lang="zh-CN" altLang="en-US">
+              <a:t>对象，即</a:t>
+            </a:r>
+            <a:r>
+              <a:rPr lang="zh-CN" altLang="en-US" dirty="0">
                 <a:solidFill>
                   <a:prstClr val="black">
                     <a:lumMod val="85000"/>
@@ -30634,10 +29602,10 @@
                   </a:prstClr>
                 </a:solidFill>
               </a:rPr>
-              <a:t>对象</a:t>
-            </a:r>
-            <a:r>
-              <a:rPr lang="zh-CN" altLang="en-US" smtClean="0">
+              <a:t>为对象成员变量赋</a:t>
+            </a:r>
+            <a:r>
+              <a:rPr lang="zh-CN" altLang="en-US">
                 <a:solidFill>
                   <a:prstClr val="black">
                     <a:lumMod val="85000"/>
@@ -30645,86 +29613,9 @@
                   </a:prstClr>
                 </a:solidFill>
               </a:rPr>
-              <a:t>，即</a:t>
-            </a:r>
-            <a:r>
-              <a:rPr lang="zh-CN" altLang="en-US" dirty="0">
-                <a:solidFill>
-                  <a:prstClr val="black">
-                    <a:lumMod val="85000"/>
-                    <a:lumOff val="15000"/>
-                  </a:prstClr>
-                </a:solidFill>
-              </a:rPr>
-              <a:t>为对象成员变量赋</a:t>
-            </a:r>
-            <a:r>
-              <a:rPr lang="zh-CN" altLang="en-US">
-                <a:solidFill>
-                  <a:prstClr val="black">
-                    <a:lumMod val="85000"/>
-                    <a:lumOff val="15000"/>
-                  </a:prstClr>
-                </a:solidFill>
-              </a:rPr>
-              <a:t>初始值</a:t>
-            </a:r>
-            <a:r>
-              <a:rPr lang="zh-CN" altLang="en-US" smtClean="0">
-                <a:solidFill>
-                  <a:prstClr val="black">
-                    <a:lumMod val="85000"/>
-                    <a:lumOff val="15000"/>
-                  </a:prstClr>
-                </a:solidFill>
-              </a:rPr>
-              <a:t>，它总与 new 一起</a:t>
-            </a:r>
-            <a:r>
-              <a:rPr lang="zh-CN" altLang="en-US">
-                <a:solidFill>
-                  <a:prstClr val="black">
-                    <a:lumMod val="85000"/>
-                    <a:lumOff val="15000"/>
-                  </a:prstClr>
-                </a:solidFill>
-              </a:rPr>
-              <a:t>使用。</a:t>
-            </a:r>
-            <a:r>
-              <a:rPr lang="zh-CN" altLang="en-US" smtClean="0">
-                <a:solidFill>
-                  <a:prstClr val="black">
-                    <a:lumMod val="85000"/>
-                    <a:lumOff val="15000"/>
-                  </a:prstClr>
-                </a:solidFill>
-              </a:rPr>
-              <a:t>我们可以把</a:t>
-            </a:r>
-            <a:r>
-              <a:rPr lang="zh-CN" altLang="en-US">
-                <a:solidFill>
-                  <a:prstClr val="black">
-                    <a:lumMod val="85000"/>
-                    <a:lumOff val="15000"/>
-                  </a:prstClr>
-                </a:solidFill>
-              </a:rPr>
-              <a:t>对象中一些公共的属性和方法抽取出来，然后封装到这个函数里面</a:t>
-            </a:r>
-            <a:r>
-              <a:rPr lang="zh-CN" altLang="en-US" smtClean="0">
-                <a:solidFill>
-                  <a:prstClr val="black">
-                    <a:lumMod val="85000"/>
-                    <a:lumOff val="15000"/>
-                  </a:prstClr>
-                </a:solidFill>
-              </a:rPr>
-              <a:t>。</a:t>
-            </a:r>
-            <a:endParaRPr lang="en-US" altLang="zh-CN" smtClean="0">
+              <a:t>初始值，它总与 new 一起使用。我们可以把对象中一些公共的属性和方法抽取出来，然后封装到这个函数里面。</a:t>
+            </a:r>
+            <a:endParaRPr lang="en-US" altLang="zh-CN">
               <a:solidFill>
                 <a:prstClr val="black">
                   <a:lumMod val="85000"/>
@@ -30957,7 +29848,7 @@
           </a:lstStyle>
           <a:p>
             <a:r>
-              <a:rPr sz="1400" b="1" smtClean="0">
+              <a:rPr sz="1400" b="1">
                 <a:solidFill>
                   <a:prstClr val="black">
                     <a:lumMod val="75000"/>
@@ -30968,7 +29859,7 @@
               <a:t>new</a:t>
             </a:r>
             <a:r>
-              <a:rPr lang="en-US" sz="1400" b="1" smtClean="0">
+              <a:rPr lang="en-US" sz="1400" b="1">
                 <a:solidFill>
                   <a:prstClr val="black">
                     <a:lumMod val="75000"/>
@@ -30979,7 +29870,7 @@
               <a:t> </a:t>
             </a:r>
             <a:r>
-              <a:rPr sz="1400" b="1" smtClean="0">
+              <a:rPr sz="1400" b="1">
                 <a:solidFill>
                   <a:prstClr val="black">
                     <a:lumMod val="75000"/>
@@ -31015,7 +29906,7 @@
               <a:buAutoNum type="circleNumDbPlain"/>
             </a:pPr>
             <a:r>
-              <a:rPr smtClean="0">
+              <a:rPr>
                 <a:solidFill>
                   <a:prstClr val="black">
                     <a:lumMod val="85000"/>
@@ -31051,7 +29942,7 @@
               <a:buAutoNum type="circleNumDbPlain"/>
             </a:pPr>
             <a:r>
-              <a:rPr smtClean="0">
+              <a:rPr>
                 <a:solidFill>
                   <a:prstClr val="black">
                     <a:lumMod val="85000"/>
@@ -31062,7 +29953,7 @@
               <a:t>让</a:t>
             </a:r>
             <a:r>
-              <a:rPr lang="en-US" smtClean="0">
+              <a:rPr lang="en-US">
                 <a:solidFill>
                   <a:prstClr val="black">
                     <a:lumMod val="85000"/>
@@ -31073,7 +29964,7 @@
               <a:t> </a:t>
             </a:r>
             <a:r>
-              <a:rPr smtClean="0">
+              <a:rPr>
                 <a:solidFill>
                   <a:prstClr val="black">
                     <a:lumMod val="85000"/>
@@ -31084,7 +29975,7 @@
               <a:t>this</a:t>
             </a:r>
             <a:r>
-              <a:rPr lang="en-US" smtClean="0">
+              <a:rPr lang="en-US">
                 <a:solidFill>
                   <a:prstClr val="black">
                     <a:lumMod val="85000"/>
@@ -31095,7 +29986,7 @@
               <a:t> </a:t>
             </a:r>
             <a:r>
-              <a:rPr smtClean="0">
+              <a:rPr>
                 <a:solidFill>
                   <a:prstClr val="black">
                     <a:lumMod val="85000"/>
@@ -31106,7 +29997,7 @@
               <a:t>指向这个新的对象</a:t>
             </a:r>
             <a:r>
-              <a:rPr lang="zh-CN" altLang="en-US" smtClean="0">
+              <a:rPr lang="zh-CN" altLang="en-US">
                 <a:solidFill>
                   <a:prstClr val="black">
                     <a:lumMod val="85000"/>
@@ -31131,7 +30022,7 @@
               <a:buAutoNum type="circleNumDbPlain"/>
             </a:pPr>
             <a:r>
-              <a:rPr smtClean="0">
+              <a:rPr>
                 <a:solidFill>
                   <a:prstClr val="black">
                     <a:lumMod val="85000"/>
@@ -31142,7 +30033,7 @@
               <a:t>执行构造函数里面的代码</a:t>
             </a:r>
             <a:r>
-              <a:rPr lang="zh-CN" altLang="en-US" smtClean="0">
+              <a:rPr lang="zh-CN" altLang="en-US">
                 <a:solidFill>
                   <a:prstClr val="black">
                     <a:lumMod val="85000"/>
@@ -31153,7 +30044,7 @@
               <a:t>，</a:t>
             </a:r>
             <a:r>
-              <a:rPr smtClean="0">
+              <a:rPr>
                 <a:solidFill>
                   <a:prstClr val="black">
                     <a:lumMod val="85000"/>
@@ -31164,7 +30055,7 @@
               <a:t>给这个新对象</a:t>
             </a:r>
             <a:r>
-              <a:rPr lang="zh-CN" altLang="en-US" smtClean="0">
+              <a:rPr lang="zh-CN" altLang="en-US">
                 <a:solidFill>
                   <a:prstClr val="black">
                     <a:lumMod val="85000"/>
@@ -31175,7 +30066,7 @@
               <a:t>添</a:t>
             </a:r>
             <a:r>
-              <a:rPr smtClean="0">
+              <a:rPr>
                 <a:solidFill>
                   <a:prstClr val="black">
                     <a:lumMod val="85000"/>
@@ -31186,7 +30077,7 @@
               <a:t>加属性和方法</a:t>
             </a:r>
             <a:r>
-              <a:rPr lang="zh-CN" altLang="en-US" smtClean="0">
+              <a:rPr lang="zh-CN" altLang="en-US">
                 <a:solidFill>
                   <a:prstClr val="black">
                     <a:lumMod val="85000"/>
@@ -31211,7 +30102,7 @@
               <a:buAutoNum type="circleNumDbPlain"/>
             </a:pPr>
             <a:r>
-              <a:rPr smtClean="0">
+              <a:rPr>
                 <a:solidFill>
                   <a:prstClr val="black">
                     <a:lumMod val="85000"/>
@@ -31222,7 +30113,7 @@
               <a:t>返回这个新对象（所以构造函数里面不需要</a:t>
             </a:r>
             <a:r>
-              <a:rPr lang="en-US" smtClean="0">
+              <a:rPr lang="en-US">
                 <a:solidFill>
                   <a:prstClr val="black">
                     <a:lumMod val="85000"/>
@@ -31233,7 +30124,7 @@
               <a:t> </a:t>
             </a:r>
             <a:r>
-              <a:rPr smtClean="0">
+              <a:rPr>
                 <a:solidFill>
                   <a:prstClr val="black">
                     <a:lumMod val="85000"/>
@@ -31244,7 +30135,7 @@
               <a:t>return</a:t>
             </a:r>
             <a:r>
-              <a:rPr lang="en-US" smtClean="0">
+              <a:rPr lang="en-US">
                 <a:solidFill>
                   <a:prstClr val="black">
                     <a:lumMod val="85000"/>
@@ -31255,7 +30146,7 @@
               <a:t> </a:t>
             </a:r>
             <a:r>
-              <a:rPr smtClean="0">
+              <a:rPr>
                 <a:solidFill>
                   <a:prstClr val="black">
                     <a:lumMod val="85000"/>
@@ -31266,7 +30157,7 @@
               <a:t>）</a:t>
             </a:r>
             <a:r>
-              <a:rPr lang="zh-CN" altLang="en-US" smtClean="0">
+              <a:rPr lang="zh-CN" altLang="en-US">
                 <a:solidFill>
                   <a:prstClr val="black">
                     <a:lumMod val="85000"/>
@@ -31298,13 +30189,6 @@
     <a:masterClrMapping/>
   </p:clrMapOvr>
   <p:transition/>
-  <p:timing>
-    <p:tnLst>
-      <p:par>
-        <p:cTn id="1" dur="indefinite" restart="never" nodeType="tmRoot"/>
-      </p:par>
-    </p:tnLst>
-  </p:timing>
 </p:sld>
 </file>
 
@@ -31354,7 +30238,7 @@
               <a:t>. </a:t>
             </a:r>
             <a:r>
-              <a:rPr lang="zh-CN" altLang="en-US" smtClean="0">
+              <a:rPr lang="zh-CN" altLang="en-US">
                 <a:sym typeface="+mn-ea"/>
               </a:rPr>
               <a:t>构造函数和原型</a:t>
@@ -31558,46 +30442,31 @@
           </a:lstStyle>
           <a:p>
             <a:r>
-              <a:rPr lang="en-US" altLang="zh-CN" dirty="0" smtClean="0">
+              <a:rPr lang="en-US" altLang="zh-CN" dirty="0">
                 <a:sym typeface="+mn-ea"/>
               </a:rPr>
               <a:t>JavaScript </a:t>
             </a:r>
             <a:r>
-              <a:rPr lang="zh-CN" altLang="en-US" dirty="0" smtClean="0">
-                <a:sym typeface="+mn-ea"/>
-              </a:rPr>
-              <a:t>的构造函数中可以添加一些成员，可以在构造函数本身上</a:t>
-            </a:r>
-            <a:r>
               <a:rPr lang="zh-CN" altLang="en-US" dirty="0">
                 <a:sym typeface="+mn-ea"/>
               </a:rPr>
-              <a:t>添加，也可以在构造函数内部的 this 上</a:t>
-            </a:r>
-            <a:r>
-              <a:rPr lang="zh-CN" altLang="en-US" dirty="0" smtClean="0">
-                <a:sym typeface="+mn-ea"/>
-              </a:rPr>
-              <a:t>添加。</a:t>
+              <a:t>的构造函数中可以添加一些成员，可以在构造函数本身上添加，也可以在构造函数内部的 this 上添加。通过这两种方式添加的成员，就分别称为</a:t>
             </a:r>
             <a:r>
               <a:rPr lang="zh-CN" altLang="en-US" dirty="0">
-                <a:sym typeface="+mn-ea"/>
-              </a:rPr>
-              <a:t>通过</a:t>
-            </a:r>
-            <a:r>
-              <a:rPr lang="zh-CN" altLang="en-US" dirty="0" smtClean="0">
-                <a:sym typeface="+mn-ea"/>
-              </a:rPr>
-              <a:t>这两种方式添加的成员，就分别</a:t>
+                <a:solidFill>
+                  <a:srgbClr val="FF0000"/>
+                </a:solidFill>
+                <a:sym typeface="+mn-ea"/>
+              </a:rPr>
+              <a:t>静态成员</a:t>
             </a:r>
             <a:r>
               <a:rPr lang="zh-CN" altLang="en-US" dirty="0">
                 <a:sym typeface="+mn-ea"/>
               </a:rPr>
-              <a:t>称为</a:t>
+              <a:t>和</a:t>
             </a:r>
             <a:r>
               <a:rPr lang="zh-CN" altLang="en-US" dirty="0">
@@ -31606,34 +30475,10 @@
                 </a:solidFill>
                 <a:sym typeface="+mn-ea"/>
               </a:rPr>
-              <a:t>静态成员</a:t>
+              <a:t>实例成员</a:t>
             </a:r>
             <a:r>
               <a:rPr lang="zh-CN" altLang="en-US" dirty="0">
-                <a:sym typeface="+mn-ea"/>
-              </a:rPr>
-              <a:t>和</a:t>
-            </a:r>
-            <a:r>
-              <a:rPr lang="zh-CN" altLang="en-US" dirty="0">
-                <a:solidFill>
-                  <a:srgbClr val="FF0000"/>
-                </a:solidFill>
-                <a:sym typeface="+mn-ea"/>
-              </a:rPr>
-              <a:t>实例</a:t>
-            </a:r>
-            <a:r>
-              <a:rPr lang="zh-CN" altLang="en-US" dirty="0" smtClean="0">
-                <a:solidFill>
-                  <a:srgbClr val="FF0000"/>
-                </a:solidFill>
-                <a:sym typeface="+mn-ea"/>
-              </a:rPr>
-              <a:t>成员</a:t>
-            </a:r>
-            <a:r>
-              <a:rPr lang="zh-CN" altLang="en-US" dirty="0" smtClean="0">
                 <a:sym typeface="+mn-ea"/>
               </a:rPr>
               <a:t>。</a:t>
@@ -31835,16 +30680,8 @@
               <a:buChar char="l"/>
             </a:pPr>
             <a:r>
-              <a:rPr lang="zh-CN" altLang="en-US" smtClean="0"/>
-              <a:t>静态成员：在</a:t>
-            </a:r>
-            <a:r>
               <a:rPr lang="zh-CN" altLang="en-US"/>
-              <a:t>构造函数本上添加的</a:t>
-            </a:r>
-            <a:r>
-              <a:rPr lang="zh-CN" altLang="en-US" smtClean="0"/>
-              <a:t>成员称为</a:t>
+              <a:t>静态成员：在构造函数本上添加的成员称为</a:t>
             </a:r>
             <a:r>
               <a:rPr lang="zh-CN" altLang="en-US">
@@ -31866,7 +30703,7 @@
               </a:rPr>
               <a:t>只能由构造函数本身来访问 </a:t>
             </a:r>
-            <a:endParaRPr lang="en-US" smtClean="0">
+            <a:endParaRPr lang="en-US">
               <a:solidFill>
                 <a:srgbClr val="FF0000"/>
               </a:solidFill>
@@ -31878,27 +30715,26 @@
               <a:buChar char="l"/>
             </a:pPr>
             <a:r>
-              <a:rPr lang="zh-CN" altLang="en-US" smtClean="0"/>
+              <a:rPr lang="zh-CN" altLang="en-US"/>
               <a:t>实例成员：</a:t>
             </a:r>
             <a:r>
-              <a:rPr smtClean="0"/>
               <a:t>在</a:t>
             </a:r>
             <a:r>
-              <a:rPr lang="zh-CN" smtClean="0"/>
+              <a:rPr lang="zh-CN"/>
               <a:t>构造函数内部创建的对象成员</a:t>
             </a:r>
             <a:r>
-              <a:rPr lang="zh-CN" altLang="en-US" smtClean="0"/>
+              <a:rPr lang="zh-CN" altLang="en-US"/>
               <a:t>称</a:t>
             </a:r>
             <a:r>
-              <a:rPr lang="zh-CN" smtClean="0"/>
+              <a:rPr lang="zh-CN"/>
               <a:t>为</a:t>
             </a:r>
             <a:r>
-              <a:rPr lang="zh-CN" smtClean="0">
+              <a:rPr lang="zh-CN">
                 <a:solidFill>
                   <a:srgbClr val="FF0000"/>
                 </a:solidFill>
@@ -31906,11 +30742,11 @@
               <a:t>实例成员</a:t>
             </a:r>
             <a:r>
-              <a:rPr lang="zh-CN" smtClean="0"/>
+              <a:rPr lang="zh-CN"/>
               <a:t>，</a:t>
             </a:r>
             <a:r>
-              <a:rPr lang="zh-CN" smtClean="0">
+              <a:rPr lang="zh-CN">
                 <a:solidFill>
                   <a:srgbClr val="FF0000"/>
                 </a:solidFill>
@@ -32186,18 +31022,13 @@
             <a:lstStyle/>
             <a:p>
               <a:r>
-                <a:rPr lang="zh-CN" altLang="en-US" smtClean="0">
+                <a:rPr lang="zh-CN" altLang="en-US">
                   <a:solidFill>
                     <a:srgbClr val="FFFFFF"/>
                   </a:solidFill>
                 </a:rPr>
                 <a:t>内存</a:t>
               </a:r>
-              <a:endParaRPr lang="zh-CN" altLang="en-US">
-                <a:solidFill>
-                  <a:srgbClr val="FFFFFF"/>
-                </a:solidFill>
-              </a:endParaRPr>
             </a:p>
           </p:txBody>
         </p:sp>
@@ -32231,7 +31062,7 @@
               <a:t>. </a:t>
             </a:r>
             <a:r>
-              <a:rPr lang="zh-CN" altLang="en-US" smtClean="0">
+              <a:rPr lang="zh-CN" altLang="en-US">
                 <a:sym typeface="+mn-ea"/>
               </a:rPr>
               <a:t>构造函数和原型</a:t>
@@ -32435,11 +31266,11 @@
           </a:lstStyle>
           <a:p>
             <a:r>
-              <a:rPr lang="zh-CN" altLang="en-US" smtClean="0"/>
+              <a:rPr lang="zh-CN" altLang="en-US"/>
               <a:t>构造函数方法很好用，但是</a:t>
             </a:r>
             <a:r>
-              <a:rPr lang="zh-CN" altLang="en-US" smtClean="0">
+              <a:rPr lang="zh-CN" altLang="en-US">
                 <a:solidFill>
                   <a:srgbClr val="FF0000"/>
                 </a:solidFill>
@@ -32447,10 +31278,10 @@
               <a:t>存在浪费内存的问题</a:t>
             </a:r>
             <a:r>
-              <a:rPr lang="zh-CN" altLang="en-US" smtClean="0"/>
+              <a:rPr lang="zh-CN" altLang="en-US"/>
               <a:t>。</a:t>
             </a:r>
-            <a:endParaRPr lang="en-US" altLang="zh-CN" dirty="0" smtClean="0"/>
+            <a:endParaRPr lang="en-US" altLang="zh-CN" dirty="0"/>
           </a:p>
         </p:txBody>
       </p:sp>
@@ -32495,22 +31326,17 @@
               <a:t>ldh</a:t>
             </a:r>
             <a:r>
-              <a:rPr lang="zh-CN" altLang="en-US" dirty="0" smtClean="0"/>
+              <a:rPr lang="zh-CN" altLang="en-US" dirty="0"/>
               <a:t>对象</a:t>
             </a:r>
-            <a:endParaRPr lang="zh-CN" altLang="en-US" dirty="0"/>
           </a:p>
           <a:p>
             <a:pPr algn="ctr"/>
             <a:r>
               <a:rPr lang="en-US" altLang="zh-CN" dirty="0" err="1"/>
-              <a:t>u</a:t>
-            </a:r>
-            <a:r>
-              <a:rPr lang="en-US" altLang="zh-CN" dirty="0" err="1" smtClean="0"/>
-              <a:t>name</a:t>
-            </a:r>
-            <a:endParaRPr lang="en-US" altLang="zh-CN" dirty="0" smtClean="0"/>
+              <a:t>uname</a:t>
+            </a:r>
+            <a:endParaRPr lang="en-US" altLang="zh-CN" dirty="0"/>
           </a:p>
           <a:p>
             <a:pPr algn="ctr"/>
@@ -32569,22 +31395,17 @@
               <a:t>zxy</a:t>
             </a:r>
             <a:r>
-              <a:rPr lang="zh-CN" altLang="en-US" dirty="0" smtClean="0"/>
+              <a:rPr lang="zh-CN" altLang="en-US" dirty="0"/>
               <a:t>对象</a:t>
             </a:r>
-            <a:endParaRPr lang="zh-CN" altLang="en-US" dirty="0"/>
           </a:p>
           <a:p>
             <a:pPr algn="ctr"/>
             <a:r>
               <a:rPr lang="en-US" altLang="zh-CN" dirty="0" err="1"/>
-              <a:t>u</a:t>
-            </a:r>
-            <a:r>
-              <a:rPr lang="en-US" altLang="zh-CN" dirty="0" err="1" smtClean="0"/>
-              <a:t>name</a:t>
-            </a:r>
-            <a:endParaRPr lang="en-US" altLang="zh-CN" dirty="0" smtClean="0"/>
+              <a:t>uname</a:t>
+            </a:r>
+            <a:endParaRPr lang="en-US" altLang="zh-CN" dirty="0"/>
           </a:p>
           <a:p>
             <a:pPr algn="ctr"/>
@@ -32740,16 +31561,12 @@
           <a:lstStyle/>
           <a:p>
             <a:r>
-              <a:rPr lang="en-US" altLang="zh-CN" smtClean="0"/>
+              <a:rPr lang="en-US" altLang="zh-CN"/>
               <a:t>1.3 </a:t>
             </a:r>
             <a:r>
               <a:rPr lang="zh-CN" altLang="en-US"/>
-              <a:t>构造</a:t>
-            </a:r>
-            <a:r>
-              <a:rPr lang="zh-CN" altLang="en-US" smtClean="0"/>
-              <a:t>函数的问题</a:t>
+              <a:t>构造函数的问题</a:t>
             </a:r>
             <a:endParaRPr lang="zh-CN" altLang="en-US" dirty="0"/>
           </a:p>
@@ -32988,7 +31805,7 @@
           </a:lstStyle>
           <a:p>
             <a:r>
-              <a:rPr smtClean="0">
+              <a:rPr>
                 <a:solidFill>
                   <a:srgbClr val="FF0000"/>
                 </a:solidFill>
@@ -33006,7 +31823,7 @@
               <a:t>同</a:t>
             </a:r>
             <a:r>
-              <a:rPr smtClean="0">
+              <a:rPr>
                 <a:solidFill>
                   <a:srgbClr val="FF0000"/>
                 </a:solidFill>
@@ -33021,36 +31838,9 @@
                 </a:solidFill>
                 <a:sym typeface="+mn-ea"/>
               </a:rPr>
-              <a:t>这样就比较节省</a:t>
-            </a:r>
-            <a:r>
-              <a:rPr lang="zh-CN" altLang="en-US" smtClean="0">
-                <a:solidFill>
-                  <a:srgbClr val="FF0000"/>
-                </a:solidFill>
-                <a:sym typeface="+mn-ea"/>
-              </a:rPr>
-              <a:t>内存，那么我们要</a:t>
-            </a:r>
-            <a:r>
-              <a:rPr lang="zh-CN" altLang="en-US">
-                <a:solidFill>
-                  <a:srgbClr val="FF0000"/>
-                </a:solidFill>
-                <a:sym typeface="+mn-ea"/>
-              </a:rPr>
-              <a:t>怎样做呢</a:t>
-            </a:r>
-            <a:r>
-              <a:rPr lang="zh-CN" altLang="en-US" smtClean="0">
-                <a:solidFill>
-                  <a:srgbClr val="FF0000"/>
-                </a:solidFill>
-                <a:sym typeface="+mn-ea"/>
-              </a:rPr>
-              <a:t>？</a:t>
-            </a:r>
-            <a:endParaRPr smtClean="0">
+              <a:t>这样就比较节省内存，那么我们要怎样做呢？</a:t>
+            </a:r>
+            <a:endParaRPr>
               <a:solidFill>
                 <a:srgbClr val="FF0000"/>
               </a:solidFill>
@@ -33127,7 +31917,7 @@
           </a:p>
           <a:p>
             <a:r>
-              <a:rPr lang="en-US" altLang="zh-CN" sz="1050" dirty="0" smtClean="0">
+              <a:rPr lang="en-US" altLang="zh-CN" sz="1050" dirty="0">
                 <a:solidFill>
                   <a:schemeClr val="tx1"/>
                 </a:solidFill>
@@ -33135,7 +31925,7 @@
               <a:t>    </a:t>
             </a:r>
             <a:r>
-              <a:rPr lang="en-US" altLang="zh-CN" sz="1050" dirty="0" err="1" smtClean="0">
+              <a:rPr lang="en-US" altLang="zh-CN" sz="1050" dirty="0" err="1">
                 <a:solidFill>
                   <a:schemeClr val="tx1"/>
                 </a:solidFill>
@@ -33143,20 +31933,12 @@
               <a:t>this.uname</a:t>
             </a:r>
             <a:r>
-              <a:rPr lang="en-US" altLang="zh-CN" sz="1050" dirty="0" smtClean="0">
-                <a:solidFill>
-                  <a:schemeClr val="tx1"/>
-                </a:solidFill>
-              </a:rPr>
-              <a:t> </a:t>
-            </a:r>
-            <a:r>
               <a:rPr lang="en-US" altLang="zh-CN" sz="1050" dirty="0">
                 <a:solidFill>
                   <a:schemeClr val="tx1"/>
                 </a:solidFill>
               </a:rPr>
-              <a:t>= </a:t>
+              <a:t> = </a:t>
             </a:r>
             <a:r>
               <a:rPr lang="en-US" altLang="zh-CN" sz="1050" dirty="0" err="1">
@@ -33177,7 +31959,7 @@
           </a:p>
           <a:p>
             <a:r>
-              <a:rPr lang="en-US" altLang="zh-CN" sz="1050" dirty="0" smtClean="0">
+              <a:rPr lang="en-US" altLang="zh-CN" sz="1050" dirty="0">
                 <a:solidFill>
                   <a:schemeClr val="tx1"/>
                 </a:solidFill>
@@ -33185,7 +31967,7 @@
               <a:t>    </a:t>
             </a:r>
             <a:r>
-              <a:rPr lang="en-US" altLang="zh-CN" sz="1050" dirty="0" err="1" smtClean="0">
+              <a:rPr lang="en-US" altLang="zh-CN" sz="1050" dirty="0" err="1">
                 <a:solidFill>
                   <a:schemeClr val="tx1"/>
                 </a:solidFill>
@@ -33193,25 +31975,17 @@
               <a:t>this.age</a:t>
             </a:r>
             <a:r>
-              <a:rPr lang="en-US" altLang="zh-CN" sz="1050" dirty="0" smtClean="0">
-                <a:solidFill>
-                  <a:schemeClr val="tx1"/>
-                </a:solidFill>
-              </a:rPr>
-              <a:t> </a:t>
-            </a:r>
-            <a:r>
               <a:rPr lang="en-US" altLang="zh-CN" sz="1050" dirty="0">
                 <a:solidFill>
                   <a:schemeClr val="tx1"/>
                 </a:solidFill>
               </a:rPr>
-              <a:t>= age;</a:t>
+              <a:t> = age;</a:t>
             </a:r>
           </a:p>
           <a:p>
             <a:r>
-              <a:rPr lang="en-US" altLang="zh-CN" sz="1050" dirty="0" smtClean="0">
+              <a:rPr lang="en-US" altLang="zh-CN" sz="1050" dirty="0">
                 <a:solidFill>
                   <a:schemeClr val="tx1"/>
                 </a:solidFill>
@@ -33219,7 +31993,7 @@
               <a:t>    </a:t>
             </a:r>
             <a:r>
-              <a:rPr lang="en-US" altLang="zh-CN" sz="1050" dirty="0" err="1" smtClean="0">
+              <a:rPr lang="en-US" altLang="zh-CN" sz="1050" dirty="0" err="1">
                 <a:solidFill>
                   <a:schemeClr val="tx1"/>
                 </a:solidFill>
@@ -33227,38 +32001,22 @@
               <a:t>this.sing</a:t>
             </a:r>
             <a:r>
-              <a:rPr lang="en-US" altLang="zh-CN" sz="1050" dirty="0" smtClean="0">
-                <a:solidFill>
-                  <a:schemeClr val="tx1"/>
-                </a:solidFill>
-              </a:rPr>
-              <a:t> </a:t>
-            </a:r>
-            <a:r>
               <a:rPr lang="en-US" altLang="zh-CN" sz="1050" dirty="0">
                 <a:solidFill>
                   <a:schemeClr val="tx1"/>
                 </a:solidFill>
               </a:rPr>
-              <a:t>= function() {</a:t>
+              <a:t> = function() {</a:t>
             </a:r>
           </a:p>
           <a:p>
             <a:r>
-              <a:rPr lang="en-US" altLang="zh-CN" sz="1050" dirty="0" smtClean="0">
-                <a:solidFill>
-                  <a:schemeClr val="tx1"/>
-                </a:solidFill>
-              </a:rPr>
-              <a:t>        console.log</a:t>
-            </a:r>
-            <a:r>
               <a:rPr lang="en-US" altLang="zh-CN" sz="1050" dirty="0">
                 <a:solidFill>
                   <a:schemeClr val="tx1"/>
                 </a:solidFill>
               </a:rPr>
-              <a:t>('</a:t>
+              <a:t>        console.log('</a:t>
             </a:r>
             <a:r>
               <a:rPr lang="zh-CN" altLang="en-US" sz="1050" dirty="0">
@@ -33269,20 +32027,12 @@
               <a:t>我会唱歌</a:t>
             </a:r>
             <a:r>
-              <a:rPr lang="en-US" altLang="zh-CN" sz="1050" dirty="0" smtClean="0">
+              <a:rPr lang="en-US" altLang="zh-CN" sz="1050" dirty="0">
                 <a:solidFill>
                   <a:schemeClr val="tx1"/>
                 </a:solidFill>
               </a:rPr>
               <a:t>');</a:t>
-            </a:r>
-            <a:r>
-              <a:rPr lang="en-US" altLang="zh-CN" sz="1050" dirty="0">
-                <a:solidFill>
-                  <a:schemeClr val="tx1"/>
-                </a:solidFill>
-              </a:rPr>
-              <a:t/>
             </a:r>
             <a:br>
               <a:rPr lang="en-US" altLang="zh-CN" sz="1050" dirty="0">
@@ -33960,7 +32710,7 @@
               <a:t>. </a:t>
             </a:r>
             <a:r>
-              <a:rPr lang="zh-CN" altLang="en-US" smtClean="0">
+              <a:rPr lang="zh-CN" altLang="en-US">
                 <a:sym typeface="+mn-ea"/>
               </a:rPr>
               <a:t>构造函数和原型</a:t>
@@ -34164,11 +32914,11 @@
           </a:lstStyle>
           <a:p>
             <a:r>
-              <a:rPr lang="zh-CN" altLang="en-US" dirty="0" smtClean="0"/>
+              <a:rPr lang="zh-CN" altLang="en-US" dirty="0"/>
               <a:t>构造函数通过原型分配的函数是所有对象所</a:t>
             </a:r>
             <a:r>
-              <a:rPr lang="zh-CN" altLang="en-US" b="1" dirty="0" smtClean="0">
+              <a:rPr lang="zh-CN" altLang="en-US" b="1" dirty="0">
                 <a:solidFill>
                   <a:srgbClr val="FF0000"/>
                 </a:solidFill>
@@ -34179,15 +32929,14 @@
               <a:rPr lang="zh-CN" altLang="en-US" dirty="0"/>
               <a:t>。</a:t>
             </a:r>
-            <a:endParaRPr lang="zh-CN" altLang="en-US" dirty="0" smtClean="0"/>
           </a:p>
           <a:p>
             <a:r>
-              <a:rPr lang="zh-CN" altLang="en-US" dirty="0" smtClean="0"/>
+              <a:rPr lang="zh-CN" altLang="en-US" dirty="0"/>
               <a:t>JavaScript 规定，</a:t>
             </a:r>
             <a:r>
-              <a:rPr lang="zh-CN" altLang="en-US" dirty="0" smtClean="0">
+              <a:rPr lang="zh-CN" altLang="en-US" dirty="0">
                 <a:solidFill>
                   <a:srgbClr val="FF0000"/>
                 </a:solidFill>
@@ -34195,21 +32944,21 @@
               <a:t>每一个构造函数都有一个 prototype 属性</a:t>
             </a:r>
             <a:r>
-              <a:rPr lang="zh-CN" altLang="en-US" dirty="0" smtClean="0"/>
+              <a:rPr lang="zh-CN" altLang="en-US" dirty="0"/>
               <a:t>，指向另一个对象。注意这个 </a:t>
             </a:r>
             <a:r>
-              <a:rPr lang="en-US" altLang="zh-CN" dirty="0" smtClean="0"/>
+              <a:rPr lang="en-US" altLang="zh-CN" dirty="0"/>
               <a:t>prototype </a:t>
             </a:r>
             <a:r>
-              <a:rPr lang="zh-CN" altLang="en-US" dirty="0" smtClean="0"/>
+              <a:rPr lang="zh-CN" altLang="en-US" dirty="0"/>
               <a:t>就是一个对象，这个对象的所有属性和方法，都会被构造函数所拥有。</a:t>
             </a:r>
           </a:p>
           <a:p>
             <a:r>
-              <a:rPr lang="zh-CN" altLang="en-US" dirty="0" smtClean="0">
+              <a:rPr lang="zh-CN" altLang="en-US" dirty="0">
                 <a:solidFill>
                   <a:srgbClr val="FF0000"/>
                 </a:solidFill>
@@ -34217,7 +32966,7 @@
               <a:t>我们可以把那些不变的方法，直接定义在 prototype 对象上，这样</a:t>
             </a:r>
             <a:r>
-              <a:rPr lang="zh-CN" altLang="en-US" dirty="0" smtClean="0">
+              <a:rPr lang="zh-CN" altLang="en-US" dirty="0">
                 <a:solidFill>
                   <a:srgbClr val="FF0000"/>
                 </a:solidFill>
@@ -34249,7 +32998,7 @@
           <a:lstStyle/>
           <a:p>
             <a:r>
-              <a:rPr lang="en-US" altLang="zh-CN" smtClean="0"/>
+              <a:rPr lang="en-US" altLang="zh-CN"/>
               <a:t>1.4 </a:t>
             </a:r>
             <a:r>
@@ -34454,7 +33203,7 @@
           </a:lstStyle>
           <a:p>
             <a:r>
-              <a:rPr lang="zh-CN" altLang="en-US" b="1" smtClean="0">
+              <a:rPr lang="zh-CN" altLang="en-US" b="1">
                 <a:solidFill>
                   <a:schemeClr val="tx1"/>
                 </a:solidFill>
@@ -34462,7 +33211,7 @@
               </a:rPr>
               <a:t>问答？</a:t>
             </a:r>
-            <a:endParaRPr lang="zh-CN" altLang="en-US" smtClean="0">
+            <a:endParaRPr lang="zh-CN" altLang="en-US">
               <a:solidFill>
                 <a:schemeClr val="tx1"/>
               </a:solidFill>
@@ -34471,7 +33220,7 @@
           </a:p>
           <a:p>
             <a:r>
-              <a:rPr lang="en-US" altLang="zh-CN" smtClean="0">
+              <a:rPr lang="en-US" altLang="zh-CN">
                 <a:solidFill>
                   <a:schemeClr val="tx1"/>
                 </a:solidFill>
@@ -34480,74 +33229,13 @@
               <a:t>1. </a:t>
             </a:r>
             <a:r>
-              <a:rPr lang="zh-CN" altLang="en-US" smtClean="0">
+              <a:rPr lang="zh-CN" altLang="en-US">
                 <a:solidFill>
                   <a:schemeClr val="tx1"/>
                 </a:solidFill>
                 <a:sym typeface="+mn-ea"/>
               </a:rPr>
               <a:t>原型是什么 ？  </a:t>
-            </a:r>
-            <a:endParaRPr lang="en-US" altLang="zh-CN" smtClean="0">
-              <a:solidFill>
-                <a:schemeClr val="tx1"/>
-              </a:solidFill>
-              <a:sym typeface="+mn-ea"/>
-            </a:endParaRPr>
-          </a:p>
-          <a:p>
-            <a:r>
-              <a:rPr lang="zh-CN" altLang="en-US" smtClean="0">
-                <a:solidFill>
-                  <a:schemeClr val="tx1"/>
-                </a:solidFill>
-                <a:sym typeface="+mn-ea"/>
-              </a:rPr>
-              <a:t>一个对象，我们也称为 </a:t>
-            </a:r>
-            <a:r>
-              <a:rPr lang="en-US" altLang="zh-CN" smtClean="0">
-                <a:solidFill>
-                  <a:schemeClr val="tx1"/>
-                </a:solidFill>
-                <a:sym typeface="+mn-ea"/>
-              </a:rPr>
-              <a:t>prototype </a:t>
-            </a:r>
-            <a:r>
-              <a:rPr lang="zh-CN" altLang="en-US" smtClean="0">
-                <a:solidFill>
-                  <a:schemeClr val="tx1"/>
-                </a:solidFill>
-                <a:sym typeface="+mn-ea"/>
-              </a:rPr>
-              <a:t>为</a:t>
-            </a:r>
-            <a:r>
-              <a:rPr lang="zh-CN" altLang="en-US" smtClean="0">
-                <a:solidFill>
-                  <a:srgbClr val="FF0000"/>
-                </a:solidFill>
-                <a:sym typeface="+mn-ea"/>
-              </a:rPr>
-              <a:t>原型对象。</a:t>
-            </a:r>
-            <a:endParaRPr lang="zh-CN" altLang="en-US" smtClean="0">
-              <a:solidFill>
-                <a:schemeClr val="tx1"/>
-              </a:solidFill>
-              <a:sym typeface="+mn-ea"/>
-            </a:endParaRPr>
-          </a:p>
-          <a:p>
-            <a:r>
-              <a:rPr lang="zh-CN" altLang="en-US">
-                <a:solidFill>
-                  <a:schemeClr val="tx1"/>
-                </a:solidFill>
-                <a:sym typeface="+mn-ea"/>
-              </a:rPr>
-              <a:t>2. 原型的作用是什么 ？  </a:t>
             </a:r>
             <a:endParaRPr lang="en-US" altLang="zh-CN">
               <a:solidFill>
@@ -34558,16 +33246,77 @@
           </a:p>
           <a:p>
             <a:r>
-              <a:rPr lang="zh-CN" altLang="en-US" smtClean="0">
+              <a:rPr lang="zh-CN" altLang="en-US">
+                <a:solidFill>
+                  <a:schemeClr val="tx1"/>
+                </a:solidFill>
+                <a:sym typeface="+mn-ea"/>
+              </a:rPr>
+              <a:t>一个对象，我们也称为 </a:t>
+            </a:r>
+            <a:r>
+              <a:rPr lang="en-US" altLang="zh-CN">
+                <a:solidFill>
+                  <a:schemeClr val="tx1"/>
+                </a:solidFill>
+                <a:sym typeface="+mn-ea"/>
+              </a:rPr>
+              <a:t>prototype </a:t>
+            </a:r>
+            <a:r>
+              <a:rPr lang="zh-CN" altLang="en-US">
+                <a:solidFill>
+                  <a:schemeClr val="tx1"/>
+                </a:solidFill>
+                <a:sym typeface="+mn-ea"/>
+              </a:rPr>
+              <a:t>为</a:t>
+            </a:r>
+            <a:r>
+              <a:rPr lang="zh-CN" altLang="en-US">
                 <a:solidFill>
                   <a:srgbClr val="FF0000"/>
                 </a:solidFill>
                 <a:sym typeface="+mn-ea"/>
               </a:rPr>
+              <a:t>原型对象。</a:t>
+            </a:r>
+            <a:endParaRPr lang="zh-CN" altLang="en-US">
+              <a:solidFill>
+                <a:schemeClr val="tx1"/>
+              </a:solidFill>
+              <a:sym typeface="+mn-ea"/>
+            </a:endParaRPr>
+          </a:p>
+          <a:p>
+            <a:r>
+              <a:rPr lang="zh-CN" altLang="en-US">
+                <a:solidFill>
+                  <a:schemeClr val="tx1"/>
+                </a:solidFill>
+                <a:sym typeface="+mn-ea"/>
+              </a:rPr>
+              <a:t>2. 原型的作用是什么 ？  </a:t>
+            </a:r>
+            <a:endParaRPr lang="en-US" altLang="zh-CN">
+              <a:solidFill>
+                <a:schemeClr val="tx1"/>
+              </a:solidFill>
+              <a:sym typeface="+mn-ea"/>
+            </a:endParaRPr>
+          </a:p>
+          <a:p>
+            <a:r>
+              <a:rPr lang="zh-CN" altLang="en-US">
+                <a:solidFill>
+                  <a:srgbClr val="FF0000"/>
+                </a:solidFill>
+                <a:sym typeface="+mn-ea"/>
+              </a:rPr>
               <a:t>共享方法</a:t>
             </a:r>
             <a:r>
-              <a:rPr lang="zh-CN" altLang="en-US" smtClean="0">
+              <a:rPr lang="zh-CN" altLang="en-US">
                 <a:solidFill>
                   <a:schemeClr val="tx1"/>
                 </a:solidFill>
@@ -35055,7 +33804,7 @@
               <a:t>. </a:t>
             </a:r>
             <a:r>
-              <a:rPr lang="zh-CN" altLang="en-US" smtClean="0">
+              <a:rPr lang="zh-CN" altLang="en-US">
                 <a:sym typeface="+mn-ea"/>
               </a:rPr>
               <a:t>构造函数和原型</a:t>
@@ -35259,7 +34008,7 @@
           </a:lstStyle>
           <a:p>
             <a:r>
-              <a:rPr lang="zh-CN" altLang="en-US" dirty="0" smtClean="0">
+              <a:rPr lang="zh-CN" altLang="en-US" dirty="0">
                 <a:solidFill>
                   <a:srgbClr val="FF0000"/>
                 </a:solidFill>
@@ -35267,7 +34016,7 @@
               <a:t>对象都会有一个属性 </a:t>
             </a:r>
             <a:r>
-              <a:rPr lang="en-US" altLang="zh-CN" dirty="0" smtClean="0">
+              <a:rPr lang="en-US" altLang="zh-CN" dirty="0">
                 <a:solidFill>
                   <a:srgbClr val="FF0000"/>
                 </a:solidFill>
@@ -35275,31 +34024,23 @@
               <a:t>__proto__ </a:t>
             </a:r>
             <a:r>
-              <a:rPr lang="zh-CN" altLang="en-US" dirty="0" smtClean="0"/>
-              <a:t>指向构造函数的 prototype 原型对象</a:t>
-            </a:r>
-            <a:r>
               <a:rPr lang="zh-CN" altLang="en-US" dirty="0"/>
-              <a:t>，</a:t>
-            </a:r>
-            <a:r>
-              <a:rPr lang="zh-CN" altLang="en-US" dirty="0" smtClean="0"/>
-              <a:t>之所以我们对象可以使用构造函数 </a:t>
-            </a:r>
-            <a:r>
-              <a:rPr lang="en-US" altLang="zh-CN" dirty="0" smtClean="0"/>
+              <a:t>指向构造函数的 prototype 原型对象，之所以我们对象可以使用构造函数 </a:t>
+            </a:r>
+            <a:r>
+              <a:rPr lang="en-US" altLang="zh-CN" dirty="0"/>
               <a:t>prototype </a:t>
             </a:r>
             <a:r>
-              <a:rPr lang="zh-CN" altLang="en-US" dirty="0" smtClean="0"/>
+              <a:rPr lang="zh-CN" altLang="en-US" dirty="0"/>
               <a:t>原型对象的属性和方法，就是因为对象有 </a:t>
             </a:r>
             <a:r>
-              <a:rPr lang="en-US" altLang="zh-CN" dirty="0" smtClean="0"/>
+              <a:rPr lang="en-US" altLang="zh-CN" dirty="0"/>
               <a:t>__proto__ </a:t>
             </a:r>
             <a:r>
-              <a:rPr lang="zh-CN" altLang="en-US" dirty="0" smtClean="0"/>
+              <a:rPr lang="zh-CN" altLang="en-US" dirty="0"/>
               <a:t>原型的存在。</a:t>
             </a:r>
           </a:p>
@@ -35309,19 +34050,19 @@
               <a:buChar char="l"/>
             </a:pPr>
             <a:r>
-              <a:rPr lang="en-US" altLang="zh-CN" dirty="0" smtClean="0"/>
+              <a:rPr lang="en-US" altLang="zh-CN" dirty="0"/>
               <a:t>__proto__</a:t>
             </a:r>
             <a:r>
-              <a:rPr lang="zh-CN" altLang="en-US" dirty="0" smtClean="0"/>
+              <a:rPr lang="zh-CN" altLang="en-US" dirty="0"/>
               <a:t>对象原型和原型对象 </a:t>
             </a:r>
             <a:r>
-              <a:rPr lang="en-US" altLang="zh-CN" dirty="0" smtClean="0"/>
+              <a:rPr lang="en-US" altLang="zh-CN" dirty="0"/>
               <a:t>prototype </a:t>
             </a:r>
             <a:r>
-              <a:rPr lang="zh-CN" altLang="en-US" dirty="0" smtClean="0"/>
+              <a:rPr lang="zh-CN" altLang="en-US" dirty="0"/>
               <a:t>是等价的</a:t>
             </a:r>
           </a:p>
@@ -35331,29 +34072,21 @@
               <a:buChar char="l"/>
             </a:pPr>
             <a:r>
-              <a:rPr lang="en-US" altLang="zh-CN" dirty="0" smtClean="0"/>
+              <a:rPr lang="en-US" altLang="zh-CN" dirty="0"/>
               <a:t>__proto__</a:t>
             </a:r>
             <a:r>
-              <a:rPr lang="zh-CN" altLang="en-US" dirty="0" smtClean="0"/>
-              <a:t>对象原型的意义就在于为对象</a:t>
-            </a:r>
-            <a:r>
               <a:rPr lang="zh-CN" altLang="en-US" dirty="0"/>
-              <a:t>的</a:t>
-            </a:r>
-            <a:r>
-              <a:rPr lang="zh-CN" altLang="en-US" dirty="0" smtClean="0"/>
-              <a:t>查找机制提供一个方向，或者说一条路线，但是它是一个非标准属性，因此实际开发中，不可以使用这个属性，它只是内部指向原型对象 </a:t>
-            </a:r>
-            <a:r>
-              <a:rPr lang="en-US" altLang="zh-CN" dirty="0" smtClean="0"/>
+              <a:t>对象原型的意义就在于为对象的查找机制提供一个方向，或者说一条路线，但是它是一个非标准属性，因此实际开发中，不可以使用这个属性，它只是内部指向原型对象 </a:t>
+            </a:r>
+            <a:r>
+              <a:rPr lang="en-US" altLang="zh-CN" dirty="0"/>
               <a:t>prototype</a:t>
             </a:r>
-            <a:endParaRPr lang="zh-CN" altLang="en-US" dirty="0" smtClean="0"/>
+            <a:endParaRPr lang="zh-CN" altLang="en-US" dirty="0"/>
           </a:p>
           <a:p>
-            <a:endParaRPr lang="zh-CN" altLang="en-US" dirty="0" smtClean="0">
+            <a:endParaRPr lang="zh-CN" altLang="en-US" dirty="0">
               <a:solidFill>
                 <a:schemeClr val="tx1"/>
               </a:solidFill>
@@ -35383,16 +34116,12 @@
           <a:lstStyle/>
           <a:p>
             <a:r>
-              <a:rPr lang="en-US" altLang="zh-CN" smtClean="0"/>
+              <a:rPr lang="en-US" altLang="zh-CN"/>
               <a:t>1.5 </a:t>
             </a:r>
             <a:r>
-              <a:rPr lang="zh-CN" altLang="en-US" smtClean="0"/>
-              <a:t>对象</a:t>
-            </a:r>
-            <a:r>
               <a:rPr lang="zh-CN" altLang="en-US"/>
-              <a:t>原型 </a:t>
+              <a:t>对象原型 </a:t>
             </a:r>
             <a:r>
               <a:rPr lang="en-US" altLang="zh-CN"/>
@@ -35439,7 +34168,7 @@
           <a:p>
             <a:pPr algn="ctr"/>
             <a:r>
-              <a:rPr lang="en-US" altLang="zh-CN" dirty="0" smtClean="0"/>
+              <a:rPr lang="en-US" altLang="zh-CN" dirty="0"/>
               <a:t>Star </a:t>
             </a:r>
             <a:r>
@@ -35490,7 +34219,7 @@
               <a:t>ldh</a:t>
             </a:r>
             <a:r>
-              <a:rPr lang="en-US" altLang="zh-CN" dirty="0" smtClean="0"/>
+              <a:rPr lang="en-US" altLang="zh-CN" dirty="0"/>
               <a:t> </a:t>
             </a:r>
             <a:r>
@@ -35537,30 +34266,25 @@
           <a:p>
             <a:pPr algn="ctr"/>
             <a:r>
-              <a:rPr lang="en-US" altLang="zh-CN" dirty="0" smtClean="0"/>
+              <a:rPr lang="en-US" altLang="zh-CN" dirty="0"/>
               <a:t>Star</a:t>
             </a:r>
             <a:r>
-              <a:rPr lang="zh-CN" dirty="0" smtClean="0"/>
-              <a:t>原型</a:t>
-            </a:r>
-            <a:r>
               <a:rPr lang="zh-CN" dirty="0"/>
-              <a:t>对象</a:t>
-            </a:r>
-            <a:r>
-              <a:rPr lang="en-US" altLang="zh-CN" dirty="0" smtClean="0"/>
+              <a:t>原型对象</a:t>
+            </a:r>
+            <a:r>
+              <a:rPr lang="en-US" altLang="zh-CN" dirty="0"/>
               <a:t>prototype(</a:t>
             </a:r>
             <a:r>
-              <a:rPr lang="zh-CN" altLang="en-US" dirty="0" smtClean="0"/>
+              <a:rPr lang="zh-CN" altLang="en-US" dirty="0"/>
               <a:t>存放</a:t>
             </a:r>
             <a:r>
-              <a:rPr lang="en-US" altLang="zh-CN" dirty="0" smtClean="0"/>
+              <a:rPr lang="en-US" altLang="zh-CN" dirty="0"/>
               <a:t>sing)</a:t>
             </a:r>
-            <a:endParaRPr lang="en-US" altLang="zh-CN" dirty="0"/>
           </a:p>
         </p:txBody>
       </p:sp>
@@ -35690,12 +34414,8 @@
               <a:t>ldh</a:t>
             </a:r>
             <a:r>
-              <a:rPr lang="en-US" altLang="zh-CN" sz="1200" dirty="0" smtClean="0"/>
-              <a:t>.__</a:t>
-            </a:r>
-            <a:r>
               <a:rPr lang="en-US" altLang="zh-CN" sz="1200" dirty="0"/>
-              <a:t>proto__</a:t>
+              <a:t>.__proto__</a:t>
             </a:r>
           </a:p>
         </p:txBody>
@@ -35724,15 +34444,15 @@
           <a:p>
             <a:pPr algn="l"/>
             <a:r>
-              <a:rPr lang="en-US" sz="1200" dirty="0" err="1" smtClean="0"/>
+              <a:rPr lang="en-US" sz="1200" dirty="0" err="1"/>
               <a:t>S</a:t>
             </a:r>
             <a:r>
-              <a:rPr lang="en-US" altLang="zh-CN" sz="1200" dirty="0" err="1" smtClean="0"/>
+              <a:rPr lang="en-US" altLang="zh-CN" sz="1200" dirty="0" err="1"/>
               <a:t>tar</a:t>
             </a:r>
             <a:r>
-              <a:rPr lang="en-US" sz="1200" dirty="0" err="1" smtClean="0"/>
+              <a:rPr lang="en-US" sz="1200" dirty="0" err="1"/>
               <a:t>.prototype</a:t>
             </a:r>
             <a:endParaRPr lang="en-US" sz="1200" dirty="0"/>
@@ -36544,7 +35264,7 @@
   <a:extraClrSchemeLst/>
   <a:extLst>
     <a:ext uri="{05A4C25C-085E-4340-85A3-A5531E510DB2}">
-      <thm15:themeFamily xmlns="" xmlns:thm15="http://schemas.microsoft.com/office/thememl/2012/main" name="Office Theme" id="{62F939B6-93AF-4DB8-9C6B-D6C7DFDC589F}" vid="{4A3C46E8-61CC-4603-A589-7422A47A8E4A}"/>
+      <thm15:themeFamily xmlns:thm15="http://schemas.microsoft.com/office/thememl/2012/main" name="Office Theme" id="{62F939B6-93AF-4DB8-9C6B-D6C7DFDC589F}" vid="{4A3C46E8-61CC-4603-A589-7422A47A8E4A}"/>
     </a:ext>
   </a:extLst>
 </a:theme>
@@ -36805,7 +35525,7 @@
   <a:extraClrSchemeLst/>
   <a:extLst>
     <a:ext uri="{05A4C25C-085E-4340-85A3-A5531E510DB2}">
-      <thm15:themeFamily xmlns="" xmlns:thm15="http://schemas.microsoft.com/office/thememl/2012/main" name="Office Theme" id="{62F939B6-93AF-4DB8-9C6B-D6C7DFDC589F}" vid="{4A3C46E8-61CC-4603-A589-7422A47A8E4A}"/>
+      <thm15:themeFamily xmlns:thm15="http://schemas.microsoft.com/office/thememl/2012/main" name="Office Theme" id="{62F939B6-93AF-4DB8-9C6B-D6C7DFDC589F}" vid="{4A3C46E8-61CC-4603-A589-7422A47A8E4A}"/>
     </a:ext>
   </a:extLst>
 </a:theme>
